--- a/프로젝트/종합예약 웹페이지 서비스.pptx
+++ b/프로젝트/종합예약 웹페이지 서비스.pptx
@@ -2771,7 +2771,7 @@
             <a:buChar char="•"/>
           </a:pPr>
           <a:r>
-            <a:rPr lang="ko-KR" altLang="en-US" sz="2800" kern="1200" dirty="0">
+            <a:rPr lang="ko-KR" altLang="ko-KR" sz="2800" kern="1200" dirty="0">
               <a:solidFill>
                 <a:schemeClr val="bg1"/>
               </a:solidFill>
@@ -2780,6 +2780,13 @@
             </a:rPr>
             <a:t>검색</a:t>
           </a:r>
+          <a:endParaRPr lang="ko-KR" altLang="en-US" sz="2800" kern="1200" dirty="0">
+            <a:solidFill>
+              <a:schemeClr val="bg1"/>
+            </a:solidFill>
+            <a:latin typeface="휴먼편지체" panose="02030504000101010101" pitchFamily="18" charset="-127"/>
+            <a:ea typeface="휴먼편지체" panose="02030504000101010101" pitchFamily="18" charset="-127"/>
+          </a:endParaRPr>
         </a:p>
         <a:p>
           <a:pPr marL="285750" lvl="1" indent="-285750" algn="l" defTabSz="1244600" latinLnBrk="1">
@@ -4667,7 +4674,7 @@
           <a:p>
             <a:fld id="{8FBCD6CE-6F38-4608-9979-F7148B43D459}" type="datetimeFigureOut">
               <a:rPr lang="ko-KR" altLang="en-US" smtClean="0"/>
-              <a:t>2024-09-24</a:t>
+              <a:t>2024-09-26</a:t>
             </a:fld>
             <a:endParaRPr lang="ko-KR" altLang="en-US"/>
           </a:p>
@@ -4865,7 +4872,7 @@
           <a:p>
             <a:fld id="{8FBCD6CE-6F38-4608-9979-F7148B43D459}" type="datetimeFigureOut">
               <a:rPr lang="ko-KR" altLang="en-US" smtClean="0"/>
-              <a:t>2024-09-24</a:t>
+              <a:t>2024-09-26</a:t>
             </a:fld>
             <a:endParaRPr lang="ko-KR" altLang="en-US"/>
           </a:p>
@@ -5073,7 +5080,7 @@
           <a:p>
             <a:fld id="{8FBCD6CE-6F38-4608-9979-F7148B43D459}" type="datetimeFigureOut">
               <a:rPr lang="ko-KR" altLang="en-US" smtClean="0"/>
-              <a:t>2024-09-24</a:t>
+              <a:t>2024-09-26</a:t>
             </a:fld>
             <a:endParaRPr lang="ko-KR" altLang="en-US"/>
           </a:p>
@@ -5271,7 +5278,7 @@
           <a:p>
             <a:fld id="{8FBCD6CE-6F38-4608-9979-F7148B43D459}" type="datetimeFigureOut">
               <a:rPr lang="ko-KR" altLang="en-US" smtClean="0"/>
-              <a:t>2024-09-24</a:t>
+              <a:t>2024-09-26</a:t>
             </a:fld>
             <a:endParaRPr lang="ko-KR" altLang="en-US"/>
           </a:p>
@@ -5546,7 +5553,7 @@
           <a:p>
             <a:fld id="{8FBCD6CE-6F38-4608-9979-F7148B43D459}" type="datetimeFigureOut">
               <a:rPr lang="ko-KR" altLang="en-US" smtClean="0"/>
-              <a:t>2024-09-24</a:t>
+              <a:t>2024-09-26</a:t>
             </a:fld>
             <a:endParaRPr lang="ko-KR" altLang="en-US"/>
           </a:p>
@@ -5811,7 +5818,7 @@
           <a:p>
             <a:fld id="{8FBCD6CE-6F38-4608-9979-F7148B43D459}" type="datetimeFigureOut">
               <a:rPr lang="ko-KR" altLang="en-US" smtClean="0"/>
-              <a:t>2024-09-24</a:t>
+              <a:t>2024-09-26</a:t>
             </a:fld>
             <a:endParaRPr lang="ko-KR" altLang="en-US"/>
           </a:p>
@@ -6223,7 +6230,7 @@
           <a:p>
             <a:fld id="{8FBCD6CE-6F38-4608-9979-F7148B43D459}" type="datetimeFigureOut">
               <a:rPr lang="ko-KR" altLang="en-US" smtClean="0"/>
-              <a:t>2024-09-24</a:t>
+              <a:t>2024-09-26</a:t>
             </a:fld>
             <a:endParaRPr lang="ko-KR" altLang="en-US"/>
           </a:p>
@@ -6364,7 +6371,7 @@
           <a:p>
             <a:fld id="{8FBCD6CE-6F38-4608-9979-F7148B43D459}" type="datetimeFigureOut">
               <a:rPr lang="ko-KR" altLang="en-US" smtClean="0"/>
-              <a:t>2024-09-24</a:t>
+              <a:t>2024-09-26</a:t>
             </a:fld>
             <a:endParaRPr lang="ko-KR" altLang="en-US"/>
           </a:p>
@@ -6477,7 +6484,7 @@
           <a:p>
             <a:fld id="{8FBCD6CE-6F38-4608-9979-F7148B43D459}" type="datetimeFigureOut">
               <a:rPr lang="ko-KR" altLang="en-US" smtClean="0"/>
-              <a:t>2024-09-24</a:t>
+              <a:t>2024-09-26</a:t>
             </a:fld>
             <a:endParaRPr lang="ko-KR" altLang="en-US"/>
           </a:p>
@@ -6788,7 +6795,7 @@
           <a:p>
             <a:fld id="{8FBCD6CE-6F38-4608-9979-F7148B43D459}" type="datetimeFigureOut">
               <a:rPr lang="ko-KR" altLang="en-US" smtClean="0"/>
-              <a:t>2024-09-24</a:t>
+              <a:t>2024-09-26</a:t>
             </a:fld>
             <a:endParaRPr lang="ko-KR" altLang="en-US"/>
           </a:p>
@@ -7076,7 +7083,7 @@
           <a:p>
             <a:fld id="{8FBCD6CE-6F38-4608-9979-F7148B43D459}" type="datetimeFigureOut">
               <a:rPr lang="ko-KR" altLang="en-US" smtClean="0"/>
-              <a:t>2024-09-24</a:t>
+              <a:t>2024-09-26</a:t>
             </a:fld>
             <a:endParaRPr lang="ko-KR" altLang="en-US"/>
           </a:p>
@@ -7323,7 +7330,7 @@
           <a:p>
             <a:fld id="{8FBCD6CE-6F38-4608-9979-F7148B43D459}" type="datetimeFigureOut">
               <a:rPr lang="ko-KR" altLang="en-US" smtClean="0"/>
-              <a:t>2024-09-24</a:t>
+              <a:t>2024-09-26</a:t>
             </a:fld>
             <a:endParaRPr lang="ko-KR" altLang="en-US"/>
           </a:p>
@@ -11781,7 +11788,7 @@
           <a:lstStyle/>
           <a:p>
             <a:r>
-              <a:rPr lang="ko-KR" altLang="en-US" dirty="0" err="1">
+              <a:rPr lang="ko-KR" altLang="en-US">
                 <a:solidFill>
                   <a:schemeClr val="bg1"/>
                 </a:solidFill>
@@ -15065,17 +15072,554 @@
             <p:ph idx="1"/>
           </p:nvPr>
         </p:nvSpPr>
-        <p:spPr/>
+        <p:spPr>
+          <a:xfrm>
+            <a:off x="838200" y="1557867"/>
+            <a:ext cx="10515600" cy="4619096"/>
+          </a:xfrm>
+        </p:spPr>
         <p:txBody>
-          <a:bodyPr/>
+          <a:bodyPr>
+            <a:normAutofit lnSpcReduction="10000"/>
+          </a:bodyPr>
           <a:lstStyle/>
           <a:p>
-            <a:endParaRPr lang="ko-KR" altLang="en-US" dirty="0">
+            <a:pPr algn="just" latinLnBrk="1"/>
+            <a:r>
+              <a:rPr lang="ko-KR" altLang="en-US" sz="2400" kern="50" dirty="0">
+                <a:solidFill>
+                  <a:schemeClr val="bg1"/>
+                </a:solidFill>
+                <a:effectLst/>
+                <a:latin typeface="휴먼편지체" panose="02030504000101010101" pitchFamily="18" charset="-127"/>
+                <a:ea typeface="휴먼편지체" panose="02030504000101010101" pitchFamily="18" charset="-127"/>
+                <a:cs typeface="Times New Roman" panose="02020603050405020304" pitchFamily="18" charset="0"/>
+              </a:rPr>
+              <a:t>서비스 명</a:t>
+            </a:r>
+            <a:r>
+              <a:rPr lang="en-US" altLang="ko-KR" sz="2400" kern="50" dirty="0">
+                <a:solidFill>
+                  <a:schemeClr val="bg1"/>
+                </a:solidFill>
+                <a:effectLst/>
+                <a:latin typeface="휴먼편지체" panose="02030504000101010101" pitchFamily="18" charset="-127"/>
+                <a:ea typeface="휴먼편지체" panose="02030504000101010101" pitchFamily="18" charset="-127"/>
+                <a:cs typeface="Times New Roman" panose="02020603050405020304" pitchFamily="18" charset="0"/>
+              </a:rPr>
+              <a:t>: </a:t>
+            </a:r>
+            <a:r>
+              <a:rPr lang="ko-KR" altLang="ko-KR" sz="2400" kern="50" dirty="0">
+                <a:solidFill>
+                  <a:schemeClr val="bg1"/>
+                </a:solidFill>
+                <a:effectLst/>
+                <a:latin typeface="휴먼편지체" panose="02030504000101010101" pitchFamily="18" charset="-127"/>
+                <a:ea typeface="휴먼편지체" panose="02030504000101010101" pitchFamily="18" charset="-127"/>
+                <a:cs typeface="Times New Roman" panose="02020603050405020304" pitchFamily="18" charset="0"/>
+              </a:rPr>
+              <a:t>예약 중개 플랫폼</a:t>
+            </a:r>
+            <a:r>
+              <a:rPr lang="en-US" altLang="ko-KR" sz="2400" kern="50" dirty="0">
+                <a:solidFill>
+                  <a:schemeClr val="bg1"/>
+                </a:solidFill>
+                <a:effectLst/>
+                <a:latin typeface="휴먼편지체" panose="02030504000101010101" pitchFamily="18" charset="-127"/>
+                <a:ea typeface="휴먼편지체" panose="02030504000101010101" pitchFamily="18" charset="-127"/>
+                <a:cs typeface="Times New Roman" panose="02020603050405020304" pitchFamily="18" charset="0"/>
+              </a:rPr>
+              <a:t> “</a:t>
+            </a:r>
+            <a:r>
+              <a:rPr lang="ko-KR" altLang="ko-KR" sz="2400" kern="50" dirty="0">
+                <a:solidFill>
+                  <a:schemeClr val="bg1"/>
+                </a:solidFill>
+                <a:effectLst/>
+                <a:latin typeface="휴먼편지체" panose="02030504000101010101" pitchFamily="18" charset="-127"/>
+                <a:ea typeface="휴먼편지체" panose="02030504000101010101" pitchFamily="18" charset="-127"/>
+                <a:cs typeface="Times New Roman" panose="02020603050405020304" pitchFamily="18" charset="0"/>
+              </a:rPr>
+              <a:t>모두의 예약</a:t>
+            </a:r>
+            <a:r>
+              <a:rPr lang="en-US" altLang="ko-KR" sz="2400" kern="50" dirty="0">
+                <a:solidFill>
+                  <a:schemeClr val="bg1"/>
+                </a:solidFill>
+                <a:effectLst/>
+                <a:latin typeface="휴먼편지체" panose="02030504000101010101" pitchFamily="18" charset="-127"/>
+                <a:ea typeface="휴먼편지체" panose="02030504000101010101" pitchFamily="18" charset="-127"/>
+                <a:cs typeface="Times New Roman" panose="02020603050405020304" pitchFamily="18" charset="0"/>
+              </a:rPr>
+              <a:t>”</a:t>
+            </a:r>
+          </a:p>
+          <a:p>
+            <a:pPr algn="just" latinLnBrk="1"/>
+            <a:r>
+              <a:rPr lang="ko-KR" altLang="en-US" sz="2400" kern="50" dirty="0">
+                <a:solidFill>
+                  <a:schemeClr val="bg1"/>
+                </a:solidFill>
+                <a:effectLst/>
+                <a:latin typeface="휴먼편지체" panose="02030504000101010101" pitchFamily="18" charset="-127"/>
+                <a:ea typeface="휴먼편지체" panose="02030504000101010101" pitchFamily="18" charset="-127"/>
+                <a:cs typeface="Times New Roman" panose="02020603050405020304" pitchFamily="18" charset="0"/>
+              </a:rPr>
+              <a:t>선정 사유</a:t>
+            </a:r>
+            <a:endParaRPr lang="en-US" altLang="ko-KR" sz="2400" kern="50" dirty="0">
+              <a:solidFill>
+                <a:schemeClr val="bg1"/>
+              </a:solidFill>
+              <a:effectLst/>
+              <a:latin typeface="휴먼편지체" panose="02030504000101010101" pitchFamily="18" charset="-127"/>
+              <a:ea typeface="휴먼편지체" panose="02030504000101010101" pitchFamily="18" charset="-127"/>
+              <a:cs typeface="Times New Roman" panose="02020603050405020304" pitchFamily="18" charset="0"/>
+            </a:endParaRPr>
+          </a:p>
+          <a:p>
+            <a:pPr lvl="1" algn="just"/>
+            <a:r>
+              <a:rPr lang="ko-KR" altLang="en-US" sz="2100" kern="50" dirty="0">
+                <a:solidFill>
+                  <a:schemeClr val="bg1"/>
+                </a:solidFill>
+                <a:effectLst/>
+                <a:latin typeface="휴먼편지체" panose="02030504000101010101" pitchFamily="18" charset="-127"/>
+                <a:ea typeface="휴먼편지체" panose="02030504000101010101" pitchFamily="18" charset="-127"/>
+                <a:cs typeface="Times New Roman" panose="02020603050405020304" pitchFamily="18" charset="0"/>
+              </a:rPr>
+              <a:t>소비자가 방문 편의성을 위해 예약하고 방문하는 것이 추세</a:t>
+            </a:r>
+            <a:endParaRPr lang="en-US" altLang="ko-KR" sz="2100" kern="50" dirty="0">
+              <a:solidFill>
+                <a:schemeClr val="bg1"/>
+              </a:solidFill>
+              <a:effectLst/>
+              <a:latin typeface="휴먼편지체" panose="02030504000101010101" pitchFamily="18" charset="-127"/>
+              <a:ea typeface="휴먼편지체" panose="02030504000101010101" pitchFamily="18" charset="-127"/>
+              <a:cs typeface="Times New Roman" panose="02020603050405020304" pitchFamily="18" charset="0"/>
+            </a:endParaRPr>
+          </a:p>
+          <a:p>
+            <a:pPr lvl="1" algn="just"/>
+            <a:r>
+              <a:rPr lang="ko-KR" altLang="en-US" sz="2100" kern="50" dirty="0">
+                <a:solidFill>
+                  <a:schemeClr val="bg1"/>
+                </a:solidFill>
+                <a:latin typeface="휴먼편지체" panose="02030504000101010101" pitchFamily="18" charset="-127"/>
+                <a:ea typeface="휴먼편지체" panose="02030504000101010101" pitchFamily="18" charset="-127"/>
+                <a:cs typeface="Times New Roman" panose="02020603050405020304" pitchFamily="18" charset="0"/>
+              </a:rPr>
+              <a:t>판매자들도 데이터 집계와 관리 편의성을 위해 예약서비스를 많이 이용</a:t>
+            </a:r>
+            <a:endParaRPr lang="en-US" altLang="ko-KR" sz="2100" kern="50" dirty="0">
               <a:solidFill>
                 <a:schemeClr val="bg1"/>
               </a:solidFill>
               <a:latin typeface="휴먼편지체" panose="02030504000101010101" pitchFamily="18" charset="-127"/>
               <a:ea typeface="휴먼편지체" panose="02030504000101010101" pitchFamily="18" charset="-127"/>
+              <a:cs typeface="Times New Roman" panose="02020603050405020304" pitchFamily="18" charset="0"/>
+            </a:endParaRPr>
+          </a:p>
+          <a:p>
+            <a:pPr lvl="1" algn="just"/>
+            <a:r>
+              <a:rPr lang="ko-KR" altLang="en-US" sz="2100" kern="50" dirty="0">
+                <a:solidFill>
+                  <a:schemeClr val="bg1"/>
+                </a:solidFill>
+                <a:latin typeface="휴먼편지체" panose="02030504000101010101" pitchFamily="18" charset="-127"/>
+                <a:ea typeface="휴먼편지체" panose="02030504000101010101" pitchFamily="18" charset="-127"/>
+                <a:cs typeface="Times New Roman" panose="02020603050405020304" pitchFamily="18" charset="0"/>
+              </a:rPr>
+              <a:t>실제 많이 이용하는 웹페이지 서비스 제작을 통해 다양한 기술 사용 경험 축적</a:t>
+            </a:r>
+            <a:r>
+              <a:rPr lang="ko-KR" altLang="en-US" sz="2100" kern="50" dirty="0">
+                <a:solidFill>
+                  <a:schemeClr val="bg1"/>
+                </a:solidFill>
+                <a:effectLst/>
+                <a:latin typeface="휴먼편지체" panose="02030504000101010101" pitchFamily="18" charset="-127"/>
+                <a:ea typeface="휴먼편지체" panose="02030504000101010101" pitchFamily="18" charset="-127"/>
+                <a:cs typeface="Times New Roman" panose="02020603050405020304" pitchFamily="18" charset="0"/>
+              </a:rPr>
+              <a:t> </a:t>
+            </a:r>
+            <a:endParaRPr lang="ko-KR" altLang="ko-KR" sz="2100" kern="50" dirty="0">
+              <a:solidFill>
+                <a:schemeClr val="bg1"/>
+              </a:solidFill>
+              <a:effectLst/>
+              <a:latin typeface="휴먼편지체" panose="02030504000101010101" pitchFamily="18" charset="-127"/>
+              <a:ea typeface="휴먼편지체" panose="02030504000101010101" pitchFamily="18" charset="-127"/>
+              <a:cs typeface="Times New Roman" panose="02020603050405020304" pitchFamily="18" charset="0"/>
+            </a:endParaRPr>
+          </a:p>
+          <a:p>
+            <a:r>
+              <a:rPr lang="ko-KR" altLang="en-US" sz="2400" dirty="0">
+                <a:solidFill>
+                  <a:schemeClr val="bg1"/>
+                </a:solidFill>
+                <a:effectLst/>
+                <a:latin typeface="휴먼편지체" panose="02030504000101010101" pitchFamily="18" charset="-127"/>
+                <a:ea typeface="휴먼편지체" panose="02030504000101010101" pitchFamily="18" charset="-127"/>
+                <a:cs typeface="Times New Roman" panose="02020603050405020304" pitchFamily="18" charset="0"/>
+              </a:rPr>
+              <a:t>목표</a:t>
+            </a:r>
+            <a:endParaRPr lang="en-US" altLang="ko-KR" sz="2400" dirty="0">
+              <a:solidFill>
+                <a:schemeClr val="bg1"/>
+              </a:solidFill>
+              <a:effectLst/>
+              <a:latin typeface="휴먼편지체" panose="02030504000101010101" pitchFamily="18" charset="-127"/>
+              <a:ea typeface="휴먼편지체" panose="02030504000101010101" pitchFamily="18" charset="-127"/>
+              <a:cs typeface="Times New Roman" panose="02020603050405020304" pitchFamily="18" charset="0"/>
+            </a:endParaRPr>
+          </a:p>
+          <a:p>
+            <a:pPr lvl="1"/>
+            <a:r>
+              <a:rPr lang="ko-KR" altLang="ko-KR" sz="2100" dirty="0">
+                <a:solidFill>
+                  <a:schemeClr val="bg1"/>
+                </a:solidFill>
+                <a:effectLst/>
+                <a:latin typeface="휴먼편지체" panose="02030504000101010101" pitchFamily="18" charset="-127"/>
+                <a:ea typeface="휴먼편지체" panose="02030504000101010101" pitchFamily="18" charset="-127"/>
+                <a:cs typeface="Times New Roman" panose="02020603050405020304" pitchFamily="18" charset="0"/>
+              </a:rPr>
+              <a:t>다양한</a:t>
+            </a:r>
+            <a:r>
+              <a:rPr lang="en-US" altLang="ko-KR" sz="2100" dirty="0">
+                <a:solidFill>
+                  <a:schemeClr val="bg1"/>
+                </a:solidFill>
+                <a:effectLst/>
+                <a:latin typeface="휴먼편지체" panose="02030504000101010101" pitchFamily="18" charset="-127"/>
+                <a:ea typeface="휴먼편지체" panose="02030504000101010101" pitchFamily="18" charset="-127"/>
+                <a:cs typeface="Times New Roman" panose="02020603050405020304" pitchFamily="18" charset="0"/>
+              </a:rPr>
+              <a:t> </a:t>
+            </a:r>
+            <a:r>
+              <a:rPr lang="ko-KR" altLang="en-US" sz="2100" dirty="0">
+                <a:solidFill>
+                  <a:schemeClr val="bg1"/>
+                </a:solidFill>
+                <a:effectLst/>
+                <a:latin typeface="휴먼편지체" panose="02030504000101010101" pitchFamily="18" charset="-127"/>
+                <a:ea typeface="휴먼편지체" panose="02030504000101010101" pitchFamily="18" charset="-127"/>
+                <a:cs typeface="Times New Roman" panose="02020603050405020304" pitchFamily="18" charset="0"/>
+              </a:rPr>
+              <a:t>분야의</a:t>
+            </a:r>
+            <a:r>
+              <a:rPr lang="ko-KR" altLang="ko-KR" sz="2100" dirty="0">
+                <a:solidFill>
+                  <a:schemeClr val="bg1"/>
+                </a:solidFill>
+                <a:effectLst/>
+                <a:latin typeface="휴먼편지체" panose="02030504000101010101" pitchFamily="18" charset="-127"/>
+                <a:ea typeface="휴먼편지체" panose="02030504000101010101" pitchFamily="18" charset="-127"/>
+                <a:cs typeface="Times New Roman" panose="02020603050405020304" pitchFamily="18" charset="0"/>
+              </a:rPr>
+              <a:t> 서비스를 </a:t>
+            </a:r>
+            <a:r>
+              <a:rPr lang="en-US" altLang="ko-KR" sz="2100" dirty="0">
+                <a:solidFill>
+                  <a:schemeClr val="bg1"/>
+                </a:solidFill>
+                <a:effectLst/>
+                <a:latin typeface="휴먼편지체" panose="02030504000101010101" pitchFamily="18" charset="-127"/>
+                <a:ea typeface="휴먼편지체" panose="02030504000101010101" pitchFamily="18" charset="-127"/>
+                <a:cs typeface="Times New Roman" panose="02020603050405020304" pitchFamily="18" charset="0"/>
+              </a:rPr>
+              <a:t>1</a:t>
+            </a:r>
+            <a:r>
+              <a:rPr lang="ko-KR" altLang="en-US" sz="2100" dirty="0">
+                <a:solidFill>
+                  <a:schemeClr val="bg1"/>
+                </a:solidFill>
+                <a:effectLst/>
+                <a:latin typeface="휴먼편지체" panose="02030504000101010101" pitchFamily="18" charset="-127"/>
+                <a:ea typeface="휴먼편지체" panose="02030504000101010101" pitchFamily="18" charset="-127"/>
+                <a:cs typeface="Times New Roman" panose="02020603050405020304" pitchFamily="18" charset="0"/>
+              </a:rPr>
+              <a:t>개의 </a:t>
+            </a:r>
+            <a:r>
+              <a:rPr lang="ko-KR" altLang="en-US" sz="2100" dirty="0">
+                <a:solidFill>
+                  <a:schemeClr val="bg1"/>
+                </a:solidFill>
+                <a:latin typeface="휴먼편지체" panose="02030504000101010101" pitchFamily="18" charset="-127"/>
+                <a:ea typeface="휴먼편지체" panose="02030504000101010101" pitchFamily="18" charset="-127"/>
+                <a:cs typeface="Times New Roman" panose="02020603050405020304" pitchFamily="18" charset="0"/>
+              </a:rPr>
+              <a:t>웹페이지</a:t>
+            </a:r>
+            <a:r>
+              <a:rPr lang="ko-KR" altLang="ko-KR" sz="2100" dirty="0">
+                <a:solidFill>
+                  <a:schemeClr val="bg1"/>
+                </a:solidFill>
+                <a:effectLst/>
+                <a:latin typeface="휴먼편지체" panose="02030504000101010101" pitchFamily="18" charset="-127"/>
+                <a:ea typeface="휴먼편지체" panose="02030504000101010101" pitchFamily="18" charset="-127"/>
+                <a:cs typeface="Times New Roman" panose="02020603050405020304" pitchFamily="18" charset="0"/>
+              </a:rPr>
+              <a:t>에서 쉽게 예약할 수 있는 </a:t>
+            </a:r>
+            <a:r>
+              <a:rPr lang="en-US" altLang="ko-KR" sz="2100" dirty="0">
+                <a:solidFill>
+                  <a:schemeClr val="bg1"/>
+                </a:solidFill>
+                <a:latin typeface="휴먼편지체" panose="02030504000101010101" pitchFamily="18" charset="-127"/>
+                <a:ea typeface="휴먼편지체" panose="02030504000101010101" pitchFamily="18" charset="-127"/>
+                <a:cs typeface="Times New Roman" panose="02020603050405020304" pitchFamily="18" charset="0"/>
+              </a:rPr>
+              <a:t>Hub </a:t>
+            </a:r>
+            <a:r>
+              <a:rPr lang="ko-KR" altLang="ko-KR" sz="2100" dirty="0">
+                <a:solidFill>
+                  <a:schemeClr val="bg1"/>
+                </a:solidFill>
+                <a:effectLst/>
+                <a:latin typeface="휴먼편지체" panose="02030504000101010101" pitchFamily="18" charset="-127"/>
+                <a:ea typeface="휴먼편지체" panose="02030504000101010101" pitchFamily="18" charset="-127"/>
+                <a:cs typeface="Times New Roman" panose="02020603050405020304" pitchFamily="18" charset="0"/>
+              </a:rPr>
+              <a:t>플랫폼</a:t>
+            </a:r>
+            <a:r>
+              <a:rPr lang="en-US" altLang="ko-KR" sz="2100" dirty="0">
+                <a:solidFill>
+                  <a:schemeClr val="bg1"/>
+                </a:solidFill>
+                <a:effectLst/>
+                <a:latin typeface="휴먼편지체" panose="02030504000101010101" pitchFamily="18" charset="-127"/>
+                <a:ea typeface="휴먼편지체" panose="02030504000101010101" pitchFamily="18" charset="-127"/>
+                <a:cs typeface="Times New Roman" panose="02020603050405020304" pitchFamily="18" charset="0"/>
+              </a:rPr>
+              <a:t> </a:t>
+            </a:r>
+            <a:r>
+              <a:rPr lang="ko-KR" altLang="en-US" sz="2100" dirty="0">
+                <a:solidFill>
+                  <a:schemeClr val="bg1"/>
+                </a:solidFill>
+                <a:effectLst/>
+                <a:latin typeface="휴먼편지체" panose="02030504000101010101" pitchFamily="18" charset="-127"/>
+                <a:ea typeface="휴먼편지체" panose="02030504000101010101" pitchFamily="18" charset="-127"/>
+                <a:cs typeface="Times New Roman" panose="02020603050405020304" pitchFamily="18" charset="0"/>
+              </a:rPr>
+              <a:t>제작</a:t>
+            </a:r>
+            <a:endParaRPr lang="en-US" altLang="ko-KR" sz="2100" dirty="0">
+              <a:solidFill>
+                <a:schemeClr val="bg1"/>
+              </a:solidFill>
+              <a:effectLst/>
+              <a:latin typeface="휴먼편지체" panose="02030504000101010101" pitchFamily="18" charset="-127"/>
+              <a:ea typeface="휴먼편지체" panose="02030504000101010101" pitchFamily="18" charset="-127"/>
+              <a:cs typeface="Times New Roman" panose="02020603050405020304" pitchFamily="18" charset="0"/>
+            </a:endParaRPr>
+          </a:p>
+          <a:p>
+            <a:pPr lvl="1"/>
+            <a:r>
+              <a:rPr lang="ko-KR" altLang="ko-KR" sz="2100" dirty="0">
+                <a:solidFill>
+                  <a:schemeClr val="bg1"/>
+                </a:solidFill>
+                <a:effectLst/>
+                <a:latin typeface="휴먼편지체" panose="02030504000101010101" pitchFamily="18" charset="-127"/>
+                <a:ea typeface="휴먼편지체" panose="02030504000101010101" pitchFamily="18" charset="-127"/>
+                <a:cs typeface="Times New Roman" panose="02020603050405020304" pitchFamily="18" charset="0"/>
+              </a:rPr>
+              <a:t>사용자 중심의 인터페이스와 효율적인 예약 시스템을 구축</a:t>
+            </a:r>
+            <a:endParaRPr lang="en-US" altLang="ko-KR" sz="2100" dirty="0">
+              <a:solidFill>
+                <a:schemeClr val="bg1"/>
+              </a:solidFill>
+              <a:effectLst/>
+              <a:latin typeface="휴먼편지체" panose="02030504000101010101" pitchFamily="18" charset="-127"/>
+              <a:ea typeface="휴먼편지체" panose="02030504000101010101" pitchFamily="18" charset="-127"/>
+              <a:cs typeface="Times New Roman" panose="02020603050405020304" pitchFamily="18" charset="0"/>
+            </a:endParaRPr>
+          </a:p>
+          <a:p>
+            <a:pPr lvl="1"/>
+            <a:r>
+              <a:rPr lang="ko-KR" altLang="en-US" sz="2100" dirty="0">
+                <a:solidFill>
+                  <a:schemeClr val="bg1"/>
+                </a:solidFill>
+                <a:effectLst/>
+                <a:latin typeface="휴먼편지체" panose="02030504000101010101" pitchFamily="18" charset="-127"/>
+                <a:ea typeface="휴먼편지체" panose="02030504000101010101" pitchFamily="18" charset="-127"/>
+                <a:cs typeface="Times New Roman" panose="02020603050405020304" pitchFamily="18" charset="0"/>
+              </a:rPr>
+              <a:t>필요한 기술들을 적용하여 기술의 이해도 숙련도 향상</a:t>
+            </a:r>
+            <a:endParaRPr lang="en-US" altLang="ko-KR" sz="2100" dirty="0">
+              <a:solidFill>
+                <a:schemeClr val="bg1"/>
+              </a:solidFill>
+              <a:effectLst/>
+              <a:latin typeface="휴먼편지체" panose="02030504000101010101" pitchFamily="18" charset="-127"/>
+              <a:ea typeface="휴먼편지체" panose="02030504000101010101" pitchFamily="18" charset="-127"/>
+              <a:cs typeface="Times New Roman" panose="02020603050405020304" pitchFamily="18" charset="0"/>
+            </a:endParaRPr>
+          </a:p>
+          <a:p>
+            <a:r>
+              <a:rPr lang="ko-KR" altLang="en-US" sz="2400" dirty="0">
+                <a:solidFill>
+                  <a:schemeClr val="bg1"/>
+                </a:solidFill>
+                <a:latin typeface="휴먼편지체" panose="02030504000101010101" pitchFamily="18" charset="-127"/>
+                <a:ea typeface="휴먼편지체" panose="02030504000101010101" pitchFamily="18" charset="-127"/>
+                <a:cs typeface="Times New Roman" panose="02020603050405020304" pitchFamily="18" charset="0"/>
+              </a:rPr>
+              <a:t>기대효과</a:t>
+            </a:r>
+            <a:r>
+              <a:rPr lang="en-US" altLang="ko-KR" sz="2400" dirty="0">
+                <a:solidFill>
+                  <a:schemeClr val="bg1"/>
+                </a:solidFill>
+                <a:latin typeface="휴먼편지체" panose="02030504000101010101" pitchFamily="18" charset="-127"/>
+                <a:ea typeface="휴먼편지체" panose="02030504000101010101" pitchFamily="18" charset="-127"/>
+                <a:cs typeface="Times New Roman" panose="02020603050405020304" pitchFamily="18" charset="0"/>
+              </a:rPr>
+              <a:t> </a:t>
+            </a:r>
+          </a:p>
+          <a:p>
+            <a:pPr lvl="1"/>
+            <a:r>
+              <a:rPr lang="ko-KR" altLang="ko-KR" sz="2100" dirty="0">
+                <a:solidFill>
+                  <a:schemeClr val="bg1"/>
+                </a:solidFill>
+                <a:effectLst/>
+                <a:latin typeface="휴먼편지체" panose="02030504000101010101" pitchFamily="18" charset="-127"/>
+                <a:ea typeface="휴먼편지체" panose="02030504000101010101" pitchFamily="18" charset="-127"/>
+                <a:cs typeface="Times New Roman" panose="02020603050405020304" pitchFamily="18" charset="0"/>
+              </a:rPr>
+              <a:t>사용자</a:t>
+            </a:r>
+            <a:r>
+              <a:rPr lang="ko-KR" altLang="en-US" sz="2100" dirty="0">
+                <a:solidFill>
+                  <a:schemeClr val="bg1"/>
+                </a:solidFill>
+                <a:effectLst/>
+                <a:latin typeface="휴먼편지체" panose="02030504000101010101" pitchFamily="18" charset="-127"/>
+                <a:ea typeface="휴먼편지체" panose="02030504000101010101" pitchFamily="18" charset="-127"/>
+                <a:cs typeface="Times New Roman" panose="02020603050405020304" pitchFamily="18" charset="0"/>
+              </a:rPr>
+              <a:t>가</a:t>
+            </a:r>
+            <a:r>
+              <a:rPr lang="ko-KR" altLang="ko-KR" sz="2100" dirty="0">
+                <a:solidFill>
+                  <a:schemeClr val="bg1"/>
+                </a:solidFill>
+                <a:effectLst/>
+                <a:latin typeface="휴먼편지체" panose="02030504000101010101" pitchFamily="18" charset="-127"/>
+                <a:ea typeface="휴먼편지체" panose="02030504000101010101" pitchFamily="18" charset="-127"/>
+                <a:cs typeface="Times New Roman" panose="02020603050405020304" pitchFamily="18" charset="0"/>
+              </a:rPr>
+              <a:t> 예약</a:t>
+            </a:r>
+            <a:r>
+              <a:rPr lang="ko-KR" altLang="en-US" sz="2100" dirty="0">
+                <a:solidFill>
+                  <a:schemeClr val="bg1"/>
+                </a:solidFill>
+                <a:effectLst/>
+                <a:latin typeface="휴먼편지체" panose="02030504000101010101" pitchFamily="18" charset="-127"/>
+                <a:ea typeface="휴먼편지체" panose="02030504000101010101" pitchFamily="18" charset="-127"/>
+                <a:cs typeface="Times New Roman" panose="02020603050405020304" pitchFamily="18" charset="0"/>
+              </a:rPr>
+              <a:t>서비스 이용 편의성 향상</a:t>
+            </a:r>
+            <a:endParaRPr lang="en-US" altLang="ko-KR" sz="2100" dirty="0">
+              <a:solidFill>
+                <a:schemeClr val="bg1"/>
+              </a:solidFill>
+              <a:latin typeface="휴먼편지체" panose="02030504000101010101" pitchFamily="18" charset="-127"/>
+              <a:ea typeface="휴먼편지체" panose="02030504000101010101" pitchFamily="18" charset="-127"/>
+              <a:cs typeface="Times New Roman" panose="02020603050405020304" pitchFamily="18" charset="0"/>
+            </a:endParaRPr>
+          </a:p>
+          <a:p>
+            <a:pPr lvl="1"/>
+            <a:r>
+              <a:rPr lang="ko-KR" altLang="en-US" sz="2100" dirty="0">
+                <a:solidFill>
+                  <a:schemeClr val="bg1"/>
+                </a:solidFill>
+                <a:effectLst/>
+                <a:latin typeface="휴먼편지체" panose="02030504000101010101" pitchFamily="18" charset="-127"/>
+                <a:ea typeface="휴먼편지체" panose="02030504000101010101" pitchFamily="18" charset="-127"/>
+                <a:cs typeface="Times New Roman" panose="02020603050405020304" pitchFamily="18" charset="0"/>
+              </a:rPr>
+              <a:t>소비지 종합 니즈 데이터 집계 가능 </a:t>
+            </a:r>
+            <a:r>
+              <a:rPr lang="en-US" altLang="ko-KR" sz="2100" dirty="0">
+                <a:solidFill>
+                  <a:schemeClr val="bg1"/>
+                </a:solidFill>
+                <a:effectLst/>
+                <a:latin typeface="휴먼편지체" panose="02030504000101010101" pitchFamily="18" charset="-127"/>
+                <a:ea typeface="휴먼편지체" panose="02030504000101010101" pitchFamily="18" charset="-127"/>
+                <a:cs typeface="Times New Roman" panose="02020603050405020304" pitchFamily="18" charset="0"/>
+              </a:rPr>
+              <a:t> </a:t>
+            </a:r>
+          </a:p>
+          <a:p>
+            <a:pPr lvl="1"/>
+            <a:r>
+              <a:rPr lang="ko-KR" altLang="en-US" sz="2100" dirty="0">
+                <a:solidFill>
+                  <a:schemeClr val="bg1"/>
+                </a:solidFill>
+                <a:effectLst/>
+                <a:latin typeface="휴먼편지체" panose="02030504000101010101" pitchFamily="18" charset="-127"/>
+                <a:ea typeface="휴먼편지체" panose="02030504000101010101" pitchFamily="18" charset="-127"/>
+                <a:cs typeface="Times New Roman" panose="02020603050405020304" pitchFamily="18" charset="0"/>
+              </a:rPr>
+              <a:t>웹 개발자로서 역량 개발</a:t>
+            </a:r>
+            <a:endParaRPr lang="en-US" altLang="ko-KR" dirty="0">
+              <a:solidFill>
+                <a:schemeClr val="bg1"/>
+              </a:solidFill>
+              <a:effectLst/>
+              <a:latin typeface="휴먼편지체" panose="02030504000101010101" pitchFamily="18" charset="-127"/>
+              <a:ea typeface="휴먼편지체" panose="02030504000101010101" pitchFamily="18" charset="-127"/>
+              <a:cs typeface="Times New Roman" panose="02020603050405020304" pitchFamily="18" charset="0"/>
             </a:endParaRPr>
           </a:p>
         </p:txBody>
@@ -15423,73 +15967,6 @@
           </a:lstStyle>
           <a:p>
             <a:endParaRPr lang="ko-KR" altLang="en-US" dirty="0">
-              <a:solidFill>
-                <a:schemeClr val="bg1"/>
-              </a:solidFill>
-              <a:latin typeface="휴먼편지체" panose="02030504000101010101" pitchFamily="18" charset="-127"/>
-              <a:ea typeface="휴먼편지체" panose="02030504000101010101" pitchFamily="18" charset="-127"/>
-            </a:endParaRPr>
-          </a:p>
-        </p:txBody>
-      </p:sp>
-      <p:sp>
-        <p:nvSpPr>
-          <p:cNvPr id="14" name="제목 1">
-            <a:extLst>
-              <a:ext uri="{FF2B5EF4-FFF2-40B4-BE49-F238E27FC236}">
-                <a16:creationId xmlns:a16="http://schemas.microsoft.com/office/drawing/2014/main" id="{D9D416DE-7801-47A4-ABF5-BADDF1D0AA68}"/>
-              </a:ext>
-            </a:extLst>
-          </p:cNvPr>
-          <p:cNvSpPr txBox="1">
-            <a:spLocks/>
-          </p:cNvSpPr>
-          <p:nvPr/>
-        </p:nvSpPr>
-        <p:spPr>
-          <a:xfrm>
-            <a:off x="1253840" y="877751"/>
-            <a:ext cx="10515600" cy="1325563"/>
-          </a:xfrm>
-          <a:prstGeom prst="rect">
-            <a:avLst/>
-          </a:prstGeom>
-        </p:spPr>
-        <p:txBody>
-          <a:bodyPr vert="horz" lIns="91440" tIns="45720" rIns="91440" bIns="45720" rtlCol="0" anchor="ctr">
-            <a:normAutofit/>
-          </a:bodyPr>
-          <a:lstStyle>
-            <a:lvl1pPr algn="l" defTabSz="914400" rtl="0" eaLnBrk="1" latinLnBrk="1" hangingPunct="1">
-              <a:lnSpc>
-                <a:spcPct val="90000"/>
-              </a:lnSpc>
-              <a:spcBef>
-                <a:spcPct val="0"/>
-              </a:spcBef>
-              <a:buNone/>
-              <a:defRPr sz="4400" kern="1200">
-                <a:solidFill>
-                  <a:schemeClr val="tx1"/>
-                </a:solidFill>
-                <a:latin typeface="+mj-lt"/>
-                <a:ea typeface="+mj-ea"/>
-                <a:cs typeface="+mj-cs"/>
-              </a:defRPr>
-            </a:lvl1pPr>
-          </a:lstStyle>
-          <a:p>
-            <a:r>
-              <a:rPr lang="ko-KR" altLang="en-US" sz="3200">
-                <a:solidFill>
-                  <a:schemeClr val="bg1"/>
-                </a:solidFill>
-                <a:latin typeface="휴먼편지체" panose="02030504000101010101" pitchFamily="18" charset="-127"/>
-                <a:ea typeface="휴먼편지체" panose="02030504000101010101" pitchFamily="18" charset="-127"/>
-              </a:rPr>
-              <a:t>기획의도</a:t>
-            </a:r>
-            <a:endParaRPr lang="ko-KR" altLang="en-US" sz="3200" dirty="0">
               <a:solidFill>
                 <a:schemeClr val="bg1"/>
               </a:solidFill>
@@ -18245,7 +18722,7 @@
                 <a:latin typeface="휴먼편지체" panose="02030504000101010101" pitchFamily="18" charset="-127"/>
                 <a:ea typeface="휴먼편지체" panose="02030504000101010101" pitchFamily="18" charset="-127"/>
               </a:rPr>
-              <a:t>다이나믹 웹프로젝트</a:t>
+              <a:t>스프링 레거시 프로젝트</a:t>
             </a:r>
           </a:p>
         </p:txBody>

--- a/프로젝트/종합예약 웹페이지 서비스.pptx
+++ b/프로젝트/종합예약 웹페이지 서비스.pptx
@@ -12,19 +12,25 @@
     <p:sldId id="257" r:id="rId6"/>
     <p:sldId id="259" r:id="rId7"/>
     <p:sldId id="274" r:id="rId8"/>
-    <p:sldId id="261" r:id="rId9"/>
-    <p:sldId id="263" r:id="rId10"/>
-    <p:sldId id="264" r:id="rId11"/>
-    <p:sldId id="265" r:id="rId12"/>
-    <p:sldId id="266" r:id="rId13"/>
-    <p:sldId id="267" r:id="rId14"/>
-    <p:sldId id="268" r:id="rId15"/>
-    <p:sldId id="269" r:id="rId16"/>
-    <p:sldId id="275" r:id="rId17"/>
-    <p:sldId id="270" r:id="rId18"/>
-    <p:sldId id="271" r:id="rId19"/>
-    <p:sldId id="273" r:id="rId20"/>
-    <p:sldId id="262" r:id="rId21"/>
+    <p:sldId id="331" r:id="rId9"/>
+    <p:sldId id="261" r:id="rId10"/>
+    <p:sldId id="263" r:id="rId11"/>
+    <p:sldId id="264" r:id="rId12"/>
+    <p:sldId id="265" r:id="rId13"/>
+    <p:sldId id="266" r:id="rId14"/>
+    <p:sldId id="332" r:id="rId15"/>
+    <p:sldId id="267" r:id="rId16"/>
+    <p:sldId id="268" r:id="rId17"/>
+    <p:sldId id="333" r:id="rId18"/>
+    <p:sldId id="334" r:id="rId19"/>
+    <p:sldId id="269" r:id="rId20"/>
+    <p:sldId id="275" r:id="rId21"/>
+    <p:sldId id="270" r:id="rId22"/>
+    <p:sldId id="271" r:id="rId23"/>
+    <p:sldId id="321" r:id="rId24"/>
+    <p:sldId id="322" r:id="rId25"/>
+    <p:sldId id="323" r:id="rId26"/>
+    <p:sldId id="262" r:id="rId27"/>
   </p:sldIdLst>
   <p:sldSz cx="12192000" cy="6858000"/>
   <p:notesSz cx="6858000" cy="9144000"/>
@@ -4674,7 +4680,7 @@
           <a:p>
             <a:fld id="{8FBCD6CE-6F38-4608-9979-F7148B43D459}" type="datetimeFigureOut">
               <a:rPr lang="ko-KR" altLang="en-US" smtClean="0"/>
-              <a:t>2024-09-26</a:t>
+              <a:t>2024-09-27</a:t>
             </a:fld>
             <a:endParaRPr lang="ko-KR" altLang="en-US"/>
           </a:p>
@@ -4872,7 +4878,7 @@
           <a:p>
             <a:fld id="{8FBCD6CE-6F38-4608-9979-F7148B43D459}" type="datetimeFigureOut">
               <a:rPr lang="ko-KR" altLang="en-US" smtClean="0"/>
-              <a:t>2024-09-26</a:t>
+              <a:t>2024-09-27</a:t>
             </a:fld>
             <a:endParaRPr lang="ko-KR" altLang="en-US"/>
           </a:p>
@@ -5080,7 +5086,7 @@
           <a:p>
             <a:fld id="{8FBCD6CE-6F38-4608-9979-F7148B43D459}" type="datetimeFigureOut">
               <a:rPr lang="ko-KR" altLang="en-US" smtClean="0"/>
-              <a:t>2024-09-26</a:t>
+              <a:t>2024-09-27</a:t>
             </a:fld>
             <a:endParaRPr lang="ko-KR" altLang="en-US"/>
           </a:p>
@@ -5278,7 +5284,7 @@
           <a:p>
             <a:fld id="{8FBCD6CE-6F38-4608-9979-F7148B43D459}" type="datetimeFigureOut">
               <a:rPr lang="ko-KR" altLang="en-US" smtClean="0"/>
-              <a:t>2024-09-26</a:t>
+              <a:t>2024-09-27</a:t>
             </a:fld>
             <a:endParaRPr lang="ko-KR" altLang="en-US"/>
           </a:p>
@@ -5553,7 +5559,7 @@
           <a:p>
             <a:fld id="{8FBCD6CE-6F38-4608-9979-F7148B43D459}" type="datetimeFigureOut">
               <a:rPr lang="ko-KR" altLang="en-US" smtClean="0"/>
-              <a:t>2024-09-26</a:t>
+              <a:t>2024-09-27</a:t>
             </a:fld>
             <a:endParaRPr lang="ko-KR" altLang="en-US"/>
           </a:p>
@@ -5818,7 +5824,7 @@
           <a:p>
             <a:fld id="{8FBCD6CE-6F38-4608-9979-F7148B43D459}" type="datetimeFigureOut">
               <a:rPr lang="ko-KR" altLang="en-US" smtClean="0"/>
-              <a:t>2024-09-26</a:t>
+              <a:t>2024-09-27</a:t>
             </a:fld>
             <a:endParaRPr lang="ko-KR" altLang="en-US"/>
           </a:p>
@@ -6230,7 +6236,7 @@
           <a:p>
             <a:fld id="{8FBCD6CE-6F38-4608-9979-F7148B43D459}" type="datetimeFigureOut">
               <a:rPr lang="ko-KR" altLang="en-US" smtClean="0"/>
-              <a:t>2024-09-26</a:t>
+              <a:t>2024-09-27</a:t>
             </a:fld>
             <a:endParaRPr lang="ko-KR" altLang="en-US"/>
           </a:p>
@@ -6371,7 +6377,7 @@
           <a:p>
             <a:fld id="{8FBCD6CE-6F38-4608-9979-F7148B43D459}" type="datetimeFigureOut">
               <a:rPr lang="ko-KR" altLang="en-US" smtClean="0"/>
-              <a:t>2024-09-26</a:t>
+              <a:t>2024-09-27</a:t>
             </a:fld>
             <a:endParaRPr lang="ko-KR" altLang="en-US"/>
           </a:p>
@@ -6484,7 +6490,7 @@
           <a:p>
             <a:fld id="{8FBCD6CE-6F38-4608-9979-F7148B43D459}" type="datetimeFigureOut">
               <a:rPr lang="ko-KR" altLang="en-US" smtClean="0"/>
-              <a:t>2024-09-26</a:t>
+              <a:t>2024-09-27</a:t>
             </a:fld>
             <a:endParaRPr lang="ko-KR" altLang="en-US"/>
           </a:p>
@@ -6795,7 +6801,7 @@
           <a:p>
             <a:fld id="{8FBCD6CE-6F38-4608-9979-F7148B43D459}" type="datetimeFigureOut">
               <a:rPr lang="ko-KR" altLang="en-US" smtClean="0"/>
-              <a:t>2024-09-26</a:t>
+              <a:t>2024-09-27</a:t>
             </a:fld>
             <a:endParaRPr lang="ko-KR" altLang="en-US"/>
           </a:p>
@@ -7083,7 +7089,7 @@
           <a:p>
             <a:fld id="{8FBCD6CE-6F38-4608-9979-F7148B43D459}" type="datetimeFigureOut">
               <a:rPr lang="ko-KR" altLang="en-US" smtClean="0"/>
-              <a:t>2024-09-26</a:t>
+              <a:t>2024-09-27</a:t>
             </a:fld>
             <a:endParaRPr lang="ko-KR" altLang="en-US"/>
           </a:p>
@@ -7330,7 +7336,7 @@
           <a:p>
             <a:fld id="{8FBCD6CE-6F38-4608-9979-F7148B43D459}" type="datetimeFigureOut">
               <a:rPr lang="ko-KR" altLang="en-US" smtClean="0"/>
-              <a:t>2024-09-26</a:t>
+              <a:t>2024-09-27</a:t>
             </a:fld>
             <a:endParaRPr lang="ko-KR" altLang="en-US"/>
           </a:p>
@@ -8939,7 +8945,7 @@
                 <a:latin typeface="휴먼편지체" panose="02030504000101010101" pitchFamily="18" charset="-127"/>
                 <a:ea typeface="휴먼편지체" panose="02030504000101010101" pitchFamily="18" charset="-127"/>
               </a:rPr>
-              <a:t>예약 주문관리</a:t>
+              <a:t>예약시스템</a:t>
             </a:r>
             <a:endParaRPr lang="ko-KR" altLang="en-US" sz="2800" dirty="0">
               <a:solidFill>
@@ -8954,7 +8960,7 @@
     </p:spTree>
     <p:extLst>
       <p:ext uri="{BB962C8B-B14F-4D97-AF65-F5344CB8AC3E}">
-        <p14:creationId xmlns:p14="http://schemas.microsoft.com/office/powerpoint/2010/main" val="730165765"/>
+        <p14:creationId xmlns:p14="http://schemas.microsoft.com/office/powerpoint/2010/main" val="2385090923"/>
       </p:ext>
     </p:extLst>
   </p:cSld>
@@ -9367,7 +9373,7 @@
                 <a:latin typeface="휴먼편지체" panose="02030504000101010101" pitchFamily="18" charset="-127"/>
                 <a:ea typeface="휴먼편지체" panose="02030504000101010101" pitchFamily="18" charset="-127"/>
               </a:rPr>
-              <a:t>검색</a:t>
+              <a:t>예약 주문관리</a:t>
             </a:r>
             <a:endParaRPr lang="ko-KR" altLang="en-US" sz="2800" dirty="0">
               <a:solidFill>
@@ -9382,7 +9388,7 @@
     </p:spTree>
     <p:extLst>
       <p:ext uri="{BB962C8B-B14F-4D97-AF65-F5344CB8AC3E}">
-        <p14:creationId xmlns:p14="http://schemas.microsoft.com/office/powerpoint/2010/main" val="3908811826"/>
+        <p14:creationId xmlns:p14="http://schemas.microsoft.com/office/powerpoint/2010/main" val="730165765"/>
       </p:ext>
     </p:extLst>
   </p:cSld>
@@ -9795,7 +9801,7 @@
                 <a:latin typeface="휴먼편지체" panose="02030504000101010101" pitchFamily="18" charset="-127"/>
                 <a:ea typeface="휴먼편지체" panose="02030504000101010101" pitchFamily="18" charset="-127"/>
               </a:rPr>
-              <a:t>이미지업로드</a:t>
+              <a:t>검색</a:t>
             </a:r>
             <a:endParaRPr lang="ko-KR" altLang="en-US" sz="2800" dirty="0">
               <a:solidFill>
@@ -9807,10 +9813,40 @@
           </a:p>
         </p:txBody>
       </p:sp>
+      <p:pic>
+        <p:nvPicPr>
+          <p:cNvPr id="11" name="그림 10">
+            <a:extLst>
+              <a:ext uri="{FF2B5EF4-FFF2-40B4-BE49-F238E27FC236}">
+                <a16:creationId xmlns:a16="http://schemas.microsoft.com/office/drawing/2014/main" id="{E50E652A-3A35-42DA-A9C1-A844F49C08BC}"/>
+              </a:ext>
+            </a:extLst>
+          </p:cNvPr>
+          <p:cNvPicPr>
+            <a:picLocks noChangeAspect="1"/>
+          </p:cNvPicPr>
+          <p:nvPr/>
+        </p:nvPicPr>
+        <p:blipFill>
+          <a:blip r:embed="rId2"/>
+          <a:stretch>
+            <a:fillRect/>
+          </a:stretch>
+        </p:blipFill>
+        <p:spPr>
+          <a:xfrm>
+            <a:off x="6081205" y="-2248"/>
+            <a:ext cx="6105618" cy="6858000"/>
+          </a:xfrm>
+          <a:prstGeom prst="rect">
+            <a:avLst/>
+          </a:prstGeom>
+        </p:spPr>
+      </p:pic>
     </p:spTree>
     <p:extLst>
       <p:ext uri="{BB962C8B-B14F-4D97-AF65-F5344CB8AC3E}">
-        <p14:creationId xmlns:p14="http://schemas.microsoft.com/office/powerpoint/2010/main" val="1071376164"/>
+        <p14:creationId xmlns:p14="http://schemas.microsoft.com/office/powerpoint/2010/main" val="3908811826"/>
       </p:ext>
     </p:extLst>
   </p:cSld>
@@ -10223,7 +10259,7 @@
                 <a:latin typeface="휴먼편지체" panose="02030504000101010101" pitchFamily="18" charset="-127"/>
                 <a:ea typeface="휴먼편지체" panose="02030504000101010101" pitchFamily="18" charset="-127"/>
               </a:rPr>
-              <a:t>지도 위치 표시</a:t>
+              <a:t>이미지업로드</a:t>
             </a:r>
             <a:endParaRPr lang="ko-KR" altLang="en-US" sz="2800" dirty="0">
               <a:solidFill>
@@ -10235,10 +10271,40 @@
           </a:p>
         </p:txBody>
       </p:sp>
+      <p:pic>
+        <p:nvPicPr>
+          <p:cNvPr id="11" name="그림 10">
+            <a:extLst>
+              <a:ext uri="{FF2B5EF4-FFF2-40B4-BE49-F238E27FC236}">
+                <a16:creationId xmlns:a16="http://schemas.microsoft.com/office/drawing/2014/main" id="{53E12937-43AE-4D8F-8E3A-8D70070AD28C}"/>
+              </a:ext>
+            </a:extLst>
+          </p:cNvPr>
+          <p:cNvPicPr>
+            <a:picLocks noChangeAspect="1"/>
+          </p:cNvPicPr>
+          <p:nvPr/>
+        </p:nvPicPr>
+        <p:blipFill>
+          <a:blip r:embed="rId2"/>
+          <a:stretch>
+            <a:fillRect/>
+          </a:stretch>
+        </p:blipFill>
+        <p:spPr>
+          <a:xfrm>
+            <a:off x="5770105" y="704143"/>
+            <a:ext cx="5985790" cy="5626898"/>
+          </a:xfrm>
+          <a:prstGeom prst="rect">
+            <a:avLst/>
+          </a:prstGeom>
+        </p:spPr>
+      </p:pic>
     </p:spTree>
     <p:extLst>
       <p:ext uri="{BB962C8B-B14F-4D97-AF65-F5344CB8AC3E}">
-        <p14:creationId xmlns:p14="http://schemas.microsoft.com/office/powerpoint/2010/main" val="2727693196"/>
+        <p14:creationId xmlns:p14="http://schemas.microsoft.com/office/powerpoint/2010/main" val="1071376164"/>
       </p:ext>
     </p:extLst>
   </p:cSld>
@@ -10651,7 +10717,7 @@
                 <a:latin typeface="휴먼편지체" panose="02030504000101010101" pitchFamily="18" charset="-127"/>
                 <a:ea typeface="휴먼편지체" panose="02030504000101010101" pitchFamily="18" charset="-127"/>
               </a:rPr>
-              <a:t>메인페이지</a:t>
+              <a:t>이미지업로드</a:t>
             </a:r>
             <a:endParaRPr lang="ko-KR" altLang="en-US" sz="2800" dirty="0">
               <a:solidFill>
@@ -10663,10 +10729,40 @@
           </a:p>
         </p:txBody>
       </p:sp>
+      <p:pic>
+        <p:nvPicPr>
+          <p:cNvPr id="15" name="그림 14">
+            <a:extLst>
+              <a:ext uri="{FF2B5EF4-FFF2-40B4-BE49-F238E27FC236}">
+                <a16:creationId xmlns:a16="http://schemas.microsoft.com/office/drawing/2014/main" id="{F735EBF2-D4A5-4A9E-8D9D-631D34C65489}"/>
+              </a:ext>
+            </a:extLst>
+          </p:cNvPr>
+          <p:cNvPicPr>
+            <a:picLocks noChangeAspect="1"/>
+          </p:cNvPicPr>
+          <p:nvPr/>
+        </p:nvPicPr>
+        <p:blipFill>
+          <a:blip r:embed="rId2"/>
+          <a:stretch>
+            <a:fillRect/>
+          </a:stretch>
+        </p:blipFill>
+        <p:spPr>
+          <a:xfrm>
+            <a:off x="6050118" y="-1"/>
+            <a:ext cx="6130528" cy="6857999"/>
+          </a:xfrm>
+          <a:prstGeom prst="rect">
+            <a:avLst/>
+          </a:prstGeom>
+        </p:spPr>
+      </p:pic>
     </p:spTree>
     <p:extLst>
       <p:ext uri="{BB962C8B-B14F-4D97-AF65-F5344CB8AC3E}">
-        <p14:creationId xmlns:p14="http://schemas.microsoft.com/office/powerpoint/2010/main" val="1438257980"/>
+        <p14:creationId xmlns:p14="http://schemas.microsoft.com/office/powerpoint/2010/main" val="2170443547"/>
       </p:ext>
     </p:extLst>
   </p:cSld>
@@ -10727,64 +10823,68 @@
           </a:p>
         </p:txBody>
       </p:sp>
-      <p:pic>
-        <p:nvPicPr>
-          <p:cNvPr id="9" name="내용 개체 틀 8">
-            <a:extLst>
-              <a:ext uri="{FF2B5EF4-FFF2-40B4-BE49-F238E27FC236}">
-                <a16:creationId xmlns:a16="http://schemas.microsoft.com/office/drawing/2014/main" id="{AB6A4809-D2FB-43A9-867A-70213A937179}"/>
-              </a:ext>
-            </a:extLst>
-          </p:cNvPr>
-          <p:cNvPicPr>
-            <a:picLocks noGrp="1" noChangeAspect="1"/>
-          </p:cNvPicPr>
+      <p:sp>
+        <p:nvSpPr>
+          <p:cNvPr id="12" name="내용 개체 틀 11">
+            <a:extLst>
+              <a:ext uri="{FF2B5EF4-FFF2-40B4-BE49-F238E27FC236}">
+                <a16:creationId xmlns:a16="http://schemas.microsoft.com/office/drawing/2014/main" id="{8F41AD01-EF1E-47A3-AFE2-35D702F57590}"/>
+              </a:ext>
+            </a:extLst>
+          </p:cNvPr>
+          <p:cNvSpPr>
+            <a:spLocks noGrp="1"/>
+          </p:cNvSpPr>
           <p:nvPr>
             <p:ph sz="half" idx="1"/>
           </p:nvPr>
-        </p:nvPicPr>
-        <p:blipFill>
-          <a:blip r:embed="rId2"/>
-          <a:stretch>
-            <a:fillRect/>
-          </a:stretch>
-        </p:blipFill>
-        <p:spPr>
-          <a:xfrm>
-            <a:off x="667784" y="1768927"/>
-            <a:ext cx="3729635" cy="3338687"/>
-          </a:xfrm>
-        </p:spPr>
-      </p:pic>
-      <p:pic>
-        <p:nvPicPr>
-          <p:cNvPr id="23" name="내용 개체 틀 22">
-            <a:extLst>
-              <a:ext uri="{FF2B5EF4-FFF2-40B4-BE49-F238E27FC236}">
-                <a16:creationId xmlns:a16="http://schemas.microsoft.com/office/drawing/2014/main" id="{1B167B91-2E52-4B68-B8F9-B82DA8D49E5F}"/>
-              </a:ext>
-            </a:extLst>
-          </p:cNvPr>
-          <p:cNvPicPr>
-            <a:picLocks noGrp="1" noChangeAspect="1"/>
-          </p:cNvPicPr>
+        </p:nvSpPr>
+        <p:spPr/>
+        <p:txBody>
+          <a:bodyPr/>
+          <a:lstStyle/>
+          <a:p>
+            <a:endParaRPr lang="ko-KR" altLang="en-US" dirty="0">
+              <a:solidFill>
+                <a:schemeClr val="bg1"/>
+              </a:solidFill>
+              <a:latin typeface="휴먼편지체" panose="02030504000101010101" pitchFamily="18" charset="-127"/>
+              <a:ea typeface="휴먼편지체" panose="02030504000101010101" pitchFamily="18" charset="-127"/>
+            </a:endParaRPr>
+          </a:p>
+        </p:txBody>
+      </p:sp>
+      <p:sp>
+        <p:nvSpPr>
+          <p:cNvPr id="13" name="내용 개체 틀 12">
+            <a:extLst>
+              <a:ext uri="{FF2B5EF4-FFF2-40B4-BE49-F238E27FC236}">
+                <a16:creationId xmlns:a16="http://schemas.microsoft.com/office/drawing/2014/main" id="{84880ECF-D2E4-4F3F-B435-82A498ECB635}"/>
+              </a:ext>
+            </a:extLst>
+          </p:cNvPr>
+          <p:cNvSpPr>
+            <a:spLocks noGrp="1"/>
+          </p:cNvSpPr>
           <p:nvPr>
             <p:ph sz="half" idx="2"/>
           </p:nvPr>
-        </p:nvPicPr>
-        <p:blipFill>
-          <a:blip r:embed="rId3"/>
-          <a:stretch>
-            <a:fillRect/>
-          </a:stretch>
-        </p:blipFill>
-        <p:spPr>
-          <a:xfrm>
-            <a:off x="7624446" y="2982266"/>
-            <a:ext cx="2433214" cy="2343095"/>
-          </a:xfrm>
-        </p:spPr>
-      </p:pic>
+        </p:nvSpPr>
+        <p:spPr/>
+        <p:txBody>
+          <a:bodyPr/>
+          <a:lstStyle/>
+          <a:p>
+            <a:endParaRPr lang="ko-KR" altLang="en-US" dirty="0">
+              <a:solidFill>
+                <a:schemeClr val="bg1"/>
+              </a:solidFill>
+              <a:latin typeface="휴먼편지체" panose="02030504000101010101" pitchFamily="18" charset="-127"/>
+              <a:ea typeface="휴먼편지체" panose="02030504000101010101" pitchFamily="18" charset="-127"/>
+            </a:endParaRPr>
+          </a:p>
+        </p:txBody>
+      </p:sp>
       <p:cxnSp>
         <p:nvCxnSpPr>
           <p:cNvPr id="4" name="직선 연결선 3">
@@ -11068,15 +11168,22 @@
           </a:lstStyle>
           <a:p>
             <a:r>
-              <a:rPr lang="ko-KR" altLang="en-US" sz="2800" dirty="0">
+              <a:rPr lang="ko-KR" altLang="en-US" sz="2800">
                 <a:solidFill>
                   <a:schemeClr val="bg1"/>
                 </a:solidFill>
                 <a:latin typeface="휴먼편지체" panose="02030504000101010101" pitchFamily="18" charset="-127"/>
                 <a:ea typeface="휴먼편지체" panose="02030504000101010101" pitchFamily="18" charset="-127"/>
               </a:rPr>
-              <a:t>게시판</a:t>
-            </a:r>
+              <a:t>지도 위치 표시</a:t>
+            </a:r>
+            <a:endParaRPr lang="ko-KR" altLang="en-US" sz="2800" dirty="0">
+              <a:solidFill>
+                <a:schemeClr val="bg1"/>
+              </a:solidFill>
+              <a:latin typeface="휴먼편지체" panose="02030504000101010101" pitchFamily="18" charset="-127"/>
+              <a:ea typeface="휴먼편지체" panose="02030504000101010101" pitchFamily="18" charset="-127"/>
+            </a:endParaRPr>
           </a:p>
         </p:txBody>
       </p:sp>
@@ -11085,7 +11192,7 @@
           <p:cNvPr id="11" name="그림 10">
             <a:extLst>
               <a:ext uri="{FF2B5EF4-FFF2-40B4-BE49-F238E27FC236}">
-                <a16:creationId xmlns:a16="http://schemas.microsoft.com/office/drawing/2014/main" id="{E049B553-F186-4D38-B3F1-9B5515647C44}"/>
+                <a16:creationId xmlns:a16="http://schemas.microsoft.com/office/drawing/2014/main" id="{0C66687E-0A28-4063-B941-F15051E2133B}"/>
               </a:ext>
             </a:extLst>
           </p:cNvPr>
@@ -11095,288 +11202,25 @@
           <p:nvPr/>
         </p:nvPicPr>
         <p:blipFill>
-          <a:blip r:embed="rId4"/>
+          <a:blip r:embed="rId2"/>
           <a:stretch>
             <a:fillRect/>
           </a:stretch>
         </p:blipFill>
         <p:spPr>
           <a:xfrm>
-            <a:off x="4894230" y="3144245"/>
-            <a:ext cx="2420574" cy="2121015"/>
+            <a:off x="6067833" y="-2248"/>
+            <a:ext cx="6124167" cy="6858000"/>
           </a:xfrm>
           <a:prstGeom prst="rect">
             <a:avLst/>
           </a:prstGeom>
         </p:spPr>
       </p:pic>
-      <p:pic>
-        <p:nvPicPr>
-          <p:cNvPr id="16" name="그림 15">
-            <a:extLst>
-              <a:ext uri="{FF2B5EF4-FFF2-40B4-BE49-F238E27FC236}">
-                <a16:creationId xmlns:a16="http://schemas.microsoft.com/office/drawing/2014/main" id="{65065053-6417-4EF9-BFE6-6CC5D973CE05}"/>
-              </a:ext>
-            </a:extLst>
-          </p:cNvPr>
-          <p:cNvPicPr>
-            <a:picLocks noChangeAspect="1"/>
-          </p:cNvPicPr>
-          <p:nvPr/>
-        </p:nvPicPr>
-        <p:blipFill>
-          <a:blip r:embed="rId5"/>
-          <a:stretch>
-            <a:fillRect/>
-          </a:stretch>
-        </p:blipFill>
-        <p:spPr>
-          <a:xfrm>
-            <a:off x="7544961" y="689675"/>
-            <a:ext cx="2807876" cy="2174223"/>
-          </a:xfrm>
-          <a:prstGeom prst="rect">
-            <a:avLst/>
-          </a:prstGeom>
-        </p:spPr>
-      </p:pic>
-      <p:pic>
-        <p:nvPicPr>
-          <p:cNvPr id="18" name="그림 17">
-            <a:extLst>
-              <a:ext uri="{FF2B5EF4-FFF2-40B4-BE49-F238E27FC236}">
-                <a16:creationId xmlns:a16="http://schemas.microsoft.com/office/drawing/2014/main" id="{C6728289-DC36-4EB9-9C4A-A6D34178C3A9}"/>
-              </a:ext>
-            </a:extLst>
-          </p:cNvPr>
-          <p:cNvPicPr>
-            <a:picLocks noChangeAspect="1"/>
-          </p:cNvPicPr>
-          <p:nvPr/>
-        </p:nvPicPr>
-        <p:blipFill>
-          <a:blip r:embed="rId6"/>
-          <a:stretch>
-            <a:fillRect/>
-          </a:stretch>
-        </p:blipFill>
-        <p:spPr>
-          <a:xfrm>
-            <a:off x="4886878" y="684297"/>
-            <a:ext cx="2391123" cy="2343095"/>
-          </a:xfrm>
-          <a:prstGeom prst="rect">
-            <a:avLst/>
-          </a:prstGeom>
-        </p:spPr>
-      </p:pic>
-      <p:pic>
-        <p:nvPicPr>
-          <p:cNvPr id="21" name="그림 20">
-            <a:extLst>
-              <a:ext uri="{FF2B5EF4-FFF2-40B4-BE49-F238E27FC236}">
-                <a16:creationId xmlns:a16="http://schemas.microsoft.com/office/drawing/2014/main" id="{4F7A00EA-1786-4ED5-BE18-31CD18A39F1F}"/>
-              </a:ext>
-            </a:extLst>
-          </p:cNvPr>
-          <p:cNvPicPr>
-            <a:picLocks noChangeAspect="1"/>
-          </p:cNvPicPr>
-          <p:nvPr/>
-        </p:nvPicPr>
-        <p:blipFill>
-          <a:blip r:embed="rId7"/>
-          <a:stretch>
-            <a:fillRect/>
-          </a:stretch>
-        </p:blipFill>
-        <p:spPr>
-          <a:xfrm>
-            <a:off x="8765630" y="4520631"/>
-            <a:ext cx="2944659" cy="947412"/>
-          </a:xfrm>
-          <a:prstGeom prst="rect">
-            <a:avLst/>
-          </a:prstGeom>
-        </p:spPr>
-      </p:pic>
-      <p:sp>
-        <p:nvSpPr>
-          <p:cNvPr id="24" name="제목 1">
-            <a:extLst>
-              <a:ext uri="{FF2B5EF4-FFF2-40B4-BE49-F238E27FC236}">
-                <a16:creationId xmlns:a16="http://schemas.microsoft.com/office/drawing/2014/main" id="{21B822F5-BB7B-49AD-A430-4C6636E6851C}"/>
-              </a:ext>
-            </a:extLst>
-          </p:cNvPr>
-          <p:cNvSpPr txBox="1">
-            <a:spLocks/>
-          </p:cNvSpPr>
-          <p:nvPr/>
-        </p:nvSpPr>
-        <p:spPr>
-          <a:xfrm>
-            <a:off x="665434" y="5144953"/>
-            <a:ext cx="10515600" cy="1325563"/>
-          </a:xfrm>
-          <a:prstGeom prst="rect">
-            <a:avLst/>
-          </a:prstGeom>
-        </p:spPr>
-        <p:txBody>
-          <a:bodyPr vert="horz" lIns="91440" tIns="45720" rIns="91440" bIns="45720" rtlCol="0" anchor="t">
-            <a:normAutofit/>
-          </a:bodyPr>
-          <a:lstStyle>
-            <a:lvl1pPr algn="l" defTabSz="914400" rtl="0" eaLnBrk="1" latinLnBrk="1" hangingPunct="1">
-              <a:lnSpc>
-                <a:spcPct val="90000"/>
-              </a:lnSpc>
-              <a:spcBef>
-                <a:spcPct val="0"/>
-              </a:spcBef>
-              <a:buNone/>
-              <a:defRPr sz="4400" kern="1200">
-                <a:solidFill>
-                  <a:schemeClr val="tx1"/>
-                </a:solidFill>
-                <a:latin typeface="+mj-lt"/>
-                <a:ea typeface="+mj-ea"/>
-                <a:cs typeface="+mj-cs"/>
-              </a:defRPr>
-            </a:lvl1pPr>
-          </a:lstStyle>
-          <a:p>
-            <a:pPr marL="457200" indent="-457200">
-              <a:buFont typeface="Arial" panose="020B0604020202020204" pitchFamily="34" charset="0"/>
-              <a:buChar char="•"/>
-            </a:pPr>
-            <a:r>
-              <a:rPr lang="ko-KR" altLang="en-US" sz="2800" dirty="0">
-                <a:solidFill>
-                  <a:schemeClr val="bg1"/>
-                </a:solidFill>
-                <a:latin typeface="휴먼편지체" panose="02030504000101010101" pitchFamily="18" charset="-127"/>
-                <a:ea typeface="휴먼편지체" panose="02030504000101010101" pitchFamily="18" charset="-127"/>
-              </a:rPr>
-              <a:t>게시판 </a:t>
-            </a:r>
-            <a:r>
-              <a:rPr lang="en-US" altLang="ko-KR" sz="2800" dirty="0">
-                <a:solidFill>
-                  <a:schemeClr val="bg1"/>
-                </a:solidFill>
-                <a:latin typeface="휴먼편지체" panose="02030504000101010101" pitchFamily="18" charset="-127"/>
-                <a:ea typeface="휴먼편지체" panose="02030504000101010101" pitchFamily="18" charset="-127"/>
-              </a:rPr>
-              <a:t>CRUD</a:t>
-            </a:r>
-          </a:p>
-          <a:p>
-            <a:pPr marL="457200" indent="-457200">
-              <a:buFont typeface="Arial" panose="020B0604020202020204" pitchFamily="34" charset="0"/>
-              <a:buChar char="•"/>
-            </a:pPr>
-            <a:r>
-              <a:rPr lang="ko-KR" altLang="en-US" sz="2800" dirty="0">
-                <a:solidFill>
-                  <a:schemeClr val="bg1"/>
-                </a:solidFill>
-                <a:latin typeface="휴먼편지체" panose="02030504000101010101" pitchFamily="18" charset="-127"/>
-                <a:ea typeface="휴먼편지체" panose="02030504000101010101" pitchFamily="18" charset="-127"/>
-              </a:rPr>
-              <a:t>좋아요</a:t>
-            </a:r>
-            <a:r>
-              <a:rPr lang="en-US" altLang="ko-KR" sz="2800" dirty="0">
-                <a:solidFill>
-                  <a:schemeClr val="bg1"/>
-                </a:solidFill>
-                <a:latin typeface="휴먼편지체" panose="02030504000101010101" pitchFamily="18" charset="-127"/>
-                <a:ea typeface="휴먼편지체" panose="02030504000101010101" pitchFamily="18" charset="-127"/>
-              </a:rPr>
-              <a:t>/</a:t>
-            </a:r>
-            <a:r>
-              <a:rPr lang="ko-KR" altLang="en-US" sz="2800" dirty="0">
-                <a:solidFill>
-                  <a:schemeClr val="bg1"/>
-                </a:solidFill>
-                <a:latin typeface="휴먼편지체" panose="02030504000101010101" pitchFamily="18" charset="-127"/>
-                <a:ea typeface="휴먼편지체" panose="02030504000101010101" pitchFamily="18" charset="-127"/>
-              </a:rPr>
-              <a:t>싫어요 기능</a:t>
-            </a:r>
-            <a:endParaRPr lang="en-US" altLang="ko-KR" sz="2800" dirty="0">
-              <a:solidFill>
-                <a:schemeClr val="bg1"/>
-              </a:solidFill>
-              <a:latin typeface="휴먼편지체" panose="02030504000101010101" pitchFamily="18" charset="-127"/>
-              <a:ea typeface="휴먼편지체" panose="02030504000101010101" pitchFamily="18" charset="-127"/>
-            </a:endParaRPr>
-          </a:p>
-          <a:p>
-            <a:pPr marL="457200" indent="-457200">
-              <a:buFont typeface="Arial" panose="020B0604020202020204" pitchFamily="34" charset="0"/>
-              <a:buChar char="•"/>
-            </a:pPr>
-            <a:r>
-              <a:rPr lang="ko-KR" altLang="en-US" sz="2800" dirty="0">
-                <a:solidFill>
-                  <a:schemeClr val="bg1"/>
-                </a:solidFill>
-                <a:latin typeface="휴먼편지체" panose="02030504000101010101" pitchFamily="18" charset="-127"/>
-                <a:ea typeface="휴먼편지체" panose="02030504000101010101" pitchFamily="18" charset="-127"/>
-              </a:rPr>
-              <a:t>좋아요</a:t>
-            </a:r>
-            <a:r>
-              <a:rPr lang="en-US" altLang="ko-KR" sz="2800" dirty="0">
-                <a:solidFill>
-                  <a:schemeClr val="bg1"/>
-                </a:solidFill>
-                <a:latin typeface="휴먼편지체" panose="02030504000101010101" pitchFamily="18" charset="-127"/>
-                <a:ea typeface="휴먼편지체" panose="02030504000101010101" pitchFamily="18" charset="-127"/>
-              </a:rPr>
-              <a:t>/</a:t>
-            </a:r>
-            <a:r>
-              <a:rPr lang="ko-KR" altLang="en-US" sz="2800" dirty="0">
-                <a:solidFill>
-                  <a:schemeClr val="bg1"/>
-                </a:solidFill>
-                <a:latin typeface="휴먼편지체" panose="02030504000101010101" pitchFamily="18" charset="-127"/>
-                <a:ea typeface="휴먼편지체" panose="02030504000101010101" pitchFamily="18" charset="-127"/>
-              </a:rPr>
-              <a:t>싫어요 </a:t>
-            </a:r>
-            <a:r>
-              <a:rPr lang="en-US" altLang="ko-KR" sz="2800" dirty="0">
-                <a:solidFill>
-                  <a:schemeClr val="bg1"/>
-                </a:solidFill>
-                <a:latin typeface="휴먼편지체" panose="02030504000101010101" pitchFamily="18" charset="-127"/>
-                <a:ea typeface="휴먼편지체" panose="02030504000101010101" pitchFamily="18" charset="-127"/>
-              </a:rPr>
-              <a:t>ALERT</a:t>
-            </a:r>
-            <a:r>
-              <a:rPr lang="ko-KR" altLang="en-US" sz="2800" dirty="0">
-                <a:solidFill>
-                  <a:schemeClr val="bg1"/>
-                </a:solidFill>
-                <a:latin typeface="휴먼편지체" panose="02030504000101010101" pitchFamily="18" charset="-127"/>
-                <a:ea typeface="휴먼편지체" panose="02030504000101010101" pitchFamily="18" charset="-127"/>
-              </a:rPr>
-              <a:t>기능</a:t>
-            </a:r>
-          </a:p>
-        </p:txBody>
-      </p:sp>
     </p:spTree>
     <p:extLst>
       <p:ext uri="{BB962C8B-B14F-4D97-AF65-F5344CB8AC3E}">
-        <p14:creationId xmlns:p14="http://schemas.microsoft.com/office/powerpoint/2010/main" val="3846230812"/>
+        <p14:creationId xmlns:p14="http://schemas.microsoft.com/office/powerpoint/2010/main" val="2727693196"/>
       </p:ext>
     </p:extLst>
   </p:cSld>
@@ -11437,35 +11281,68 @@
           </a:p>
         </p:txBody>
       </p:sp>
-      <p:pic>
-        <p:nvPicPr>
-          <p:cNvPr id="23" name="내용 개체 틀 22">
-            <a:extLst>
-              <a:ext uri="{FF2B5EF4-FFF2-40B4-BE49-F238E27FC236}">
-                <a16:creationId xmlns:a16="http://schemas.microsoft.com/office/drawing/2014/main" id="{1B167B91-2E52-4B68-B8F9-B82DA8D49E5F}"/>
-              </a:ext>
-            </a:extLst>
-          </p:cNvPr>
-          <p:cNvPicPr>
-            <a:picLocks noGrp="1" noChangeAspect="1"/>
-          </p:cNvPicPr>
+      <p:sp>
+        <p:nvSpPr>
+          <p:cNvPr id="12" name="내용 개체 틀 11">
+            <a:extLst>
+              <a:ext uri="{FF2B5EF4-FFF2-40B4-BE49-F238E27FC236}">
+                <a16:creationId xmlns:a16="http://schemas.microsoft.com/office/drawing/2014/main" id="{8F41AD01-EF1E-47A3-AFE2-35D702F57590}"/>
+              </a:ext>
+            </a:extLst>
+          </p:cNvPr>
+          <p:cNvSpPr>
+            <a:spLocks noGrp="1"/>
+          </p:cNvSpPr>
+          <p:nvPr>
+            <p:ph sz="half" idx="1"/>
+          </p:nvPr>
+        </p:nvSpPr>
+        <p:spPr/>
+        <p:txBody>
+          <a:bodyPr/>
+          <a:lstStyle/>
+          <a:p>
+            <a:endParaRPr lang="ko-KR" altLang="en-US" dirty="0">
+              <a:solidFill>
+                <a:schemeClr val="bg1"/>
+              </a:solidFill>
+              <a:latin typeface="휴먼편지체" panose="02030504000101010101" pitchFamily="18" charset="-127"/>
+              <a:ea typeface="휴먼편지체" panose="02030504000101010101" pitchFamily="18" charset="-127"/>
+            </a:endParaRPr>
+          </a:p>
+        </p:txBody>
+      </p:sp>
+      <p:sp>
+        <p:nvSpPr>
+          <p:cNvPr id="13" name="내용 개체 틀 12">
+            <a:extLst>
+              <a:ext uri="{FF2B5EF4-FFF2-40B4-BE49-F238E27FC236}">
+                <a16:creationId xmlns:a16="http://schemas.microsoft.com/office/drawing/2014/main" id="{84880ECF-D2E4-4F3F-B435-82A498ECB635}"/>
+              </a:ext>
+            </a:extLst>
+          </p:cNvPr>
+          <p:cNvSpPr>
+            <a:spLocks noGrp="1"/>
+          </p:cNvSpPr>
           <p:nvPr>
             <p:ph sz="half" idx="2"/>
           </p:nvPr>
-        </p:nvPicPr>
-        <p:blipFill>
-          <a:blip r:embed="rId2"/>
-          <a:stretch>
-            <a:fillRect/>
-          </a:stretch>
-        </p:blipFill>
-        <p:spPr>
-          <a:xfrm>
-            <a:off x="1166661" y="2418066"/>
-            <a:ext cx="2572841" cy="2477550"/>
-          </a:xfrm>
-        </p:spPr>
-      </p:pic>
+        </p:nvSpPr>
+        <p:spPr/>
+        <p:txBody>
+          <a:bodyPr/>
+          <a:lstStyle/>
+          <a:p>
+            <a:endParaRPr lang="ko-KR" altLang="en-US" dirty="0">
+              <a:solidFill>
+                <a:schemeClr val="bg1"/>
+              </a:solidFill>
+              <a:latin typeface="휴먼편지체" panose="02030504000101010101" pitchFamily="18" charset="-127"/>
+              <a:ea typeface="휴먼편지체" panose="02030504000101010101" pitchFamily="18" charset="-127"/>
+            </a:endParaRPr>
+          </a:p>
+        </p:txBody>
+      </p:sp>
       <p:cxnSp>
         <p:nvCxnSpPr>
           <p:cNvPr id="4" name="직선 연결선 3">
@@ -11749,55 +11626,16 @@
           </a:lstStyle>
           <a:p>
             <a:r>
-              <a:rPr lang="ko-KR" altLang="en-US" sz="2800" dirty="0">
+              <a:rPr lang="ko-KR" altLang="en-US" sz="2800">
                 <a:solidFill>
                   <a:schemeClr val="bg1"/>
                 </a:solidFill>
                 <a:latin typeface="휴먼편지체" panose="02030504000101010101" pitchFamily="18" charset="-127"/>
                 <a:ea typeface="휴먼편지체" panose="02030504000101010101" pitchFamily="18" charset="-127"/>
               </a:rPr>
-              <a:t>게시판</a:t>
-            </a:r>
-          </a:p>
-        </p:txBody>
-      </p:sp>
-      <p:sp>
-        <p:nvSpPr>
-          <p:cNvPr id="10" name="내용 개체 틀 9">
-            <a:extLst>
-              <a:ext uri="{FF2B5EF4-FFF2-40B4-BE49-F238E27FC236}">
-                <a16:creationId xmlns:a16="http://schemas.microsoft.com/office/drawing/2014/main" id="{B6C45919-0025-427B-B422-6AD7FA8C8C25}"/>
-              </a:ext>
-            </a:extLst>
-          </p:cNvPr>
-          <p:cNvSpPr>
-            <a:spLocks noGrp="1"/>
-          </p:cNvSpPr>
-          <p:nvPr>
-            <p:ph sz="half" idx="1"/>
-          </p:nvPr>
-        </p:nvSpPr>
-        <p:spPr>
-          <a:xfrm flipH="1">
-            <a:off x="1112218" y="1906224"/>
-            <a:ext cx="10378712" cy="1029993"/>
-          </a:xfrm>
-        </p:spPr>
-        <p:txBody>
-          <a:bodyPr/>
-          <a:lstStyle/>
-          <a:p>
-            <a:r>
-              <a:rPr lang="ko-KR" altLang="en-US">
-                <a:solidFill>
-                  <a:schemeClr val="bg1"/>
-                </a:solidFill>
-                <a:latin typeface="휴먼편지체" panose="02030504000101010101" pitchFamily="18" charset="-127"/>
-                <a:ea typeface="휴먼편지체" panose="02030504000101010101" pitchFamily="18" charset="-127"/>
-              </a:rPr>
-              <a:t>답글게시물</a:t>
-            </a:r>
-            <a:endParaRPr lang="ko-KR" altLang="en-US" dirty="0">
+              <a:t>메인페이지</a:t>
+            </a:r>
+            <a:endParaRPr lang="ko-KR" altLang="en-US" sz="2800" dirty="0">
               <a:solidFill>
                 <a:schemeClr val="bg1"/>
               </a:solidFill>
@@ -11809,39 +11647,10 @@
       </p:sp>
       <p:pic>
         <p:nvPicPr>
-          <p:cNvPr id="13" name="그림 12">
-            <a:extLst>
-              <a:ext uri="{FF2B5EF4-FFF2-40B4-BE49-F238E27FC236}">
-                <a16:creationId xmlns:a16="http://schemas.microsoft.com/office/drawing/2014/main" id="{5E2FBFCC-B1E5-4C31-99EA-5AC45B7474E8}"/>
-              </a:ext>
-            </a:extLst>
-          </p:cNvPr>
-          <p:cNvPicPr>
-            <a:picLocks noChangeAspect="1"/>
-          </p:cNvPicPr>
-          <p:nvPr/>
-        </p:nvPicPr>
-        <p:blipFill rotWithShape="1">
-          <a:blip r:embed="rId3"/>
-          <a:srcRect r="55344" b="-2235"/>
-          <a:stretch/>
-        </p:blipFill>
-        <p:spPr>
-          <a:xfrm>
-            <a:off x="1260135" y="5000450"/>
-            <a:ext cx="2883878" cy="623224"/>
-          </a:xfrm>
-          <a:prstGeom prst="rect">
-            <a:avLst/>
-          </a:prstGeom>
-        </p:spPr>
-      </p:pic>
-      <p:pic>
-        <p:nvPicPr>
-          <p:cNvPr id="17" name="그림 16">
-            <a:extLst>
-              <a:ext uri="{FF2B5EF4-FFF2-40B4-BE49-F238E27FC236}">
-                <a16:creationId xmlns:a16="http://schemas.microsoft.com/office/drawing/2014/main" id="{22DF1BE7-F084-4235-B255-84F382C25F0B}"/>
+          <p:cNvPr id="11" name="그림 10">
+            <a:extLst>
+              <a:ext uri="{FF2B5EF4-FFF2-40B4-BE49-F238E27FC236}">
+                <a16:creationId xmlns:a16="http://schemas.microsoft.com/office/drawing/2014/main" id="{874BC67E-D71E-465D-B922-DBA99E252995}"/>
               </a:ext>
             </a:extLst>
           </p:cNvPr>
@@ -11851,517 +11660,25 @@
           <p:nvPr/>
         </p:nvPicPr>
         <p:blipFill>
-          <a:blip r:embed="rId4"/>
+          <a:blip r:embed="rId2"/>
           <a:stretch>
             <a:fillRect/>
           </a:stretch>
         </p:blipFill>
         <p:spPr>
           <a:xfrm>
-            <a:off x="8065116" y="2290109"/>
-            <a:ext cx="3685244" cy="3255386"/>
+            <a:off x="5167788" y="756240"/>
+            <a:ext cx="6448655" cy="5380814"/>
           </a:xfrm>
           <a:prstGeom prst="rect">
             <a:avLst/>
           </a:prstGeom>
         </p:spPr>
       </p:pic>
-      <p:pic>
-        <p:nvPicPr>
-          <p:cNvPr id="22" name="내용 개체 틀 8">
-            <a:extLst>
-              <a:ext uri="{FF2B5EF4-FFF2-40B4-BE49-F238E27FC236}">
-                <a16:creationId xmlns:a16="http://schemas.microsoft.com/office/drawing/2014/main" id="{4A80F8F6-3448-42D1-8537-4D6A2B646A5B}"/>
-              </a:ext>
-            </a:extLst>
-          </p:cNvPr>
-          <p:cNvPicPr>
-            <a:picLocks noChangeAspect="1"/>
-          </p:cNvPicPr>
-          <p:nvPr/>
-        </p:nvPicPr>
-        <p:blipFill rotWithShape="1">
-          <a:blip r:embed="rId5"/>
-          <a:srcRect r="27821"/>
-          <a:stretch/>
-        </p:blipFill>
-        <p:spPr>
-          <a:xfrm>
-            <a:off x="4598209" y="2329592"/>
-            <a:ext cx="2612675" cy="3240293"/>
-          </a:xfrm>
-          <a:prstGeom prst="rect">
-            <a:avLst/>
-          </a:prstGeom>
-        </p:spPr>
-      </p:pic>
-      <p:pic>
-        <p:nvPicPr>
-          <p:cNvPr id="24" name="그림 23">
-            <a:extLst>
-              <a:ext uri="{FF2B5EF4-FFF2-40B4-BE49-F238E27FC236}">
-                <a16:creationId xmlns:a16="http://schemas.microsoft.com/office/drawing/2014/main" id="{F0801520-4A32-456C-B6D8-3644F483973F}"/>
-              </a:ext>
-            </a:extLst>
-          </p:cNvPr>
-          <p:cNvPicPr>
-            <a:picLocks noChangeAspect="1"/>
-          </p:cNvPicPr>
-          <p:nvPr/>
-        </p:nvPicPr>
-        <p:blipFill>
-          <a:blip r:embed="rId6"/>
-          <a:stretch>
-            <a:fillRect/>
-          </a:stretch>
-        </p:blipFill>
-        <p:spPr>
-          <a:xfrm>
-            <a:off x="5798163" y="2630994"/>
-            <a:ext cx="2409825" cy="1905000"/>
-          </a:xfrm>
-          <a:prstGeom prst="ellipse">
-            <a:avLst/>
-          </a:prstGeom>
-          <a:ln>
-            <a:noFill/>
-          </a:ln>
-          <a:effectLst>
-            <a:softEdge rad="112500"/>
-          </a:effectLst>
-        </p:spPr>
-      </p:pic>
-      <p:sp>
-        <p:nvSpPr>
-          <p:cNvPr id="25" name="액자 24">
-            <a:extLst>
-              <a:ext uri="{FF2B5EF4-FFF2-40B4-BE49-F238E27FC236}">
-                <a16:creationId xmlns:a16="http://schemas.microsoft.com/office/drawing/2014/main" id="{B26510E4-CEA6-4467-B6B5-C82C61B48057}"/>
-              </a:ext>
-            </a:extLst>
-          </p:cNvPr>
-          <p:cNvSpPr/>
-          <p:nvPr/>
-        </p:nvSpPr>
-        <p:spPr>
-          <a:xfrm>
-            <a:off x="4472571" y="2444187"/>
-            <a:ext cx="1087138" cy="658859"/>
-          </a:xfrm>
-          <a:prstGeom prst="frame">
-            <a:avLst/>
-          </a:prstGeom>
-          <a:solidFill>
-            <a:srgbClr val="FF0000"/>
-          </a:solidFill>
-          <a:ln>
-            <a:noFill/>
-          </a:ln>
-        </p:spPr>
-        <p:style>
-          <a:lnRef idx="2">
-            <a:schemeClr val="accent1">
-              <a:shade val="50000"/>
-            </a:schemeClr>
-          </a:lnRef>
-          <a:fillRef idx="1">
-            <a:schemeClr val="accent1"/>
-          </a:fillRef>
-          <a:effectRef idx="0">
-            <a:schemeClr val="accent1"/>
-          </a:effectRef>
-          <a:fontRef idx="minor">
-            <a:schemeClr val="lt1"/>
-          </a:fontRef>
-        </p:style>
-        <p:txBody>
-          <a:bodyPr rtlCol="0" anchor="ctr"/>
-          <a:lstStyle/>
-          <a:p>
-            <a:pPr algn="ctr"/>
-            <a:endParaRPr lang="ko-KR" altLang="en-US">
-              <a:solidFill>
-                <a:schemeClr val="tx1"/>
-              </a:solidFill>
-            </a:endParaRPr>
-          </a:p>
-        </p:txBody>
-      </p:sp>
-      <p:sp>
-        <p:nvSpPr>
-          <p:cNvPr id="26" name="화살표: 오른쪽 25">
-            <a:extLst>
-              <a:ext uri="{FF2B5EF4-FFF2-40B4-BE49-F238E27FC236}">
-                <a16:creationId xmlns:a16="http://schemas.microsoft.com/office/drawing/2014/main" id="{477F2E64-B84E-403F-B7AA-74F19D3355BA}"/>
-              </a:ext>
-            </a:extLst>
-          </p:cNvPr>
-          <p:cNvSpPr/>
-          <p:nvPr/>
-        </p:nvSpPr>
-        <p:spPr>
-          <a:xfrm rot="1546273">
-            <a:off x="5215258" y="2879707"/>
-            <a:ext cx="940178" cy="585922"/>
-          </a:xfrm>
-          <a:prstGeom prst="rightArrow">
-            <a:avLst/>
-          </a:prstGeom>
-          <a:solidFill>
-            <a:srgbClr val="FF0000"/>
-          </a:solidFill>
-          <a:ln>
-            <a:noFill/>
-          </a:ln>
-        </p:spPr>
-        <p:style>
-          <a:lnRef idx="2">
-            <a:schemeClr val="accent1">
-              <a:shade val="50000"/>
-            </a:schemeClr>
-          </a:lnRef>
-          <a:fillRef idx="1">
-            <a:schemeClr val="accent1"/>
-          </a:fillRef>
-          <a:effectRef idx="0">
-            <a:schemeClr val="accent1"/>
-          </a:effectRef>
-          <a:fontRef idx="minor">
-            <a:schemeClr val="lt1"/>
-          </a:fontRef>
-        </p:style>
-        <p:txBody>
-          <a:bodyPr rtlCol="0" anchor="ctr"/>
-          <a:lstStyle/>
-          <a:p>
-            <a:pPr algn="ctr"/>
-            <a:endParaRPr lang="ko-KR" altLang="en-US">
-              <a:noFill/>
-            </a:endParaRPr>
-          </a:p>
-        </p:txBody>
-      </p:sp>
-      <p:sp>
-        <p:nvSpPr>
-          <p:cNvPr id="27" name="화살표: 오른쪽 26">
-            <a:extLst>
-              <a:ext uri="{FF2B5EF4-FFF2-40B4-BE49-F238E27FC236}">
-                <a16:creationId xmlns:a16="http://schemas.microsoft.com/office/drawing/2014/main" id="{1727E5EB-D15D-4CC0-BEE5-133A5F22451C}"/>
-              </a:ext>
-            </a:extLst>
-          </p:cNvPr>
-          <p:cNvSpPr/>
-          <p:nvPr/>
-        </p:nvSpPr>
-        <p:spPr>
-          <a:xfrm rot="19988886">
-            <a:off x="7246898" y="2752197"/>
-            <a:ext cx="940178" cy="585922"/>
-          </a:xfrm>
-          <a:prstGeom prst="rightArrow">
-            <a:avLst/>
-          </a:prstGeom>
-          <a:solidFill>
-            <a:srgbClr val="FF0000"/>
-          </a:solidFill>
-          <a:ln>
-            <a:noFill/>
-          </a:ln>
-        </p:spPr>
-        <p:style>
-          <a:lnRef idx="2">
-            <a:schemeClr val="accent1">
-              <a:shade val="50000"/>
-            </a:schemeClr>
-          </a:lnRef>
-          <a:fillRef idx="1">
-            <a:schemeClr val="accent1"/>
-          </a:fillRef>
-          <a:effectRef idx="0">
-            <a:schemeClr val="accent1"/>
-          </a:effectRef>
-          <a:fontRef idx="minor">
-            <a:schemeClr val="lt1"/>
-          </a:fontRef>
-        </p:style>
-        <p:txBody>
-          <a:bodyPr rtlCol="0" anchor="ctr"/>
-          <a:lstStyle/>
-          <a:p>
-            <a:pPr algn="ctr"/>
-            <a:endParaRPr lang="ko-KR" altLang="en-US">
-              <a:noFill/>
-            </a:endParaRPr>
-          </a:p>
-        </p:txBody>
-      </p:sp>
-      <p:sp>
-        <p:nvSpPr>
-          <p:cNvPr id="28" name="원형: 비어 있음 27">
-            <a:extLst>
-              <a:ext uri="{FF2B5EF4-FFF2-40B4-BE49-F238E27FC236}">
-                <a16:creationId xmlns:a16="http://schemas.microsoft.com/office/drawing/2014/main" id="{58DEF59A-6ACA-4270-A65B-AB7E26E9D4EF}"/>
-              </a:ext>
-            </a:extLst>
-          </p:cNvPr>
-          <p:cNvSpPr/>
-          <p:nvPr/>
-        </p:nvSpPr>
-        <p:spPr>
-          <a:xfrm>
-            <a:off x="2326339" y="5000450"/>
-            <a:ext cx="637309" cy="598833"/>
-          </a:xfrm>
-          <a:prstGeom prst="donut">
-            <a:avLst>
-              <a:gd name="adj" fmla="val 10970"/>
-            </a:avLst>
-          </a:prstGeom>
-          <a:solidFill>
-            <a:srgbClr val="FF0000"/>
-          </a:solidFill>
-          <a:ln>
-            <a:noFill/>
-          </a:ln>
-        </p:spPr>
-        <p:style>
-          <a:lnRef idx="2">
-            <a:schemeClr val="accent1">
-              <a:shade val="50000"/>
-            </a:schemeClr>
-          </a:lnRef>
-          <a:fillRef idx="1">
-            <a:schemeClr val="accent1"/>
-          </a:fillRef>
-          <a:effectRef idx="0">
-            <a:schemeClr val="accent1"/>
-          </a:effectRef>
-          <a:fontRef idx="minor">
-            <a:schemeClr val="lt1"/>
-          </a:fontRef>
-        </p:style>
-        <p:txBody>
-          <a:bodyPr rtlCol="0" anchor="ctr"/>
-          <a:lstStyle/>
-          <a:p>
-            <a:pPr algn="ctr"/>
-            <a:endParaRPr lang="ko-KR" altLang="en-US">
-              <a:solidFill>
-                <a:schemeClr val="tx1"/>
-              </a:solidFill>
-            </a:endParaRPr>
-          </a:p>
-        </p:txBody>
-      </p:sp>
-      <p:sp>
-        <p:nvSpPr>
-          <p:cNvPr id="29" name="내용 개체 틀 9">
-            <a:extLst>
-              <a:ext uri="{FF2B5EF4-FFF2-40B4-BE49-F238E27FC236}">
-                <a16:creationId xmlns:a16="http://schemas.microsoft.com/office/drawing/2014/main" id="{BBA55ABD-6A5B-4474-936C-51706BFDDD09}"/>
-              </a:ext>
-            </a:extLst>
-          </p:cNvPr>
-          <p:cNvSpPr txBox="1">
-            <a:spLocks/>
-          </p:cNvSpPr>
-          <p:nvPr/>
-        </p:nvSpPr>
-        <p:spPr>
-          <a:xfrm flipH="1">
-            <a:off x="4472571" y="1854775"/>
-            <a:ext cx="10378712" cy="1029993"/>
-          </a:xfrm>
-          <a:prstGeom prst="rect">
-            <a:avLst/>
-          </a:prstGeom>
-        </p:spPr>
-        <p:txBody>
-          <a:bodyPr vert="horz" lIns="91440" tIns="45720" rIns="91440" bIns="45720" rtlCol="0">
-            <a:normAutofit/>
-          </a:bodyPr>
-          <a:lstStyle>
-            <a:lvl1pPr marL="228600" indent="-228600" algn="l" defTabSz="914400" rtl="0" eaLnBrk="1" latinLnBrk="1" hangingPunct="1">
-              <a:lnSpc>
-                <a:spcPct val="90000"/>
-              </a:lnSpc>
-              <a:spcBef>
-                <a:spcPts val="1000"/>
-              </a:spcBef>
-              <a:buFont typeface="Arial" panose="020B0604020202020204" pitchFamily="34" charset="0"/>
-              <a:buChar char="•"/>
-              <a:defRPr sz="2800" kern="1200">
-                <a:solidFill>
-                  <a:schemeClr val="tx1"/>
-                </a:solidFill>
-                <a:latin typeface="+mn-lt"/>
-                <a:ea typeface="+mn-ea"/>
-                <a:cs typeface="+mn-cs"/>
-              </a:defRPr>
-            </a:lvl1pPr>
-            <a:lvl2pPr marL="685800" indent="-228600" algn="l" defTabSz="914400" rtl="0" eaLnBrk="1" latinLnBrk="1" hangingPunct="1">
-              <a:lnSpc>
-                <a:spcPct val="90000"/>
-              </a:lnSpc>
-              <a:spcBef>
-                <a:spcPts val="500"/>
-              </a:spcBef>
-              <a:buFont typeface="Arial" panose="020B0604020202020204" pitchFamily="34" charset="0"/>
-              <a:buChar char="•"/>
-              <a:defRPr sz="2400" kern="1200">
-                <a:solidFill>
-                  <a:schemeClr val="tx1"/>
-                </a:solidFill>
-                <a:latin typeface="+mn-lt"/>
-                <a:ea typeface="+mn-ea"/>
-                <a:cs typeface="+mn-cs"/>
-              </a:defRPr>
-            </a:lvl2pPr>
-            <a:lvl3pPr marL="1143000" indent="-228600" algn="l" defTabSz="914400" rtl="0" eaLnBrk="1" latinLnBrk="1" hangingPunct="1">
-              <a:lnSpc>
-                <a:spcPct val="90000"/>
-              </a:lnSpc>
-              <a:spcBef>
-                <a:spcPts val="500"/>
-              </a:spcBef>
-              <a:buFont typeface="Arial" panose="020B0604020202020204" pitchFamily="34" charset="0"/>
-              <a:buChar char="•"/>
-              <a:defRPr sz="2000" kern="1200">
-                <a:solidFill>
-                  <a:schemeClr val="tx1"/>
-                </a:solidFill>
-                <a:latin typeface="+mn-lt"/>
-                <a:ea typeface="+mn-ea"/>
-                <a:cs typeface="+mn-cs"/>
-              </a:defRPr>
-            </a:lvl3pPr>
-            <a:lvl4pPr marL="1600200" indent="-228600" algn="l" defTabSz="914400" rtl="0" eaLnBrk="1" latinLnBrk="1" hangingPunct="1">
-              <a:lnSpc>
-                <a:spcPct val="90000"/>
-              </a:lnSpc>
-              <a:spcBef>
-                <a:spcPts val="500"/>
-              </a:spcBef>
-              <a:buFont typeface="Arial" panose="020B0604020202020204" pitchFamily="34" charset="0"/>
-              <a:buChar char="•"/>
-              <a:defRPr sz="1800" kern="1200">
-                <a:solidFill>
-                  <a:schemeClr val="tx1"/>
-                </a:solidFill>
-                <a:latin typeface="+mn-lt"/>
-                <a:ea typeface="+mn-ea"/>
-                <a:cs typeface="+mn-cs"/>
-              </a:defRPr>
-            </a:lvl4pPr>
-            <a:lvl5pPr marL="2057400" indent="-228600" algn="l" defTabSz="914400" rtl="0" eaLnBrk="1" latinLnBrk="1" hangingPunct="1">
-              <a:lnSpc>
-                <a:spcPct val="90000"/>
-              </a:lnSpc>
-              <a:spcBef>
-                <a:spcPts val="500"/>
-              </a:spcBef>
-              <a:buFont typeface="Arial" panose="020B0604020202020204" pitchFamily="34" charset="0"/>
-              <a:buChar char="•"/>
-              <a:defRPr sz="1800" kern="1200">
-                <a:solidFill>
-                  <a:schemeClr val="tx1"/>
-                </a:solidFill>
-                <a:latin typeface="+mn-lt"/>
-                <a:ea typeface="+mn-ea"/>
-                <a:cs typeface="+mn-cs"/>
-              </a:defRPr>
-            </a:lvl5pPr>
-            <a:lvl6pPr marL="2514600" indent="-228600" algn="l" defTabSz="914400" rtl="0" eaLnBrk="1" latinLnBrk="1" hangingPunct="1">
-              <a:lnSpc>
-                <a:spcPct val="90000"/>
-              </a:lnSpc>
-              <a:spcBef>
-                <a:spcPts val="500"/>
-              </a:spcBef>
-              <a:buFont typeface="Arial" panose="020B0604020202020204" pitchFamily="34" charset="0"/>
-              <a:buChar char="•"/>
-              <a:defRPr sz="1800" kern="1200">
-                <a:solidFill>
-                  <a:schemeClr val="tx1"/>
-                </a:solidFill>
-                <a:latin typeface="+mn-lt"/>
-                <a:ea typeface="+mn-ea"/>
-                <a:cs typeface="+mn-cs"/>
-              </a:defRPr>
-            </a:lvl6pPr>
-            <a:lvl7pPr marL="2971800" indent="-228600" algn="l" defTabSz="914400" rtl="0" eaLnBrk="1" latinLnBrk="1" hangingPunct="1">
-              <a:lnSpc>
-                <a:spcPct val="90000"/>
-              </a:lnSpc>
-              <a:spcBef>
-                <a:spcPts val="500"/>
-              </a:spcBef>
-              <a:buFont typeface="Arial" panose="020B0604020202020204" pitchFamily="34" charset="0"/>
-              <a:buChar char="•"/>
-              <a:defRPr sz="1800" kern="1200">
-                <a:solidFill>
-                  <a:schemeClr val="tx1"/>
-                </a:solidFill>
-                <a:latin typeface="+mn-lt"/>
-                <a:ea typeface="+mn-ea"/>
-                <a:cs typeface="+mn-cs"/>
-              </a:defRPr>
-            </a:lvl7pPr>
-            <a:lvl8pPr marL="3429000" indent="-228600" algn="l" defTabSz="914400" rtl="0" eaLnBrk="1" latinLnBrk="1" hangingPunct="1">
-              <a:lnSpc>
-                <a:spcPct val="90000"/>
-              </a:lnSpc>
-              <a:spcBef>
-                <a:spcPts val="500"/>
-              </a:spcBef>
-              <a:buFont typeface="Arial" panose="020B0604020202020204" pitchFamily="34" charset="0"/>
-              <a:buChar char="•"/>
-              <a:defRPr sz="1800" kern="1200">
-                <a:solidFill>
-                  <a:schemeClr val="tx1"/>
-                </a:solidFill>
-                <a:latin typeface="+mn-lt"/>
-                <a:ea typeface="+mn-ea"/>
-                <a:cs typeface="+mn-cs"/>
-              </a:defRPr>
-            </a:lvl8pPr>
-            <a:lvl9pPr marL="3886200" indent="-228600" algn="l" defTabSz="914400" rtl="0" eaLnBrk="1" latinLnBrk="1" hangingPunct="1">
-              <a:lnSpc>
-                <a:spcPct val="90000"/>
-              </a:lnSpc>
-              <a:spcBef>
-                <a:spcPts val="500"/>
-              </a:spcBef>
-              <a:buFont typeface="Arial" panose="020B0604020202020204" pitchFamily="34" charset="0"/>
-              <a:buChar char="•"/>
-              <a:defRPr sz="1800" kern="1200">
-                <a:solidFill>
-                  <a:schemeClr val="tx1"/>
-                </a:solidFill>
-                <a:latin typeface="+mn-lt"/>
-                <a:ea typeface="+mn-ea"/>
-                <a:cs typeface="+mn-cs"/>
-              </a:defRPr>
-            </a:lvl9pPr>
-          </a:lstStyle>
-          <a:p>
-            <a:r>
-              <a:rPr lang="ko-KR" altLang="en-US" dirty="0">
-                <a:solidFill>
-                  <a:schemeClr val="bg1"/>
-                </a:solidFill>
-                <a:latin typeface="휴먼편지체" panose="02030504000101010101" pitchFamily="18" charset="-127"/>
-                <a:ea typeface="휴먼편지체" panose="02030504000101010101" pitchFamily="18" charset="-127"/>
-              </a:rPr>
-              <a:t>카테고리 별 리스트표기</a:t>
-            </a:r>
-          </a:p>
-        </p:txBody>
-      </p:sp>
     </p:spTree>
     <p:extLst>
       <p:ext uri="{BB962C8B-B14F-4D97-AF65-F5344CB8AC3E}">
-        <p14:creationId xmlns:p14="http://schemas.microsoft.com/office/powerpoint/2010/main" val="2579021118"/>
+        <p14:creationId xmlns:p14="http://schemas.microsoft.com/office/powerpoint/2010/main" val="1438257980"/>
       </p:ext>
     </p:extLst>
   </p:cSld>
@@ -12422,35 +11739,37 @@
           </a:p>
         </p:txBody>
       </p:sp>
-      <p:pic>
-        <p:nvPicPr>
-          <p:cNvPr id="9" name="내용 개체 틀 8">
-            <a:extLst>
-              <a:ext uri="{FF2B5EF4-FFF2-40B4-BE49-F238E27FC236}">
-                <a16:creationId xmlns:a16="http://schemas.microsoft.com/office/drawing/2014/main" id="{3A7B0E21-7B70-45A0-BFC0-0E10792B93CA}"/>
-              </a:ext>
-            </a:extLst>
-          </p:cNvPr>
-          <p:cNvPicPr>
-            <a:picLocks noGrp="1" noChangeAspect="1"/>
-          </p:cNvPicPr>
+      <p:sp>
+        <p:nvSpPr>
+          <p:cNvPr id="12" name="내용 개체 틀 11">
+            <a:extLst>
+              <a:ext uri="{FF2B5EF4-FFF2-40B4-BE49-F238E27FC236}">
+                <a16:creationId xmlns:a16="http://schemas.microsoft.com/office/drawing/2014/main" id="{8F41AD01-EF1E-47A3-AFE2-35D702F57590}"/>
+              </a:ext>
+            </a:extLst>
+          </p:cNvPr>
+          <p:cNvSpPr>
+            <a:spLocks noGrp="1"/>
+          </p:cNvSpPr>
           <p:nvPr>
             <p:ph sz="half" idx="1"/>
           </p:nvPr>
-        </p:nvPicPr>
-        <p:blipFill>
-          <a:blip r:embed="rId2"/>
-          <a:stretch>
-            <a:fillRect/>
-          </a:stretch>
-        </p:blipFill>
-        <p:spPr>
-          <a:xfrm>
-            <a:off x="625825" y="1696974"/>
-            <a:ext cx="11102053" cy="3019336"/>
-          </a:xfrm>
-        </p:spPr>
-      </p:pic>
+        </p:nvSpPr>
+        <p:spPr/>
+        <p:txBody>
+          <a:bodyPr/>
+          <a:lstStyle/>
+          <a:p>
+            <a:endParaRPr lang="ko-KR" altLang="en-US" dirty="0">
+              <a:solidFill>
+                <a:schemeClr val="bg1"/>
+              </a:solidFill>
+              <a:latin typeface="휴먼편지체" panose="02030504000101010101" pitchFamily="18" charset="-127"/>
+              <a:ea typeface="휴먼편지체" panose="02030504000101010101" pitchFamily="18" charset="-127"/>
+            </a:endParaRPr>
+          </a:p>
+        </p:txBody>
+      </p:sp>
       <p:sp>
         <p:nvSpPr>
           <p:cNvPr id="13" name="내용 개체 틀 12">
@@ -12467,45 +11786,18 @@
             <p:ph sz="half" idx="2"/>
           </p:nvPr>
         </p:nvSpPr>
-        <p:spPr>
-          <a:xfrm>
-            <a:off x="975862" y="4979897"/>
-            <a:ext cx="10322518" cy="1197065"/>
-          </a:xfrm>
-        </p:spPr>
+        <p:spPr/>
         <p:txBody>
           <a:bodyPr/>
           <a:lstStyle/>
           <a:p>
-            <a:r>
-              <a:rPr lang="ko-KR" altLang="en-US">
-                <a:solidFill>
-                  <a:schemeClr val="bg1"/>
-                </a:solidFill>
-                <a:latin typeface="휴먼편지체" panose="02030504000101010101" pitchFamily="18" charset="-127"/>
-                <a:ea typeface="휴먼편지체" panose="02030504000101010101" pitchFamily="18" charset="-127"/>
-              </a:rPr>
-              <a:t>구글차트를 사용</a:t>
-            </a:r>
-            <a:endParaRPr lang="en-US" altLang="ko-KR" dirty="0">
+            <a:endParaRPr lang="ko-KR" altLang="en-US" dirty="0">
               <a:solidFill>
                 <a:schemeClr val="bg1"/>
               </a:solidFill>
               <a:latin typeface="휴먼편지체" panose="02030504000101010101" pitchFamily="18" charset="-127"/>
               <a:ea typeface="휴먼편지체" panose="02030504000101010101" pitchFamily="18" charset="-127"/>
             </a:endParaRPr>
-          </a:p>
-          <a:p>
-            <a:r>
-              <a:rPr lang="ko-KR" altLang="en-US" dirty="0">
-                <a:solidFill>
-                  <a:schemeClr val="bg1"/>
-                </a:solidFill>
-                <a:latin typeface="휴먼편지체" panose="02030504000101010101" pitchFamily="18" charset="-127"/>
-                <a:ea typeface="휴먼편지체" panose="02030504000101010101" pitchFamily="18" charset="-127"/>
-              </a:rPr>
-              <a:t>이용자들이 등록한 데이터들을 각 용도에 맞게 확인할 수 있도록 구현</a:t>
-            </a:r>
           </a:p>
         </p:txBody>
       </p:sp>
@@ -12792,16 +12084,16 @@
           </a:lstStyle>
           <a:p>
             <a:r>
-              <a:rPr lang="ko-KR" altLang="en-US" sz="2800">
+              <a:rPr lang="ko-KR" altLang="en-US" sz="2800" dirty="0">
                 <a:solidFill>
                   <a:schemeClr val="bg1"/>
                 </a:solidFill>
                 <a:latin typeface="휴먼편지체" panose="02030504000101010101" pitchFamily="18" charset="-127"/>
                 <a:ea typeface="휴먼편지체" panose="02030504000101010101" pitchFamily="18" charset="-127"/>
               </a:rPr>
-              <a:t>대시보드</a:t>
-            </a:r>
-            <a:endParaRPr lang="ko-KR" altLang="en-US" sz="2800" dirty="0">
+              <a:t>매니저 회원 권한관리</a:t>
+            </a:r>
+            <a:endParaRPr lang="en-US" altLang="ko-KR" sz="2800" dirty="0">
               <a:solidFill>
                 <a:schemeClr val="bg1"/>
               </a:solidFill>
@@ -12811,10 +12103,40 @@
           </a:p>
         </p:txBody>
       </p:sp>
+      <p:pic>
+        <p:nvPicPr>
+          <p:cNvPr id="15" name="그림 14">
+            <a:extLst>
+              <a:ext uri="{FF2B5EF4-FFF2-40B4-BE49-F238E27FC236}">
+                <a16:creationId xmlns:a16="http://schemas.microsoft.com/office/drawing/2014/main" id="{E0600559-8CAC-483D-AED6-2996F94E875E}"/>
+              </a:ext>
+            </a:extLst>
+          </p:cNvPr>
+          <p:cNvPicPr>
+            <a:picLocks noChangeAspect="1"/>
+          </p:cNvPicPr>
+          <p:nvPr/>
+        </p:nvPicPr>
+        <p:blipFill>
+          <a:blip r:embed="rId2"/>
+          <a:stretch>
+            <a:fillRect/>
+          </a:stretch>
+        </p:blipFill>
+        <p:spPr>
+          <a:xfrm>
+            <a:off x="6089734" y="1242068"/>
+            <a:ext cx="5638144" cy="4991988"/>
+          </a:xfrm>
+          <a:prstGeom prst="rect">
+            <a:avLst/>
+          </a:prstGeom>
+        </p:spPr>
+      </p:pic>
     </p:spTree>
     <p:extLst>
       <p:ext uri="{BB962C8B-B14F-4D97-AF65-F5344CB8AC3E}">
-        <p14:creationId xmlns:p14="http://schemas.microsoft.com/office/powerpoint/2010/main" val="2647364455"/>
+        <p14:creationId xmlns:p14="http://schemas.microsoft.com/office/powerpoint/2010/main" val="3417407691"/>
       </p:ext>
     </p:extLst>
   </p:cSld>
@@ -12922,85 +12244,18 @@
             <p:ph sz="half" idx="2"/>
           </p:nvPr>
         </p:nvSpPr>
-        <p:spPr>
-          <a:xfrm>
-            <a:off x="7381874" y="1825625"/>
-            <a:ext cx="3971925" cy="4351338"/>
-          </a:xfrm>
-        </p:spPr>
+        <p:spPr/>
         <p:txBody>
           <a:bodyPr/>
           <a:lstStyle/>
           <a:p>
-            <a:r>
-              <a:rPr lang="en-US" altLang="ko-KR" dirty="0">
-                <a:solidFill>
-                  <a:schemeClr val="bg1"/>
-                </a:solidFill>
-                <a:latin typeface="휴먼편지체" panose="02030504000101010101" pitchFamily="18" charset="-127"/>
-                <a:ea typeface="휴먼편지체" panose="02030504000101010101" pitchFamily="18" charset="-127"/>
-              </a:rPr>
-              <a:t>REST API/AJAX</a:t>
-            </a:r>
-            <a:r>
-              <a:rPr lang="ko-KR" altLang="en-US" dirty="0">
-                <a:solidFill>
-                  <a:schemeClr val="bg1"/>
-                </a:solidFill>
-                <a:latin typeface="휴먼편지체" panose="02030504000101010101" pitchFamily="18" charset="-127"/>
-                <a:ea typeface="휴먼편지체" panose="02030504000101010101" pitchFamily="18" charset="-127"/>
-              </a:rPr>
-              <a:t>를 사용</a:t>
-            </a:r>
-            <a:endParaRPr lang="en-US" altLang="ko-KR" dirty="0">
+            <a:endParaRPr lang="ko-KR" altLang="en-US" dirty="0">
               <a:solidFill>
                 <a:schemeClr val="bg1"/>
               </a:solidFill>
               <a:latin typeface="휴먼편지체" panose="02030504000101010101" pitchFamily="18" charset="-127"/>
               <a:ea typeface="휴먼편지체" panose="02030504000101010101" pitchFamily="18" charset="-127"/>
             </a:endParaRPr>
-          </a:p>
-          <a:p>
-            <a:r>
-              <a:rPr lang="ko-KR" altLang="en-US" dirty="0">
-                <a:solidFill>
-                  <a:schemeClr val="bg1"/>
-                </a:solidFill>
-                <a:latin typeface="휴먼편지체" panose="02030504000101010101" pitchFamily="18" charset="-127"/>
-                <a:ea typeface="휴먼편지체" panose="02030504000101010101" pitchFamily="18" charset="-127"/>
-              </a:rPr>
-              <a:t>댓글</a:t>
-            </a:r>
-            <a:r>
-              <a:rPr lang="en-US" altLang="ko-KR" dirty="0">
-                <a:solidFill>
-                  <a:schemeClr val="bg1"/>
-                </a:solidFill>
-                <a:latin typeface="휴먼편지체" panose="02030504000101010101" pitchFamily="18" charset="-127"/>
-                <a:ea typeface="휴먼편지체" panose="02030504000101010101" pitchFamily="18" charset="-127"/>
-              </a:rPr>
-              <a:t>/</a:t>
-            </a:r>
-            <a:r>
-              <a:rPr lang="ko-KR" altLang="en-US" dirty="0" err="1">
-                <a:solidFill>
-                  <a:schemeClr val="bg1"/>
-                </a:solidFill>
-                <a:latin typeface="휴먼편지체" panose="02030504000101010101" pitchFamily="18" charset="-127"/>
-                <a:ea typeface="휴먼편지체" panose="02030504000101010101" pitchFamily="18" charset="-127"/>
-              </a:rPr>
-              <a:t>대댓글</a:t>
-            </a:r>
-            <a:r>
-              <a:rPr lang="ko-KR" altLang="en-US" dirty="0">
-                <a:solidFill>
-                  <a:schemeClr val="bg1"/>
-                </a:solidFill>
-                <a:latin typeface="휴먼편지체" panose="02030504000101010101" pitchFamily="18" charset="-127"/>
-                <a:ea typeface="휴먼편지체" panose="02030504000101010101" pitchFamily="18" charset="-127"/>
-              </a:rPr>
-              <a:t> 기능 구현</a:t>
-            </a:r>
           </a:p>
         </p:txBody>
       </p:sp>
@@ -13294,17 +12549,24 @@
                 <a:latin typeface="휴먼편지체" panose="02030504000101010101" pitchFamily="18" charset="-127"/>
                 <a:ea typeface="휴먼편지체" panose="02030504000101010101" pitchFamily="18" charset="-127"/>
               </a:rPr>
-              <a:t>댓글</a:t>
-            </a:r>
+              <a:t>매니저 회원 권한관리</a:t>
+            </a:r>
+            <a:endParaRPr lang="en-US" altLang="ko-KR" sz="2800" dirty="0">
+              <a:solidFill>
+                <a:schemeClr val="bg1"/>
+              </a:solidFill>
+              <a:latin typeface="휴먼편지체" panose="02030504000101010101" pitchFamily="18" charset="-127"/>
+              <a:ea typeface="휴먼편지체" panose="02030504000101010101" pitchFamily="18" charset="-127"/>
+            </a:endParaRPr>
           </a:p>
         </p:txBody>
       </p:sp>
       <p:pic>
         <p:nvPicPr>
-          <p:cNvPr id="9" name="그림 8">
-            <a:extLst>
-              <a:ext uri="{FF2B5EF4-FFF2-40B4-BE49-F238E27FC236}">
-                <a16:creationId xmlns:a16="http://schemas.microsoft.com/office/drawing/2014/main" id="{D44B6943-C7E7-43B6-AE9D-78C6E9530520}"/>
+          <p:cNvPr id="16" name="내용 개체 틀 8">
+            <a:extLst>
+              <a:ext uri="{FF2B5EF4-FFF2-40B4-BE49-F238E27FC236}">
+                <a16:creationId xmlns:a16="http://schemas.microsoft.com/office/drawing/2014/main" id="{42ADE9AB-0626-4E40-9F1E-70D2FAFECDB5}"/>
               </a:ext>
             </a:extLst>
           </p:cNvPr>
@@ -13321,8 +12583,8 @@
         </p:blipFill>
         <p:spPr>
           <a:xfrm>
-            <a:off x="780407" y="1720102"/>
-            <a:ext cx="6543675" cy="4533900"/>
+            <a:off x="6172200" y="2524151"/>
+            <a:ext cx="5181600" cy="2954285"/>
           </a:xfrm>
           <a:prstGeom prst="rect">
             <a:avLst/>
@@ -13332,7 +12594,7 @@
     </p:spTree>
     <p:extLst>
       <p:ext uri="{BB962C8B-B14F-4D97-AF65-F5344CB8AC3E}">
-        <p14:creationId xmlns:p14="http://schemas.microsoft.com/office/powerpoint/2010/main" val="3265828624"/>
+        <p14:creationId xmlns:p14="http://schemas.microsoft.com/office/powerpoint/2010/main" val="1455024645"/>
       </p:ext>
     </p:extLst>
   </p:cSld>
@@ -13393,6 +12655,64 @@
           </a:p>
         </p:txBody>
       </p:sp>
+      <p:pic>
+        <p:nvPicPr>
+          <p:cNvPr id="9" name="내용 개체 틀 8">
+            <a:extLst>
+              <a:ext uri="{FF2B5EF4-FFF2-40B4-BE49-F238E27FC236}">
+                <a16:creationId xmlns:a16="http://schemas.microsoft.com/office/drawing/2014/main" id="{AB6A4809-D2FB-43A9-867A-70213A937179}"/>
+              </a:ext>
+            </a:extLst>
+          </p:cNvPr>
+          <p:cNvPicPr>
+            <a:picLocks noGrp="1" noChangeAspect="1"/>
+          </p:cNvPicPr>
+          <p:nvPr>
+            <p:ph sz="half" idx="1"/>
+          </p:nvPr>
+        </p:nvPicPr>
+        <p:blipFill>
+          <a:blip r:embed="rId2"/>
+          <a:stretch>
+            <a:fillRect/>
+          </a:stretch>
+        </p:blipFill>
+        <p:spPr>
+          <a:xfrm>
+            <a:off x="667784" y="1768927"/>
+            <a:ext cx="3729635" cy="3338687"/>
+          </a:xfrm>
+        </p:spPr>
+      </p:pic>
+      <p:pic>
+        <p:nvPicPr>
+          <p:cNvPr id="23" name="내용 개체 틀 22">
+            <a:extLst>
+              <a:ext uri="{FF2B5EF4-FFF2-40B4-BE49-F238E27FC236}">
+                <a16:creationId xmlns:a16="http://schemas.microsoft.com/office/drawing/2014/main" id="{1B167B91-2E52-4B68-B8F9-B82DA8D49E5F}"/>
+              </a:ext>
+            </a:extLst>
+          </p:cNvPr>
+          <p:cNvPicPr>
+            <a:picLocks noGrp="1" noChangeAspect="1"/>
+          </p:cNvPicPr>
+          <p:nvPr>
+            <p:ph sz="half" idx="2"/>
+          </p:nvPr>
+        </p:nvPicPr>
+        <p:blipFill>
+          <a:blip r:embed="rId3"/>
+          <a:stretch>
+            <a:fillRect/>
+          </a:stretch>
+        </p:blipFill>
+        <p:spPr>
+          <a:xfrm>
+            <a:off x="7624446" y="2982266"/>
+            <a:ext cx="2433214" cy="2343095"/>
+          </a:xfrm>
+        </p:spPr>
+      </p:pic>
       <p:cxnSp>
         <p:nvCxnSpPr>
           <p:cNvPr id="4" name="직선 연결선 3">
@@ -13683,47 +13003,7 @@
                 <a:latin typeface="휴먼편지체" panose="02030504000101010101" pitchFamily="18" charset="-127"/>
                 <a:ea typeface="휴먼편지체" panose="02030504000101010101" pitchFamily="18" charset="-127"/>
               </a:rPr>
-              <a:t>서비스 항목 </a:t>
-            </a:r>
-            <a:r>
-              <a:rPr lang="en-US" altLang="ko-KR" sz="2800" dirty="0">
-                <a:solidFill>
-                  <a:schemeClr val="bg1"/>
-                </a:solidFill>
-                <a:latin typeface="휴먼편지체" panose="02030504000101010101" pitchFamily="18" charset="-127"/>
-                <a:ea typeface="휴먼편지체" panose="02030504000101010101" pitchFamily="18" charset="-127"/>
-              </a:rPr>
-              <a:t>– </a:t>
-            </a:r>
-            <a:r>
-              <a:rPr lang="ko-KR" altLang="en-US" sz="2800" dirty="0">
-                <a:solidFill>
-                  <a:schemeClr val="bg1"/>
-                </a:solidFill>
-                <a:latin typeface="휴먼편지체" panose="02030504000101010101" pitchFamily="18" charset="-127"/>
-                <a:ea typeface="휴먼편지체" panose="02030504000101010101" pitchFamily="18" charset="-127"/>
-              </a:rPr>
-              <a:t>등록</a:t>
-            </a:r>
-            <a:r>
-              <a:rPr lang="en-US" altLang="ko-KR" sz="2800" dirty="0">
-                <a:solidFill>
-                  <a:schemeClr val="bg1"/>
-                </a:solidFill>
-                <a:latin typeface="휴먼편지체" panose="02030504000101010101" pitchFamily="18" charset="-127"/>
-                <a:ea typeface="휴먼편지체" panose="02030504000101010101" pitchFamily="18" charset="-127"/>
-              </a:rPr>
-              <a:t>/</a:t>
-            </a:r>
-            <a:r>
-              <a:rPr lang="ko-KR" altLang="en-US" sz="2800" dirty="0">
-                <a:solidFill>
-                  <a:schemeClr val="bg1"/>
-                </a:solidFill>
-                <a:latin typeface="휴먼편지체" panose="02030504000101010101" pitchFamily="18" charset="-127"/>
-                <a:ea typeface="휴먼편지체" panose="02030504000101010101" pitchFamily="18" charset="-127"/>
-              </a:rPr>
-              <a:t>관리</a:t>
+              <a:t>게시판</a:t>
             </a:r>
           </a:p>
         </p:txBody>
@@ -13733,67 +13013,7 @@
           <p:cNvPr id="11" name="그림 10">
             <a:extLst>
               <a:ext uri="{FF2B5EF4-FFF2-40B4-BE49-F238E27FC236}">
-                <a16:creationId xmlns:a16="http://schemas.microsoft.com/office/drawing/2014/main" id="{1415704B-F898-49B7-AD68-3A13E0CF5BD8}"/>
-              </a:ext>
-            </a:extLst>
-          </p:cNvPr>
-          <p:cNvPicPr>
-            <a:picLocks noChangeAspect="1"/>
-          </p:cNvPicPr>
-          <p:nvPr/>
-        </p:nvPicPr>
-        <p:blipFill>
-          <a:blip r:embed="rId2"/>
-          <a:stretch>
-            <a:fillRect/>
-          </a:stretch>
-        </p:blipFill>
-        <p:spPr>
-          <a:xfrm>
-            <a:off x="838200" y="1815329"/>
-            <a:ext cx="3482553" cy="1788982"/>
-          </a:xfrm>
-          <a:prstGeom prst="rect">
-            <a:avLst/>
-          </a:prstGeom>
-        </p:spPr>
-      </p:pic>
-      <p:pic>
-        <p:nvPicPr>
-          <p:cNvPr id="16" name="그림 15">
-            <a:extLst>
-              <a:ext uri="{FF2B5EF4-FFF2-40B4-BE49-F238E27FC236}">
-                <a16:creationId xmlns:a16="http://schemas.microsoft.com/office/drawing/2014/main" id="{4A2A2883-1E20-45AC-9B8E-92970D8F1B32}"/>
-              </a:ext>
-            </a:extLst>
-          </p:cNvPr>
-          <p:cNvPicPr>
-            <a:picLocks noChangeAspect="1"/>
-          </p:cNvPicPr>
-          <p:nvPr/>
-        </p:nvPicPr>
-        <p:blipFill>
-          <a:blip r:embed="rId3"/>
-          <a:stretch>
-            <a:fillRect/>
-          </a:stretch>
-        </p:blipFill>
-        <p:spPr>
-          <a:xfrm>
-            <a:off x="5052051" y="1544072"/>
-            <a:ext cx="3249059" cy="3324143"/>
-          </a:xfrm>
-          <a:prstGeom prst="rect">
-            <a:avLst/>
-          </a:prstGeom>
-        </p:spPr>
-      </p:pic>
-      <p:pic>
-        <p:nvPicPr>
-          <p:cNvPr id="20" name="그림 19">
-            <a:extLst>
-              <a:ext uri="{FF2B5EF4-FFF2-40B4-BE49-F238E27FC236}">
-                <a16:creationId xmlns:a16="http://schemas.microsoft.com/office/drawing/2014/main" id="{7ECCD869-D56E-4162-B175-3D13125E744C}"/>
+                <a16:creationId xmlns:a16="http://schemas.microsoft.com/office/drawing/2014/main" id="{E049B553-F186-4D38-B3F1-9B5515647C44}"/>
               </a:ext>
             </a:extLst>
           </p:cNvPr>
@@ -13810,8 +13030,8 @@
         </p:blipFill>
         <p:spPr>
           <a:xfrm>
-            <a:off x="773162" y="3752370"/>
-            <a:ext cx="4188011" cy="2395396"/>
+            <a:off x="4894230" y="3144245"/>
+            <a:ext cx="2420574" cy="2121015"/>
           </a:xfrm>
           <a:prstGeom prst="rect">
             <a:avLst/>
@@ -13820,10 +13040,10 @@
       </p:pic>
       <p:pic>
         <p:nvPicPr>
-          <p:cNvPr id="22" name="그림 21">
-            <a:extLst>
-              <a:ext uri="{FF2B5EF4-FFF2-40B4-BE49-F238E27FC236}">
-                <a16:creationId xmlns:a16="http://schemas.microsoft.com/office/drawing/2014/main" id="{5FA821B9-AC3C-4A57-AF10-18E728C6C5B6}"/>
+          <p:cNvPr id="16" name="그림 15">
+            <a:extLst>
+              <a:ext uri="{FF2B5EF4-FFF2-40B4-BE49-F238E27FC236}">
+                <a16:creationId xmlns:a16="http://schemas.microsoft.com/office/drawing/2014/main" id="{65065053-6417-4EF9-BFE6-6CC5D973CE05}"/>
               </a:ext>
             </a:extLst>
           </p:cNvPr>
@@ -13840,18 +13060,251 @@
         </p:blipFill>
         <p:spPr>
           <a:xfrm>
-            <a:off x="8452318" y="1505628"/>
-            <a:ext cx="3147243" cy="3441254"/>
+            <a:off x="7544961" y="689675"/>
+            <a:ext cx="2807876" cy="2174223"/>
           </a:xfrm>
           <a:prstGeom prst="rect">
             <a:avLst/>
           </a:prstGeom>
         </p:spPr>
       </p:pic>
+      <p:pic>
+        <p:nvPicPr>
+          <p:cNvPr id="18" name="그림 17">
+            <a:extLst>
+              <a:ext uri="{FF2B5EF4-FFF2-40B4-BE49-F238E27FC236}">
+                <a16:creationId xmlns:a16="http://schemas.microsoft.com/office/drawing/2014/main" id="{C6728289-DC36-4EB9-9C4A-A6D34178C3A9}"/>
+              </a:ext>
+            </a:extLst>
+          </p:cNvPr>
+          <p:cNvPicPr>
+            <a:picLocks noChangeAspect="1"/>
+          </p:cNvPicPr>
+          <p:nvPr/>
+        </p:nvPicPr>
+        <p:blipFill>
+          <a:blip r:embed="rId6"/>
+          <a:stretch>
+            <a:fillRect/>
+          </a:stretch>
+        </p:blipFill>
+        <p:spPr>
+          <a:xfrm>
+            <a:off x="4886878" y="684297"/>
+            <a:ext cx="2391123" cy="2343095"/>
+          </a:xfrm>
+          <a:prstGeom prst="rect">
+            <a:avLst/>
+          </a:prstGeom>
+        </p:spPr>
+      </p:pic>
+      <p:pic>
+        <p:nvPicPr>
+          <p:cNvPr id="21" name="그림 20">
+            <a:extLst>
+              <a:ext uri="{FF2B5EF4-FFF2-40B4-BE49-F238E27FC236}">
+                <a16:creationId xmlns:a16="http://schemas.microsoft.com/office/drawing/2014/main" id="{4F7A00EA-1786-4ED5-BE18-31CD18A39F1F}"/>
+              </a:ext>
+            </a:extLst>
+          </p:cNvPr>
+          <p:cNvPicPr>
+            <a:picLocks noChangeAspect="1"/>
+          </p:cNvPicPr>
+          <p:nvPr/>
+        </p:nvPicPr>
+        <p:blipFill>
+          <a:blip r:embed="rId7"/>
+          <a:stretch>
+            <a:fillRect/>
+          </a:stretch>
+        </p:blipFill>
+        <p:spPr>
+          <a:xfrm>
+            <a:off x="8765630" y="4520631"/>
+            <a:ext cx="2944659" cy="947412"/>
+          </a:xfrm>
+          <a:prstGeom prst="rect">
+            <a:avLst/>
+          </a:prstGeom>
+        </p:spPr>
+      </p:pic>
+      <p:sp>
+        <p:nvSpPr>
+          <p:cNvPr id="24" name="제목 1">
+            <a:extLst>
+              <a:ext uri="{FF2B5EF4-FFF2-40B4-BE49-F238E27FC236}">
+                <a16:creationId xmlns:a16="http://schemas.microsoft.com/office/drawing/2014/main" id="{21B822F5-BB7B-49AD-A430-4C6636E6851C}"/>
+              </a:ext>
+            </a:extLst>
+          </p:cNvPr>
+          <p:cNvSpPr txBox="1">
+            <a:spLocks/>
+          </p:cNvSpPr>
+          <p:nvPr/>
+        </p:nvSpPr>
+        <p:spPr>
+          <a:xfrm>
+            <a:off x="665434" y="5144953"/>
+            <a:ext cx="10515600" cy="1325563"/>
+          </a:xfrm>
+          <a:prstGeom prst="rect">
+            <a:avLst/>
+          </a:prstGeom>
+        </p:spPr>
+        <p:txBody>
+          <a:bodyPr vert="horz" lIns="91440" tIns="45720" rIns="91440" bIns="45720" rtlCol="0" anchor="t">
+            <a:normAutofit/>
+          </a:bodyPr>
+          <a:lstStyle>
+            <a:lvl1pPr algn="l" defTabSz="914400" rtl="0" eaLnBrk="1" latinLnBrk="1" hangingPunct="1">
+              <a:lnSpc>
+                <a:spcPct val="90000"/>
+              </a:lnSpc>
+              <a:spcBef>
+                <a:spcPct val="0"/>
+              </a:spcBef>
+              <a:buNone/>
+              <a:defRPr sz="4400" kern="1200">
+                <a:solidFill>
+                  <a:schemeClr val="tx1"/>
+                </a:solidFill>
+                <a:latin typeface="+mj-lt"/>
+                <a:ea typeface="+mj-ea"/>
+                <a:cs typeface="+mj-cs"/>
+              </a:defRPr>
+            </a:lvl1pPr>
+          </a:lstStyle>
+          <a:p>
+            <a:pPr marL="457200" indent="-457200">
+              <a:buFont typeface="Arial" panose="020B0604020202020204" pitchFamily="34" charset="0"/>
+              <a:buChar char="•"/>
+            </a:pPr>
+            <a:r>
+              <a:rPr lang="ko-KR" altLang="en-US" sz="2800" dirty="0">
+                <a:solidFill>
+                  <a:schemeClr val="bg1"/>
+                </a:solidFill>
+                <a:latin typeface="휴먼편지체" panose="02030504000101010101" pitchFamily="18" charset="-127"/>
+                <a:ea typeface="휴먼편지체" panose="02030504000101010101" pitchFamily="18" charset="-127"/>
+              </a:rPr>
+              <a:t>게시판 </a:t>
+            </a:r>
+            <a:r>
+              <a:rPr lang="en-US" altLang="ko-KR" sz="2800" dirty="0">
+                <a:solidFill>
+                  <a:schemeClr val="bg1"/>
+                </a:solidFill>
+                <a:latin typeface="휴먼편지체" panose="02030504000101010101" pitchFamily="18" charset="-127"/>
+                <a:ea typeface="휴먼편지체" panose="02030504000101010101" pitchFamily="18" charset="-127"/>
+              </a:rPr>
+              <a:t>CRUD</a:t>
+            </a:r>
+          </a:p>
+          <a:p>
+            <a:pPr marL="457200" indent="-457200">
+              <a:buFont typeface="Arial" panose="020B0604020202020204" pitchFamily="34" charset="0"/>
+              <a:buChar char="•"/>
+            </a:pPr>
+            <a:r>
+              <a:rPr lang="ko-KR" altLang="en-US" sz="2800" dirty="0">
+                <a:solidFill>
+                  <a:schemeClr val="bg1"/>
+                </a:solidFill>
+                <a:latin typeface="휴먼편지체" panose="02030504000101010101" pitchFamily="18" charset="-127"/>
+                <a:ea typeface="휴먼편지체" panose="02030504000101010101" pitchFamily="18" charset="-127"/>
+              </a:rPr>
+              <a:t>좋아요</a:t>
+            </a:r>
+            <a:r>
+              <a:rPr lang="en-US" altLang="ko-KR" sz="2800" dirty="0">
+                <a:solidFill>
+                  <a:schemeClr val="bg1"/>
+                </a:solidFill>
+                <a:latin typeface="휴먼편지체" panose="02030504000101010101" pitchFamily="18" charset="-127"/>
+                <a:ea typeface="휴먼편지체" panose="02030504000101010101" pitchFamily="18" charset="-127"/>
+              </a:rPr>
+              <a:t>/</a:t>
+            </a:r>
+            <a:r>
+              <a:rPr lang="ko-KR" altLang="en-US" sz="2800" dirty="0">
+                <a:solidFill>
+                  <a:schemeClr val="bg1"/>
+                </a:solidFill>
+                <a:latin typeface="휴먼편지체" panose="02030504000101010101" pitchFamily="18" charset="-127"/>
+                <a:ea typeface="휴먼편지체" panose="02030504000101010101" pitchFamily="18" charset="-127"/>
+              </a:rPr>
+              <a:t>싫어요 기능</a:t>
+            </a:r>
+            <a:endParaRPr lang="en-US" altLang="ko-KR" sz="2800" dirty="0">
+              <a:solidFill>
+                <a:schemeClr val="bg1"/>
+              </a:solidFill>
+              <a:latin typeface="휴먼편지체" panose="02030504000101010101" pitchFamily="18" charset="-127"/>
+              <a:ea typeface="휴먼편지체" panose="02030504000101010101" pitchFamily="18" charset="-127"/>
+            </a:endParaRPr>
+          </a:p>
+          <a:p>
+            <a:pPr marL="457200" indent="-457200">
+              <a:buFont typeface="Arial" panose="020B0604020202020204" pitchFamily="34" charset="0"/>
+              <a:buChar char="•"/>
+            </a:pPr>
+            <a:r>
+              <a:rPr lang="ko-KR" altLang="en-US" sz="2800" dirty="0">
+                <a:solidFill>
+                  <a:schemeClr val="bg1"/>
+                </a:solidFill>
+                <a:latin typeface="휴먼편지체" panose="02030504000101010101" pitchFamily="18" charset="-127"/>
+                <a:ea typeface="휴먼편지체" panose="02030504000101010101" pitchFamily="18" charset="-127"/>
+              </a:rPr>
+              <a:t>좋아요</a:t>
+            </a:r>
+            <a:r>
+              <a:rPr lang="en-US" altLang="ko-KR" sz="2800" dirty="0">
+                <a:solidFill>
+                  <a:schemeClr val="bg1"/>
+                </a:solidFill>
+                <a:latin typeface="휴먼편지체" panose="02030504000101010101" pitchFamily="18" charset="-127"/>
+                <a:ea typeface="휴먼편지체" panose="02030504000101010101" pitchFamily="18" charset="-127"/>
+              </a:rPr>
+              <a:t>/</a:t>
+            </a:r>
+            <a:r>
+              <a:rPr lang="ko-KR" altLang="en-US" sz="2800" dirty="0">
+                <a:solidFill>
+                  <a:schemeClr val="bg1"/>
+                </a:solidFill>
+                <a:latin typeface="휴먼편지체" panose="02030504000101010101" pitchFamily="18" charset="-127"/>
+                <a:ea typeface="휴먼편지체" panose="02030504000101010101" pitchFamily="18" charset="-127"/>
+              </a:rPr>
+              <a:t>싫어요 </a:t>
+            </a:r>
+            <a:r>
+              <a:rPr lang="en-US" altLang="ko-KR" sz="2800" dirty="0">
+                <a:solidFill>
+                  <a:schemeClr val="bg1"/>
+                </a:solidFill>
+                <a:latin typeface="휴먼편지체" panose="02030504000101010101" pitchFamily="18" charset="-127"/>
+                <a:ea typeface="휴먼편지체" panose="02030504000101010101" pitchFamily="18" charset="-127"/>
+              </a:rPr>
+              <a:t>ALERT</a:t>
+            </a:r>
+            <a:r>
+              <a:rPr lang="ko-KR" altLang="en-US" sz="2800" dirty="0">
+                <a:solidFill>
+                  <a:schemeClr val="bg1"/>
+                </a:solidFill>
+                <a:latin typeface="휴먼편지체" panose="02030504000101010101" pitchFamily="18" charset="-127"/>
+                <a:ea typeface="휴먼편지체" panose="02030504000101010101" pitchFamily="18" charset="-127"/>
+              </a:rPr>
+              <a:t>기능</a:t>
+            </a:r>
+          </a:p>
+        </p:txBody>
+      </p:sp>
     </p:spTree>
     <p:extLst>
       <p:ext uri="{BB962C8B-B14F-4D97-AF65-F5344CB8AC3E}">
-        <p14:creationId xmlns:p14="http://schemas.microsoft.com/office/powerpoint/2010/main" val="1544188667"/>
+        <p14:creationId xmlns:p14="http://schemas.microsoft.com/office/powerpoint/2010/main" val="3846230812"/>
       </p:ext>
     </p:extLst>
   </p:cSld>
@@ -14723,6 +14176,3541 @@
 </file>
 
 <file path=ppt/slides/slide20.xml><?xml version="1.0" encoding="utf-8"?>
+<p:sld xmlns:a="http://schemas.openxmlformats.org/drawingml/2006/main" xmlns:r="http://schemas.openxmlformats.org/officeDocument/2006/relationships" xmlns:p="http://schemas.openxmlformats.org/presentationml/2006/main">
+  <p:cSld>
+    <p:spTree>
+      <p:nvGrpSpPr>
+        <p:cNvPr id="1" name=""/>
+        <p:cNvGrpSpPr/>
+        <p:nvPr/>
+      </p:nvGrpSpPr>
+      <p:grpSpPr>
+        <a:xfrm>
+          <a:off x="0" y="0"/>
+          <a:ext cx="0" cy="0"/>
+          <a:chOff x="0" y="0"/>
+          <a:chExt cx="0" cy="0"/>
+        </a:xfrm>
+      </p:grpSpPr>
+      <p:sp>
+        <p:nvSpPr>
+          <p:cNvPr id="2" name="제목 1">
+            <a:extLst>
+              <a:ext uri="{FF2B5EF4-FFF2-40B4-BE49-F238E27FC236}">
+                <a16:creationId xmlns:a16="http://schemas.microsoft.com/office/drawing/2014/main" id="{5581770F-AFB3-4972-A730-0BC77333F67B}"/>
+              </a:ext>
+            </a:extLst>
+          </p:cNvPr>
+          <p:cNvSpPr>
+            <a:spLocks noGrp="1"/>
+          </p:cNvSpPr>
+          <p:nvPr>
+            <p:ph type="title"/>
+          </p:nvPr>
+        </p:nvSpPr>
+        <p:spPr/>
+        <p:txBody>
+          <a:bodyPr/>
+          <a:lstStyle/>
+          <a:p>
+            <a:r>
+              <a:rPr lang="ko-KR" altLang="en-US" dirty="0">
+                <a:solidFill>
+                  <a:schemeClr val="bg1"/>
+                </a:solidFill>
+                <a:latin typeface="휴먼편지체" panose="02030504000101010101" pitchFamily="18" charset="-127"/>
+                <a:ea typeface="휴먼편지체" panose="02030504000101010101" pitchFamily="18" charset="-127"/>
+              </a:rPr>
+              <a:t>프로젝트 수행경과</a:t>
+            </a:r>
+          </a:p>
+        </p:txBody>
+      </p:sp>
+      <p:pic>
+        <p:nvPicPr>
+          <p:cNvPr id="23" name="내용 개체 틀 22">
+            <a:extLst>
+              <a:ext uri="{FF2B5EF4-FFF2-40B4-BE49-F238E27FC236}">
+                <a16:creationId xmlns:a16="http://schemas.microsoft.com/office/drawing/2014/main" id="{1B167B91-2E52-4B68-B8F9-B82DA8D49E5F}"/>
+              </a:ext>
+            </a:extLst>
+          </p:cNvPr>
+          <p:cNvPicPr>
+            <a:picLocks noGrp="1" noChangeAspect="1"/>
+          </p:cNvPicPr>
+          <p:nvPr>
+            <p:ph sz="half" idx="2"/>
+          </p:nvPr>
+        </p:nvPicPr>
+        <p:blipFill>
+          <a:blip r:embed="rId2"/>
+          <a:stretch>
+            <a:fillRect/>
+          </a:stretch>
+        </p:blipFill>
+        <p:spPr>
+          <a:xfrm>
+            <a:off x="1166661" y="2418066"/>
+            <a:ext cx="2572841" cy="2477550"/>
+          </a:xfrm>
+        </p:spPr>
+      </p:pic>
+      <p:cxnSp>
+        <p:nvCxnSpPr>
+          <p:cNvPr id="4" name="직선 연결선 3">
+            <a:extLst>
+              <a:ext uri="{FF2B5EF4-FFF2-40B4-BE49-F238E27FC236}">
+                <a16:creationId xmlns:a16="http://schemas.microsoft.com/office/drawing/2014/main" id="{49E58DE2-44AE-436B-B9DE-C7AA68529BA0}"/>
+              </a:ext>
+            </a:extLst>
+          </p:cNvPr>
+          <p:cNvCxnSpPr>
+            <a:cxnSpLocks/>
+          </p:cNvCxnSpPr>
+          <p:nvPr/>
+        </p:nvCxnSpPr>
+        <p:spPr>
+          <a:xfrm flipV="1">
+            <a:off x="348740" y="522463"/>
+            <a:ext cx="11530346" cy="4496"/>
+          </a:xfrm>
+          <a:prstGeom prst="line">
+            <a:avLst/>
+          </a:prstGeom>
+          <a:ln w="34925">
+            <a:solidFill>
+              <a:schemeClr val="bg1"/>
+            </a:solidFill>
+            <a:prstDash val="sysDash"/>
+          </a:ln>
+        </p:spPr>
+        <p:style>
+          <a:lnRef idx="1">
+            <a:schemeClr val="accent1"/>
+          </a:lnRef>
+          <a:fillRef idx="0">
+            <a:schemeClr val="accent1"/>
+          </a:fillRef>
+          <a:effectRef idx="0">
+            <a:schemeClr val="accent1"/>
+          </a:effectRef>
+          <a:fontRef idx="minor">
+            <a:schemeClr val="tx1"/>
+          </a:fontRef>
+        </p:style>
+      </p:cxnSp>
+      <p:cxnSp>
+        <p:nvCxnSpPr>
+          <p:cNvPr id="5" name="직선 연결선 4">
+            <a:extLst>
+              <a:ext uri="{FF2B5EF4-FFF2-40B4-BE49-F238E27FC236}">
+                <a16:creationId xmlns:a16="http://schemas.microsoft.com/office/drawing/2014/main" id="{4737A997-580A-4C54-944A-A1C889710B85}"/>
+              </a:ext>
+            </a:extLst>
+          </p:cNvPr>
+          <p:cNvCxnSpPr>
+            <a:cxnSpLocks/>
+          </p:cNvCxnSpPr>
+          <p:nvPr/>
+        </p:nvCxnSpPr>
+        <p:spPr>
+          <a:xfrm>
+            <a:off x="348740" y="6331041"/>
+            <a:ext cx="11588140" cy="0"/>
+          </a:xfrm>
+          <a:prstGeom prst="line">
+            <a:avLst/>
+          </a:prstGeom>
+          <a:ln w="34925">
+            <a:solidFill>
+              <a:schemeClr val="bg1"/>
+            </a:solidFill>
+            <a:prstDash val="sysDash"/>
+          </a:ln>
+        </p:spPr>
+        <p:style>
+          <a:lnRef idx="1">
+            <a:schemeClr val="accent1"/>
+          </a:lnRef>
+          <a:fillRef idx="0">
+            <a:schemeClr val="accent1"/>
+          </a:fillRef>
+          <a:effectRef idx="0">
+            <a:schemeClr val="accent1"/>
+          </a:effectRef>
+          <a:fontRef idx="minor">
+            <a:schemeClr val="tx1"/>
+          </a:fontRef>
+        </p:style>
+      </p:cxnSp>
+      <p:cxnSp>
+        <p:nvCxnSpPr>
+          <p:cNvPr id="6" name="직선 연결선 5">
+            <a:extLst>
+              <a:ext uri="{FF2B5EF4-FFF2-40B4-BE49-F238E27FC236}">
+                <a16:creationId xmlns:a16="http://schemas.microsoft.com/office/drawing/2014/main" id="{F1637CAD-1C07-455E-BE17-D393181386C8}"/>
+              </a:ext>
+            </a:extLst>
+          </p:cNvPr>
+          <p:cNvCxnSpPr>
+            <a:cxnSpLocks/>
+          </p:cNvCxnSpPr>
+          <p:nvPr/>
+        </p:nvCxnSpPr>
+        <p:spPr>
+          <a:xfrm>
+            <a:off x="348740" y="522463"/>
+            <a:ext cx="0" cy="5808578"/>
+          </a:xfrm>
+          <a:prstGeom prst="line">
+            <a:avLst/>
+          </a:prstGeom>
+          <a:ln w="34925">
+            <a:solidFill>
+              <a:schemeClr val="bg1"/>
+            </a:solidFill>
+            <a:prstDash val="sysDash"/>
+            <a:round/>
+          </a:ln>
+        </p:spPr>
+        <p:style>
+          <a:lnRef idx="1">
+            <a:schemeClr val="accent1"/>
+          </a:lnRef>
+          <a:fillRef idx="0">
+            <a:schemeClr val="accent1"/>
+          </a:fillRef>
+          <a:effectRef idx="0">
+            <a:schemeClr val="accent1"/>
+          </a:effectRef>
+          <a:fontRef idx="minor">
+            <a:schemeClr val="tx1"/>
+          </a:fontRef>
+        </p:style>
+      </p:cxnSp>
+      <p:cxnSp>
+        <p:nvCxnSpPr>
+          <p:cNvPr id="7" name="직선 연결선 6">
+            <a:extLst>
+              <a:ext uri="{FF2B5EF4-FFF2-40B4-BE49-F238E27FC236}">
+                <a16:creationId xmlns:a16="http://schemas.microsoft.com/office/drawing/2014/main" id="{FC18CBC1-2872-4E47-B8AB-29877E399BA0}"/>
+              </a:ext>
+            </a:extLst>
+          </p:cNvPr>
+          <p:cNvCxnSpPr>
+            <a:cxnSpLocks/>
+          </p:cNvCxnSpPr>
+          <p:nvPr/>
+        </p:nvCxnSpPr>
+        <p:spPr>
+          <a:xfrm>
+            <a:off x="11879086" y="562253"/>
+            <a:ext cx="0" cy="5768788"/>
+          </a:xfrm>
+          <a:prstGeom prst="line">
+            <a:avLst/>
+          </a:prstGeom>
+          <a:ln w="34925">
+            <a:solidFill>
+              <a:schemeClr val="bg1"/>
+            </a:solidFill>
+            <a:prstDash val="sysDash"/>
+          </a:ln>
+        </p:spPr>
+        <p:style>
+          <a:lnRef idx="1">
+            <a:schemeClr val="accent1"/>
+          </a:lnRef>
+          <a:fillRef idx="0">
+            <a:schemeClr val="accent1"/>
+          </a:fillRef>
+          <a:effectRef idx="0">
+            <a:schemeClr val="accent1"/>
+          </a:effectRef>
+          <a:fontRef idx="minor">
+            <a:schemeClr val="tx1"/>
+          </a:fontRef>
+        </p:style>
+      </p:cxnSp>
+      <p:sp>
+        <p:nvSpPr>
+          <p:cNvPr id="8" name="TextBox 7">
+            <a:extLst>
+              <a:ext uri="{FF2B5EF4-FFF2-40B4-BE49-F238E27FC236}">
+                <a16:creationId xmlns:a16="http://schemas.microsoft.com/office/drawing/2014/main" id="{7FF4DA88-5CA5-41D7-ABA3-241F2F3468E4}"/>
+              </a:ext>
+            </a:extLst>
+          </p:cNvPr>
+          <p:cNvSpPr txBox="1"/>
+          <p:nvPr/>
+        </p:nvSpPr>
+        <p:spPr>
+          <a:xfrm>
+            <a:off x="4682836" y="6388135"/>
+            <a:ext cx="6096000" cy="369332"/>
+          </a:xfrm>
+          <a:prstGeom prst="rect">
+            <a:avLst/>
+          </a:prstGeom>
+          <a:noFill/>
+        </p:spPr>
+        <p:txBody>
+          <a:bodyPr wrap="square">
+            <a:spAutoFit/>
+          </a:bodyPr>
+          <a:lstStyle/>
+          <a:p>
+            <a:r>
+              <a:rPr lang="en-US" altLang="ko-KR" dirty="0">
+                <a:solidFill>
+                  <a:schemeClr val="bg1"/>
+                </a:solidFill>
+                <a:latin typeface="휴먼편지체" panose="02030504000101010101" pitchFamily="18" charset="-127"/>
+                <a:ea typeface="휴먼편지체" panose="02030504000101010101" pitchFamily="18" charset="-127"/>
+              </a:rPr>
+              <a:t>Clean Code-</a:t>
+            </a:r>
+            <a:r>
+              <a:rPr lang="ko-KR" altLang="en-US" dirty="0">
+                <a:solidFill>
+                  <a:schemeClr val="bg1"/>
+                </a:solidFill>
+                <a:latin typeface="휴먼편지체" panose="02030504000101010101" pitchFamily="18" charset="-127"/>
+                <a:ea typeface="휴먼편지체" panose="02030504000101010101" pitchFamily="18" charset="-127"/>
+              </a:rPr>
+              <a:t>깔끔한 코드를 만들자</a:t>
+            </a:r>
+            <a:endParaRPr lang="en-US" altLang="ko-KR" dirty="0">
+              <a:solidFill>
+                <a:schemeClr val="bg1"/>
+              </a:solidFill>
+              <a:latin typeface="휴먼편지체" panose="02030504000101010101" pitchFamily="18" charset="-127"/>
+              <a:ea typeface="휴먼편지체" panose="02030504000101010101" pitchFamily="18" charset="-127"/>
+            </a:endParaRPr>
+          </a:p>
+        </p:txBody>
+      </p:sp>
+      <p:sp>
+        <p:nvSpPr>
+          <p:cNvPr id="14" name="제목 1">
+            <a:extLst>
+              <a:ext uri="{FF2B5EF4-FFF2-40B4-BE49-F238E27FC236}">
+                <a16:creationId xmlns:a16="http://schemas.microsoft.com/office/drawing/2014/main" id="{310B7686-3CCF-4629-BC34-4D325C22A39C}"/>
+              </a:ext>
+            </a:extLst>
+          </p:cNvPr>
+          <p:cNvSpPr txBox="1">
+            <a:spLocks/>
+          </p:cNvSpPr>
+          <p:nvPr/>
+        </p:nvSpPr>
+        <p:spPr>
+          <a:xfrm>
+            <a:off x="1212278" y="877751"/>
+            <a:ext cx="10515600" cy="1325563"/>
+          </a:xfrm>
+          <a:prstGeom prst="rect">
+            <a:avLst/>
+          </a:prstGeom>
+        </p:spPr>
+        <p:txBody>
+          <a:bodyPr vert="horz" lIns="91440" tIns="45720" rIns="91440" bIns="45720" rtlCol="0" anchor="ctr">
+            <a:normAutofit/>
+          </a:bodyPr>
+          <a:lstStyle>
+            <a:lvl1pPr algn="l" defTabSz="914400" rtl="0" eaLnBrk="1" latinLnBrk="1" hangingPunct="1">
+              <a:lnSpc>
+                <a:spcPct val="90000"/>
+              </a:lnSpc>
+              <a:spcBef>
+                <a:spcPct val="0"/>
+              </a:spcBef>
+              <a:buNone/>
+              <a:defRPr sz="4400" kern="1200">
+                <a:solidFill>
+                  <a:schemeClr val="tx1"/>
+                </a:solidFill>
+                <a:latin typeface="+mj-lt"/>
+                <a:ea typeface="+mj-ea"/>
+                <a:cs typeface="+mj-cs"/>
+              </a:defRPr>
+            </a:lvl1pPr>
+          </a:lstStyle>
+          <a:p>
+            <a:r>
+              <a:rPr lang="ko-KR" altLang="en-US" sz="2800" dirty="0">
+                <a:solidFill>
+                  <a:schemeClr val="bg1"/>
+                </a:solidFill>
+                <a:latin typeface="휴먼편지체" panose="02030504000101010101" pitchFamily="18" charset="-127"/>
+                <a:ea typeface="휴먼편지체" panose="02030504000101010101" pitchFamily="18" charset="-127"/>
+              </a:rPr>
+              <a:t>게시판</a:t>
+            </a:r>
+          </a:p>
+        </p:txBody>
+      </p:sp>
+      <p:sp>
+        <p:nvSpPr>
+          <p:cNvPr id="10" name="내용 개체 틀 9">
+            <a:extLst>
+              <a:ext uri="{FF2B5EF4-FFF2-40B4-BE49-F238E27FC236}">
+                <a16:creationId xmlns:a16="http://schemas.microsoft.com/office/drawing/2014/main" id="{B6C45919-0025-427B-B422-6AD7FA8C8C25}"/>
+              </a:ext>
+            </a:extLst>
+          </p:cNvPr>
+          <p:cNvSpPr>
+            <a:spLocks noGrp="1"/>
+          </p:cNvSpPr>
+          <p:nvPr>
+            <p:ph sz="half" idx="1"/>
+          </p:nvPr>
+        </p:nvSpPr>
+        <p:spPr>
+          <a:xfrm flipH="1">
+            <a:off x="1112218" y="1906224"/>
+            <a:ext cx="10378712" cy="1029993"/>
+          </a:xfrm>
+        </p:spPr>
+        <p:txBody>
+          <a:bodyPr/>
+          <a:lstStyle/>
+          <a:p>
+            <a:r>
+              <a:rPr lang="ko-KR" altLang="en-US">
+                <a:solidFill>
+                  <a:schemeClr val="bg1"/>
+                </a:solidFill>
+                <a:latin typeface="휴먼편지체" panose="02030504000101010101" pitchFamily="18" charset="-127"/>
+                <a:ea typeface="휴먼편지체" panose="02030504000101010101" pitchFamily="18" charset="-127"/>
+              </a:rPr>
+              <a:t>답글게시물</a:t>
+            </a:r>
+            <a:endParaRPr lang="ko-KR" altLang="en-US" dirty="0">
+              <a:solidFill>
+                <a:schemeClr val="bg1"/>
+              </a:solidFill>
+              <a:latin typeface="휴먼편지체" panose="02030504000101010101" pitchFamily="18" charset="-127"/>
+              <a:ea typeface="휴먼편지체" panose="02030504000101010101" pitchFamily="18" charset="-127"/>
+            </a:endParaRPr>
+          </a:p>
+        </p:txBody>
+      </p:sp>
+      <p:pic>
+        <p:nvPicPr>
+          <p:cNvPr id="13" name="그림 12">
+            <a:extLst>
+              <a:ext uri="{FF2B5EF4-FFF2-40B4-BE49-F238E27FC236}">
+                <a16:creationId xmlns:a16="http://schemas.microsoft.com/office/drawing/2014/main" id="{5E2FBFCC-B1E5-4C31-99EA-5AC45B7474E8}"/>
+              </a:ext>
+            </a:extLst>
+          </p:cNvPr>
+          <p:cNvPicPr>
+            <a:picLocks noChangeAspect="1"/>
+          </p:cNvPicPr>
+          <p:nvPr/>
+        </p:nvPicPr>
+        <p:blipFill rotWithShape="1">
+          <a:blip r:embed="rId3"/>
+          <a:srcRect r="55344" b="-2235"/>
+          <a:stretch/>
+        </p:blipFill>
+        <p:spPr>
+          <a:xfrm>
+            <a:off x="1260135" y="5000450"/>
+            <a:ext cx="2883878" cy="623224"/>
+          </a:xfrm>
+          <a:prstGeom prst="rect">
+            <a:avLst/>
+          </a:prstGeom>
+        </p:spPr>
+      </p:pic>
+      <p:pic>
+        <p:nvPicPr>
+          <p:cNvPr id="17" name="그림 16">
+            <a:extLst>
+              <a:ext uri="{FF2B5EF4-FFF2-40B4-BE49-F238E27FC236}">
+                <a16:creationId xmlns:a16="http://schemas.microsoft.com/office/drawing/2014/main" id="{22DF1BE7-F084-4235-B255-84F382C25F0B}"/>
+              </a:ext>
+            </a:extLst>
+          </p:cNvPr>
+          <p:cNvPicPr>
+            <a:picLocks noChangeAspect="1"/>
+          </p:cNvPicPr>
+          <p:nvPr/>
+        </p:nvPicPr>
+        <p:blipFill>
+          <a:blip r:embed="rId4"/>
+          <a:stretch>
+            <a:fillRect/>
+          </a:stretch>
+        </p:blipFill>
+        <p:spPr>
+          <a:xfrm>
+            <a:off x="8065116" y="2290109"/>
+            <a:ext cx="3685244" cy="3255386"/>
+          </a:xfrm>
+          <a:prstGeom prst="rect">
+            <a:avLst/>
+          </a:prstGeom>
+        </p:spPr>
+      </p:pic>
+      <p:pic>
+        <p:nvPicPr>
+          <p:cNvPr id="22" name="내용 개체 틀 8">
+            <a:extLst>
+              <a:ext uri="{FF2B5EF4-FFF2-40B4-BE49-F238E27FC236}">
+                <a16:creationId xmlns:a16="http://schemas.microsoft.com/office/drawing/2014/main" id="{4A80F8F6-3448-42D1-8537-4D6A2B646A5B}"/>
+              </a:ext>
+            </a:extLst>
+          </p:cNvPr>
+          <p:cNvPicPr>
+            <a:picLocks noChangeAspect="1"/>
+          </p:cNvPicPr>
+          <p:nvPr/>
+        </p:nvPicPr>
+        <p:blipFill rotWithShape="1">
+          <a:blip r:embed="rId5"/>
+          <a:srcRect r="27821"/>
+          <a:stretch/>
+        </p:blipFill>
+        <p:spPr>
+          <a:xfrm>
+            <a:off x="4598209" y="2329592"/>
+            <a:ext cx="2612675" cy="3240293"/>
+          </a:xfrm>
+          <a:prstGeom prst="rect">
+            <a:avLst/>
+          </a:prstGeom>
+        </p:spPr>
+      </p:pic>
+      <p:pic>
+        <p:nvPicPr>
+          <p:cNvPr id="24" name="그림 23">
+            <a:extLst>
+              <a:ext uri="{FF2B5EF4-FFF2-40B4-BE49-F238E27FC236}">
+                <a16:creationId xmlns:a16="http://schemas.microsoft.com/office/drawing/2014/main" id="{F0801520-4A32-456C-B6D8-3644F483973F}"/>
+              </a:ext>
+            </a:extLst>
+          </p:cNvPr>
+          <p:cNvPicPr>
+            <a:picLocks noChangeAspect="1"/>
+          </p:cNvPicPr>
+          <p:nvPr/>
+        </p:nvPicPr>
+        <p:blipFill>
+          <a:blip r:embed="rId6"/>
+          <a:stretch>
+            <a:fillRect/>
+          </a:stretch>
+        </p:blipFill>
+        <p:spPr>
+          <a:xfrm>
+            <a:off x="5798163" y="2630994"/>
+            <a:ext cx="2409825" cy="1905000"/>
+          </a:xfrm>
+          <a:prstGeom prst="ellipse">
+            <a:avLst/>
+          </a:prstGeom>
+          <a:ln>
+            <a:noFill/>
+          </a:ln>
+          <a:effectLst>
+            <a:softEdge rad="112500"/>
+          </a:effectLst>
+        </p:spPr>
+      </p:pic>
+      <p:sp>
+        <p:nvSpPr>
+          <p:cNvPr id="25" name="액자 24">
+            <a:extLst>
+              <a:ext uri="{FF2B5EF4-FFF2-40B4-BE49-F238E27FC236}">
+                <a16:creationId xmlns:a16="http://schemas.microsoft.com/office/drawing/2014/main" id="{B26510E4-CEA6-4467-B6B5-C82C61B48057}"/>
+              </a:ext>
+            </a:extLst>
+          </p:cNvPr>
+          <p:cNvSpPr/>
+          <p:nvPr/>
+        </p:nvSpPr>
+        <p:spPr>
+          <a:xfrm>
+            <a:off x="4472571" y="2444187"/>
+            <a:ext cx="1087138" cy="658859"/>
+          </a:xfrm>
+          <a:prstGeom prst="frame">
+            <a:avLst/>
+          </a:prstGeom>
+          <a:solidFill>
+            <a:srgbClr val="FF0000"/>
+          </a:solidFill>
+          <a:ln>
+            <a:noFill/>
+          </a:ln>
+        </p:spPr>
+        <p:style>
+          <a:lnRef idx="2">
+            <a:schemeClr val="accent1">
+              <a:shade val="50000"/>
+            </a:schemeClr>
+          </a:lnRef>
+          <a:fillRef idx="1">
+            <a:schemeClr val="accent1"/>
+          </a:fillRef>
+          <a:effectRef idx="0">
+            <a:schemeClr val="accent1"/>
+          </a:effectRef>
+          <a:fontRef idx="minor">
+            <a:schemeClr val="lt1"/>
+          </a:fontRef>
+        </p:style>
+        <p:txBody>
+          <a:bodyPr rtlCol="0" anchor="ctr"/>
+          <a:lstStyle/>
+          <a:p>
+            <a:pPr algn="ctr"/>
+            <a:endParaRPr lang="ko-KR" altLang="en-US">
+              <a:solidFill>
+                <a:schemeClr val="tx1"/>
+              </a:solidFill>
+            </a:endParaRPr>
+          </a:p>
+        </p:txBody>
+      </p:sp>
+      <p:sp>
+        <p:nvSpPr>
+          <p:cNvPr id="26" name="화살표: 오른쪽 25">
+            <a:extLst>
+              <a:ext uri="{FF2B5EF4-FFF2-40B4-BE49-F238E27FC236}">
+                <a16:creationId xmlns:a16="http://schemas.microsoft.com/office/drawing/2014/main" id="{477F2E64-B84E-403F-B7AA-74F19D3355BA}"/>
+              </a:ext>
+            </a:extLst>
+          </p:cNvPr>
+          <p:cNvSpPr/>
+          <p:nvPr/>
+        </p:nvSpPr>
+        <p:spPr>
+          <a:xfrm rot="1546273">
+            <a:off x="5215258" y="2879707"/>
+            <a:ext cx="940178" cy="585922"/>
+          </a:xfrm>
+          <a:prstGeom prst="rightArrow">
+            <a:avLst/>
+          </a:prstGeom>
+          <a:solidFill>
+            <a:srgbClr val="FF0000"/>
+          </a:solidFill>
+          <a:ln>
+            <a:noFill/>
+          </a:ln>
+        </p:spPr>
+        <p:style>
+          <a:lnRef idx="2">
+            <a:schemeClr val="accent1">
+              <a:shade val="50000"/>
+            </a:schemeClr>
+          </a:lnRef>
+          <a:fillRef idx="1">
+            <a:schemeClr val="accent1"/>
+          </a:fillRef>
+          <a:effectRef idx="0">
+            <a:schemeClr val="accent1"/>
+          </a:effectRef>
+          <a:fontRef idx="minor">
+            <a:schemeClr val="lt1"/>
+          </a:fontRef>
+        </p:style>
+        <p:txBody>
+          <a:bodyPr rtlCol="0" anchor="ctr"/>
+          <a:lstStyle/>
+          <a:p>
+            <a:pPr algn="ctr"/>
+            <a:endParaRPr lang="ko-KR" altLang="en-US">
+              <a:noFill/>
+            </a:endParaRPr>
+          </a:p>
+        </p:txBody>
+      </p:sp>
+      <p:sp>
+        <p:nvSpPr>
+          <p:cNvPr id="27" name="화살표: 오른쪽 26">
+            <a:extLst>
+              <a:ext uri="{FF2B5EF4-FFF2-40B4-BE49-F238E27FC236}">
+                <a16:creationId xmlns:a16="http://schemas.microsoft.com/office/drawing/2014/main" id="{1727E5EB-D15D-4CC0-BEE5-133A5F22451C}"/>
+              </a:ext>
+            </a:extLst>
+          </p:cNvPr>
+          <p:cNvSpPr/>
+          <p:nvPr/>
+        </p:nvSpPr>
+        <p:spPr>
+          <a:xfrm rot="19988886">
+            <a:off x="7246898" y="2752197"/>
+            <a:ext cx="940178" cy="585922"/>
+          </a:xfrm>
+          <a:prstGeom prst="rightArrow">
+            <a:avLst/>
+          </a:prstGeom>
+          <a:solidFill>
+            <a:srgbClr val="FF0000"/>
+          </a:solidFill>
+          <a:ln>
+            <a:noFill/>
+          </a:ln>
+        </p:spPr>
+        <p:style>
+          <a:lnRef idx="2">
+            <a:schemeClr val="accent1">
+              <a:shade val="50000"/>
+            </a:schemeClr>
+          </a:lnRef>
+          <a:fillRef idx="1">
+            <a:schemeClr val="accent1"/>
+          </a:fillRef>
+          <a:effectRef idx="0">
+            <a:schemeClr val="accent1"/>
+          </a:effectRef>
+          <a:fontRef idx="minor">
+            <a:schemeClr val="lt1"/>
+          </a:fontRef>
+        </p:style>
+        <p:txBody>
+          <a:bodyPr rtlCol="0" anchor="ctr"/>
+          <a:lstStyle/>
+          <a:p>
+            <a:pPr algn="ctr"/>
+            <a:endParaRPr lang="ko-KR" altLang="en-US">
+              <a:noFill/>
+            </a:endParaRPr>
+          </a:p>
+        </p:txBody>
+      </p:sp>
+      <p:sp>
+        <p:nvSpPr>
+          <p:cNvPr id="28" name="원형: 비어 있음 27">
+            <a:extLst>
+              <a:ext uri="{FF2B5EF4-FFF2-40B4-BE49-F238E27FC236}">
+                <a16:creationId xmlns:a16="http://schemas.microsoft.com/office/drawing/2014/main" id="{58DEF59A-6ACA-4270-A65B-AB7E26E9D4EF}"/>
+              </a:ext>
+            </a:extLst>
+          </p:cNvPr>
+          <p:cNvSpPr/>
+          <p:nvPr/>
+        </p:nvSpPr>
+        <p:spPr>
+          <a:xfrm>
+            <a:off x="2326339" y="5000450"/>
+            <a:ext cx="637309" cy="598833"/>
+          </a:xfrm>
+          <a:prstGeom prst="donut">
+            <a:avLst>
+              <a:gd name="adj" fmla="val 10970"/>
+            </a:avLst>
+          </a:prstGeom>
+          <a:solidFill>
+            <a:srgbClr val="FF0000"/>
+          </a:solidFill>
+          <a:ln>
+            <a:noFill/>
+          </a:ln>
+        </p:spPr>
+        <p:style>
+          <a:lnRef idx="2">
+            <a:schemeClr val="accent1">
+              <a:shade val="50000"/>
+            </a:schemeClr>
+          </a:lnRef>
+          <a:fillRef idx="1">
+            <a:schemeClr val="accent1"/>
+          </a:fillRef>
+          <a:effectRef idx="0">
+            <a:schemeClr val="accent1"/>
+          </a:effectRef>
+          <a:fontRef idx="minor">
+            <a:schemeClr val="lt1"/>
+          </a:fontRef>
+        </p:style>
+        <p:txBody>
+          <a:bodyPr rtlCol="0" anchor="ctr"/>
+          <a:lstStyle/>
+          <a:p>
+            <a:pPr algn="ctr"/>
+            <a:endParaRPr lang="ko-KR" altLang="en-US">
+              <a:solidFill>
+                <a:schemeClr val="tx1"/>
+              </a:solidFill>
+            </a:endParaRPr>
+          </a:p>
+        </p:txBody>
+      </p:sp>
+      <p:sp>
+        <p:nvSpPr>
+          <p:cNvPr id="29" name="내용 개체 틀 9">
+            <a:extLst>
+              <a:ext uri="{FF2B5EF4-FFF2-40B4-BE49-F238E27FC236}">
+                <a16:creationId xmlns:a16="http://schemas.microsoft.com/office/drawing/2014/main" id="{BBA55ABD-6A5B-4474-936C-51706BFDDD09}"/>
+              </a:ext>
+            </a:extLst>
+          </p:cNvPr>
+          <p:cNvSpPr txBox="1">
+            <a:spLocks/>
+          </p:cNvSpPr>
+          <p:nvPr/>
+        </p:nvSpPr>
+        <p:spPr>
+          <a:xfrm flipH="1">
+            <a:off x="4472571" y="1854775"/>
+            <a:ext cx="10378712" cy="1029993"/>
+          </a:xfrm>
+          <a:prstGeom prst="rect">
+            <a:avLst/>
+          </a:prstGeom>
+        </p:spPr>
+        <p:txBody>
+          <a:bodyPr vert="horz" lIns="91440" tIns="45720" rIns="91440" bIns="45720" rtlCol="0">
+            <a:normAutofit/>
+          </a:bodyPr>
+          <a:lstStyle>
+            <a:lvl1pPr marL="228600" indent="-228600" algn="l" defTabSz="914400" rtl="0" eaLnBrk="1" latinLnBrk="1" hangingPunct="1">
+              <a:lnSpc>
+                <a:spcPct val="90000"/>
+              </a:lnSpc>
+              <a:spcBef>
+                <a:spcPts val="1000"/>
+              </a:spcBef>
+              <a:buFont typeface="Arial" panose="020B0604020202020204" pitchFamily="34" charset="0"/>
+              <a:buChar char="•"/>
+              <a:defRPr sz="2800" kern="1200">
+                <a:solidFill>
+                  <a:schemeClr val="tx1"/>
+                </a:solidFill>
+                <a:latin typeface="+mn-lt"/>
+                <a:ea typeface="+mn-ea"/>
+                <a:cs typeface="+mn-cs"/>
+              </a:defRPr>
+            </a:lvl1pPr>
+            <a:lvl2pPr marL="685800" indent="-228600" algn="l" defTabSz="914400" rtl="0" eaLnBrk="1" latinLnBrk="1" hangingPunct="1">
+              <a:lnSpc>
+                <a:spcPct val="90000"/>
+              </a:lnSpc>
+              <a:spcBef>
+                <a:spcPts val="500"/>
+              </a:spcBef>
+              <a:buFont typeface="Arial" panose="020B0604020202020204" pitchFamily="34" charset="0"/>
+              <a:buChar char="•"/>
+              <a:defRPr sz="2400" kern="1200">
+                <a:solidFill>
+                  <a:schemeClr val="tx1"/>
+                </a:solidFill>
+                <a:latin typeface="+mn-lt"/>
+                <a:ea typeface="+mn-ea"/>
+                <a:cs typeface="+mn-cs"/>
+              </a:defRPr>
+            </a:lvl2pPr>
+            <a:lvl3pPr marL="1143000" indent="-228600" algn="l" defTabSz="914400" rtl="0" eaLnBrk="1" latinLnBrk="1" hangingPunct="1">
+              <a:lnSpc>
+                <a:spcPct val="90000"/>
+              </a:lnSpc>
+              <a:spcBef>
+                <a:spcPts val="500"/>
+              </a:spcBef>
+              <a:buFont typeface="Arial" panose="020B0604020202020204" pitchFamily="34" charset="0"/>
+              <a:buChar char="•"/>
+              <a:defRPr sz="2000" kern="1200">
+                <a:solidFill>
+                  <a:schemeClr val="tx1"/>
+                </a:solidFill>
+                <a:latin typeface="+mn-lt"/>
+                <a:ea typeface="+mn-ea"/>
+                <a:cs typeface="+mn-cs"/>
+              </a:defRPr>
+            </a:lvl3pPr>
+            <a:lvl4pPr marL="1600200" indent="-228600" algn="l" defTabSz="914400" rtl="0" eaLnBrk="1" latinLnBrk="1" hangingPunct="1">
+              <a:lnSpc>
+                <a:spcPct val="90000"/>
+              </a:lnSpc>
+              <a:spcBef>
+                <a:spcPts val="500"/>
+              </a:spcBef>
+              <a:buFont typeface="Arial" panose="020B0604020202020204" pitchFamily="34" charset="0"/>
+              <a:buChar char="•"/>
+              <a:defRPr sz="1800" kern="1200">
+                <a:solidFill>
+                  <a:schemeClr val="tx1"/>
+                </a:solidFill>
+                <a:latin typeface="+mn-lt"/>
+                <a:ea typeface="+mn-ea"/>
+                <a:cs typeface="+mn-cs"/>
+              </a:defRPr>
+            </a:lvl4pPr>
+            <a:lvl5pPr marL="2057400" indent="-228600" algn="l" defTabSz="914400" rtl="0" eaLnBrk="1" latinLnBrk="1" hangingPunct="1">
+              <a:lnSpc>
+                <a:spcPct val="90000"/>
+              </a:lnSpc>
+              <a:spcBef>
+                <a:spcPts val="500"/>
+              </a:spcBef>
+              <a:buFont typeface="Arial" panose="020B0604020202020204" pitchFamily="34" charset="0"/>
+              <a:buChar char="•"/>
+              <a:defRPr sz="1800" kern="1200">
+                <a:solidFill>
+                  <a:schemeClr val="tx1"/>
+                </a:solidFill>
+                <a:latin typeface="+mn-lt"/>
+                <a:ea typeface="+mn-ea"/>
+                <a:cs typeface="+mn-cs"/>
+              </a:defRPr>
+            </a:lvl5pPr>
+            <a:lvl6pPr marL="2514600" indent="-228600" algn="l" defTabSz="914400" rtl="0" eaLnBrk="1" latinLnBrk="1" hangingPunct="1">
+              <a:lnSpc>
+                <a:spcPct val="90000"/>
+              </a:lnSpc>
+              <a:spcBef>
+                <a:spcPts val="500"/>
+              </a:spcBef>
+              <a:buFont typeface="Arial" panose="020B0604020202020204" pitchFamily="34" charset="0"/>
+              <a:buChar char="•"/>
+              <a:defRPr sz="1800" kern="1200">
+                <a:solidFill>
+                  <a:schemeClr val="tx1"/>
+                </a:solidFill>
+                <a:latin typeface="+mn-lt"/>
+                <a:ea typeface="+mn-ea"/>
+                <a:cs typeface="+mn-cs"/>
+              </a:defRPr>
+            </a:lvl6pPr>
+            <a:lvl7pPr marL="2971800" indent="-228600" algn="l" defTabSz="914400" rtl="0" eaLnBrk="1" latinLnBrk="1" hangingPunct="1">
+              <a:lnSpc>
+                <a:spcPct val="90000"/>
+              </a:lnSpc>
+              <a:spcBef>
+                <a:spcPts val="500"/>
+              </a:spcBef>
+              <a:buFont typeface="Arial" panose="020B0604020202020204" pitchFamily="34" charset="0"/>
+              <a:buChar char="•"/>
+              <a:defRPr sz="1800" kern="1200">
+                <a:solidFill>
+                  <a:schemeClr val="tx1"/>
+                </a:solidFill>
+                <a:latin typeface="+mn-lt"/>
+                <a:ea typeface="+mn-ea"/>
+                <a:cs typeface="+mn-cs"/>
+              </a:defRPr>
+            </a:lvl7pPr>
+            <a:lvl8pPr marL="3429000" indent="-228600" algn="l" defTabSz="914400" rtl="0" eaLnBrk="1" latinLnBrk="1" hangingPunct="1">
+              <a:lnSpc>
+                <a:spcPct val="90000"/>
+              </a:lnSpc>
+              <a:spcBef>
+                <a:spcPts val="500"/>
+              </a:spcBef>
+              <a:buFont typeface="Arial" panose="020B0604020202020204" pitchFamily="34" charset="0"/>
+              <a:buChar char="•"/>
+              <a:defRPr sz="1800" kern="1200">
+                <a:solidFill>
+                  <a:schemeClr val="tx1"/>
+                </a:solidFill>
+                <a:latin typeface="+mn-lt"/>
+                <a:ea typeface="+mn-ea"/>
+                <a:cs typeface="+mn-cs"/>
+              </a:defRPr>
+            </a:lvl8pPr>
+            <a:lvl9pPr marL="3886200" indent="-228600" algn="l" defTabSz="914400" rtl="0" eaLnBrk="1" latinLnBrk="1" hangingPunct="1">
+              <a:lnSpc>
+                <a:spcPct val="90000"/>
+              </a:lnSpc>
+              <a:spcBef>
+                <a:spcPts val="500"/>
+              </a:spcBef>
+              <a:buFont typeface="Arial" panose="020B0604020202020204" pitchFamily="34" charset="0"/>
+              <a:buChar char="•"/>
+              <a:defRPr sz="1800" kern="1200">
+                <a:solidFill>
+                  <a:schemeClr val="tx1"/>
+                </a:solidFill>
+                <a:latin typeface="+mn-lt"/>
+                <a:ea typeface="+mn-ea"/>
+                <a:cs typeface="+mn-cs"/>
+              </a:defRPr>
+            </a:lvl9pPr>
+          </a:lstStyle>
+          <a:p>
+            <a:r>
+              <a:rPr lang="ko-KR" altLang="en-US" dirty="0">
+                <a:solidFill>
+                  <a:schemeClr val="bg1"/>
+                </a:solidFill>
+                <a:latin typeface="휴먼편지체" panose="02030504000101010101" pitchFamily="18" charset="-127"/>
+                <a:ea typeface="휴먼편지체" panose="02030504000101010101" pitchFamily="18" charset="-127"/>
+              </a:rPr>
+              <a:t>카테고리 별 리스트표기</a:t>
+            </a:r>
+          </a:p>
+        </p:txBody>
+      </p:sp>
+    </p:spTree>
+    <p:extLst>
+      <p:ext uri="{BB962C8B-B14F-4D97-AF65-F5344CB8AC3E}">
+        <p14:creationId xmlns:p14="http://schemas.microsoft.com/office/powerpoint/2010/main" val="2579021118"/>
+      </p:ext>
+    </p:extLst>
+  </p:cSld>
+  <p:clrMapOvr>
+    <a:masterClrMapping/>
+  </p:clrMapOvr>
+</p:sld>
+</file>
+
+<file path=ppt/slides/slide21.xml><?xml version="1.0" encoding="utf-8"?>
+<p:sld xmlns:a="http://schemas.openxmlformats.org/drawingml/2006/main" xmlns:r="http://schemas.openxmlformats.org/officeDocument/2006/relationships" xmlns:p="http://schemas.openxmlformats.org/presentationml/2006/main">
+  <p:cSld>
+    <p:spTree>
+      <p:nvGrpSpPr>
+        <p:cNvPr id="1" name=""/>
+        <p:cNvGrpSpPr/>
+        <p:nvPr/>
+      </p:nvGrpSpPr>
+      <p:grpSpPr>
+        <a:xfrm>
+          <a:off x="0" y="0"/>
+          <a:ext cx="0" cy="0"/>
+          <a:chOff x="0" y="0"/>
+          <a:chExt cx="0" cy="0"/>
+        </a:xfrm>
+      </p:grpSpPr>
+      <p:sp>
+        <p:nvSpPr>
+          <p:cNvPr id="2" name="제목 1">
+            <a:extLst>
+              <a:ext uri="{FF2B5EF4-FFF2-40B4-BE49-F238E27FC236}">
+                <a16:creationId xmlns:a16="http://schemas.microsoft.com/office/drawing/2014/main" id="{5581770F-AFB3-4972-A730-0BC77333F67B}"/>
+              </a:ext>
+            </a:extLst>
+          </p:cNvPr>
+          <p:cNvSpPr>
+            <a:spLocks noGrp="1"/>
+          </p:cNvSpPr>
+          <p:nvPr>
+            <p:ph type="title"/>
+          </p:nvPr>
+        </p:nvSpPr>
+        <p:spPr/>
+        <p:txBody>
+          <a:bodyPr/>
+          <a:lstStyle/>
+          <a:p>
+            <a:r>
+              <a:rPr lang="ko-KR" altLang="en-US" dirty="0">
+                <a:solidFill>
+                  <a:schemeClr val="bg1"/>
+                </a:solidFill>
+                <a:latin typeface="휴먼편지체" panose="02030504000101010101" pitchFamily="18" charset="-127"/>
+                <a:ea typeface="휴먼편지체" panose="02030504000101010101" pitchFamily="18" charset="-127"/>
+              </a:rPr>
+              <a:t>프로젝트 수행경과</a:t>
+            </a:r>
+          </a:p>
+        </p:txBody>
+      </p:sp>
+      <p:pic>
+        <p:nvPicPr>
+          <p:cNvPr id="9" name="내용 개체 틀 8">
+            <a:extLst>
+              <a:ext uri="{FF2B5EF4-FFF2-40B4-BE49-F238E27FC236}">
+                <a16:creationId xmlns:a16="http://schemas.microsoft.com/office/drawing/2014/main" id="{3A7B0E21-7B70-45A0-BFC0-0E10792B93CA}"/>
+              </a:ext>
+            </a:extLst>
+          </p:cNvPr>
+          <p:cNvPicPr>
+            <a:picLocks noGrp="1" noChangeAspect="1"/>
+          </p:cNvPicPr>
+          <p:nvPr>
+            <p:ph sz="half" idx="1"/>
+          </p:nvPr>
+        </p:nvPicPr>
+        <p:blipFill>
+          <a:blip r:embed="rId2"/>
+          <a:stretch>
+            <a:fillRect/>
+          </a:stretch>
+        </p:blipFill>
+        <p:spPr>
+          <a:xfrm>
+            <a:off x="625825" y="1696974"/>
+            <a:ext cx="11102053" cy="3019336"/>
+          </a:xfrm>
+        </p:spPr>
+      </p:pic>
+      <p:sp>
+        <p:nvSpPr>
+          <p:cNvPr id="13" name="내용 개체 틀 12">
+            <a:extLst>
+              <a:ext uri="{FF2B5EF4-FFF2-40B4-BE49-F238E27FC236}">
+                <a16:creationId xmlns:a16="http://schemas.microsoft.com/office/drawing/2014/main" id="{84880ECF-D2E4-4F3F-B435-82A498ECB635}"/>
+              </a:ext>
+            </a:extLst>
+          </p:cNvPr>
+          <p:cNvSpPr>
+            <a:spLocks noGrp="1"/>
+          </p:cNvSpPr>
+          <p:nvPr>
+            <p:ph sz="half" idx="2"/>
+          </p:nvPr>
+        </p:nvSpPr>
+        <p:spPr>
+          <a:xfrm>
+            <a:off x="975862" y="4979897"/>
+            <a:ext cx="10322518" cy="1197065"/>
+          </a:xfrm>
+        </p:spPr>
+        <p:txBody>
+          <a:bodyPr/>
+          <a:lstStyle/>
+          <a:p>
+            <a:r>
+              <a:rPr lang="ko-KR" altLang="en-US">
+                <a:solidFill>
+                  <a:schemeClr val="bg1"/>
+                </a:solidFill>
+                <a:latin typeface="휴먼편지체" panose="02030504000101010101" pitchFamily="18" charset="-127"/>
+                <a:ea typeface="휴먼편지체" panose="02030504000101010101" pitchFamily="18" charset="-127"/>
+              </a:rPr>
+              <a:t>구글차트를 사용</a:t>
+            </a:r>
+            <a:endParaRPr lang="en-US" altLang="ko-KR" dirty="0">
+              <a:solidFill>
+                <a:schemeClr val="bg1"/>
+              </a:solidFill>
+              <a:latin typeface="휴먼편지체" panose="02030504000101010101" pitchFamily="18" charset="-127"/>
+              <a:ea typeface="휴먼편지체" panose="02030504000101010101" pitchFamily="18" charset="-127"/>
+            </a:endParaRPr>
+          </a:p>
+          <a:p>
+            <a:r>
+              <a:rPr lang="ko-KR" altLang="en-US" dirty="0">
+                <a:solidFill>
+                  <a:schemeClr val="bg1"/>
+                </a:solidFill>
+                <a:latin typeface="휴먼편지체" panose="02030504000101010101" pitchFamily="18" charset="-127"/>
+                <a:ea typeface="휴먼편지체" panose="02030504000101010101" pitchFamily="18" charset="-127"/>
+              </a:rPr>
+              <a:t>이용자들이 등록한 데이터들을 각 용도에 맞게 확인할 수 있도록 구현</a:t>
+            </a:r>
+          </a:p>
+        </p:txBody>
+      </p:sp>
+      <p:cxnSp>
+        <p:nvCxnSpPr>
+          <p:cNvPr id="4" name="직선 연결선 3">
+            <a:extLst>
+              <a:ext uri="{FF2B5EF4-FFF2-40B4-BE49-F238E27FC236}">
+                <a16:creationId xmlns:a16="http://schemas.microsoft.com/office/drawing/2014/main" id="{49E58DE2-44AE-436B-B9DE-C7AA68529BA0}"/>
+              </a:ext>
+            </a:extLst>
+          </p:cNvPr>
+          <p:cNvCxnSpPr>
+            <a:cxnSpLocks/>
+          </p:cNvCxnSpPr>
+          <p:nvPr/>
+        </p:nvCxnSpPr>
+        <p:spPr>
+          <a:xfrm flipV="1">
+            <a:off x="348740" y="522463"/>
+            <a:ext cx="11530346" cy="4496"/>
+          </a:xfrm>
+          <a:prstGeom prst="line">
+            <a:avLst/>
+          </a:prstGeom>
+          <a:ln w="34925">
+            <a:solidFill>
+              <a:schemeClr val="bg1"/>
+            </a:solidFill>
+            <a:prstDash val="sysDash"/>
+          </a:ln>
+        </p:spPr>
+        <p:style>
+          <a:lnRef idx="1">
+            <a:schemeClr val="accent1"/>
+          </a:lnRef>
+          <a:fillRef idx="0">
+            <a:schemeClr val="accent1"/>
+          </a:fillRef>
+          <a:effectRef idx="0">
+            <a:schemeClr val="accent1"/>
+          </a:effectRef>
+          <a:fontRef idx="minor">
+            <a:schemeClr val="tx1"/>
+          </a:fontRef>
+        </p:style>
+      </p:cxnSp>
+      <p:cxnSp>
+        <p:nvCxnSpPr>
+          <p:cNvPr id="5" name="직선 연결선 4">
+            <a:extLst>
+              <a:ext uri="{FF2B5EF4-FFF2-40B4-BE49-F238E27FC236}">
+                <a16:creationId xmlns:a16="http://schemas.microsoft.com/office/drawing/2014/main" id="{4737A997-580A-4C54-944A-A1C889710B85}"/>
+              </a:ext>
+            </a:extLst>
+          </p:cNvPr>
+          <p:cNvCxnSpPr>
+            <a:cxnSpLocks/>
+          </p:cNvCxnSpPr>
+          <p:nvPr/>
+        </p:nvCxnSpPr>
+        <p:spPr>
+          <a:xfrm>
+            <a:off x="348740" y="6331041"/>
+            <a:ext cx="11588140" cy="0"/>
+          </a:xfrm>
+          <a:prstGeom prst="line">
+            <a:avLst/>
+          </a:prstGeom>
+          <a:ln w="34925">
+            <a:solidFill>
+              <a:schemeClr val="bg1"/>
+            </a:solidFill>
+            <a:prstDash val="sysDash"/>
+          </a:ln>
+        </p:spPr>
+        <p:style>
+          <a:lnRef idx="1">
+            <a:schemeClr val="accent1"/>
+          </a:lnRef>
+          <a:fillRef idx="0">
+            <a:schemeClr val="accent1"/>
+          </a:fillRef>
+          <a:effectRef idx="0">
+            <a:schemeClr val="accent1"/>
+          </a:effectRef>
+          <a:fontRef idx="minor">
+            <a:schemeClr val="tx1"/>
+          </a:fontRef>
+        </p:style>
+      </p:cxnSp>
+      <p:cxnSp>
+        <p:nvCxnSpPr>
+          <p:cNvPr id="6" name="직선 연결선 5">
+            <a:extLst>
+              <a:ext uri="{FF2B5EF4-FFF2-40B4-BE49-F238E27FC236}">
+                <a16:creationId xmlns:a16="http://schemas.microsoft.com/office/drawing/2014/main" id="{F1637CAD-1C07-455E-BE17-D393181386C8}"/>
+              </a:ext>
+            </a:extLst>
+          </p:cNvPr>
+          <p:cNvCxnSpPr>
+            <a:cxnSpLocks/>
+          </p:cNvCxnSpPr>
+          <p:nvPr/>
+        </p:nvCxnSpPr>
+        <p:spPr>
+          <a:xfrm>
+            <a:off x="348740" y="522463"/>
+            <a:ext cx="0" cy="5808578"/>
+          </a:xfrm>
+          <a:prstGeom prst="line">
+            <a:avLst/>
+          </a:prstGeom>
+          <a:ln w="34925">
+            <a:solidFill>
+              <a:schemeClr val="bg1"/>
+            </a:solidFill>
+            <a:prstDash val="sysDash"/>
+            <a:round/>
+          </a:ln>
+        </p:spPr>
+        <p:style>
+          <a:lnRef idx="1">
+            <a:schemeClr val="accent1"/>
+          </a:lnRef>
+          <a:fillRef idx="0">
+            <a:schemeClr val="accent1"/>
+          </a:fillRef>
+          <a:effectRef idx="0">
+            <a:schemeClr val="accent1"/>
+          </a:effectRef>
+          <a:fontRef idx="minor">
+            <a:schemeClr val="tx1"/>
+          </a:fontRef>
+        </p:style>
+      </p:cxnSp>
+      <p:cxnSp>
+        <p:nvCxnSpPr>
+          <p:cNvPr id="7" name="직선 연결선 6">
+            <a:extLst>
+              <a:ext uri="{FF2B5EF4-FFF2-40B4-BE49-F238E27FC236}">
+                <a16:creationId xmlns:a16="http://schemas.microsoft.com/office/drawing/2014/main" id="{FC18CBC1-2872-4E47-B8AB-29877E399BA0}"/>
+              </a:ext>
+            </a:extLst>
+          </p:cNvPr>
+          <p:cNvCxnSpPr>
+            <a:cxnSpLocks/>
+          </p:cNvCxnSpPr>
+          <p:nvPr/>
+        </p:nvCxnSpPr>
+        <p:spPr>
+          <a:xfrm>
+            <a:off x="11879086" y="562253"/>
+            <a:ext cx="0" cy="5768788"/>
+          </a:xfrm>
+          <a:prstGeom prst="line">
+            <a:avLst/>
+          </a:prstGeom>
+          <a:ln w="34925">
+            <a:solidFill>
+              <a:schemeClr val="bg1"/>
+            </a:solidFill>
+            <a:prstDash val="sysDash"/>
+          </a:ln>
+        </p:spPr>
+        <p:style>
+          <a:lnRef idx="1">
+            <a:schemeClr val="accent1"/>
+          </a:lnRef>
+          <a:fillRef idx="0">
+            <a:schemeClr val="accent1"/>
+          </a:fillRef>
+          <a:effectRef idx="0">
+            <a:schemeClr val="accent1"/>
+          </a:effectRef>
+          <a:fontRef idx="minor">
+            <a:schemeClr val="tx1"/>
+          </a:fontRef>
+        </p:style>
+      </p:cxnSp>
+      <p:sp>
+        <p:nvSpPr>
+          <p:cNvPr id="8" name="TextBox 7">
+            <a:extLst>
+              <a:ext uri="{FF2B5EF4-FFF2-40B4-BE49-F238E27FC236}">
+                <a16:creationId xmlns:a16="http://schemas.microsoft.com/office/drawing/2014/main" id="{7FF4DA88-5CA5-41D7-ABA3-241F2F3468E4}"/>
+              </a:ext>
+            </a:extLst>
+          </p:cNvPr>
+          <p:cNvSpPr txBox="1"/>
+          <p:nvPr/>
+        </p:nvSpPr>
+        <p:spPr>
+          <a:xfrm>
+            <a:off x="4682836" y="6388135"/>
+            <a:ext cx="6096000" cy="369332"/>
+          </a:xfrm>
+          <a:prstGeom prst="rect">
+            <a:avLst/>
+          </a:prstGeom>
+          <a:noFill/>
+        </p:spPr>
+        <p:txBody>
+          <a:bodyPr wrap="square">
+            <a:spAutoFit/>
+          </a:bodyPr>
+          <a:lstStyle/>
+          <a:p>
+            <a:r>
+              <a:rPr lang="en-US" altLang="ko-KR" dirty="0">
+                <a:solidFill>
+                  <a:schemeClr val="bg1"/>
+                </a:solidFill>
+                <a:latin typeface="휴먼편지체" panose="02030504000101010101" pitchFamily="18" charset="-127"/>
+                <a:ea typeface="휴먼편지체" panose="02030504000101010101" pitchFamily="18" charset="-127"/>
+              </a:rPr>
+              <a:t>Clean Code-</a:t>
+            </a:r>
+            <a:r>
+              <a:rPr lang="ko-KR" altLang="en-US" dirty="0">
+                <a:solidFill>
+                  <a:schemeClr val="bg1"/>
+                </a:solidFill>
+                <a:latin typeface="휴먼편지체" panose="02030504000101010101" pitchFamily="18" charset="-127"/>
+                <a:ea typeface="휴먼편지체" panose="02030504000101010101" pitchFamily="18" charset="-127"/>
+              </a:rPr>
+              <a:t>깔끔한 코드를 만들자</a:t>
+            </a:r>
+            <a:endParaRPr lang="en-US" altLang="ko-KR" dirty="0">
+              <a:solidFill>
+                <a:schemeClr val="bg1"/>
+              </a:solidFill>
+              <a:latin typeface="휴먼편지체" panose="02030504000101010101" pitchFamily="18" charset="-127"/>
+              <a:ea typeface="휴먼편지체" panose="02030504000101010101" pitchFamily="18" charset="-127"/>
+            </a:endParaRPr>
+          </a:p>
+        </p:txBody>
+      </p:sp>
+      <p:sp>
+        <p:nvSpPr>
+          <p:cNvPr id="14" name="제목 1">
+            <a:extLst>
+              <a:ext uri="{FF2B5EF4-FFF2-40B4-BE49-F238E27FC236}">
+                <a16:creationId xmlns:a16="http://schemas.microsoft.com/office/drawing/2014/main" id="{310B7686-3CCF-4629-BC34-4D325C22A39C}"/>
+              </a:ext>
+            </a:extLst>
+          </p:cNvPr>
+          <p:cNvSpPr txBox="1">
+            <a:spLocks/>
+          </p:cNvSpPr>
+          <p:nvPr/>
+        </p:nvSpPr>
+        <p:spPr>
+          <a:xfrm>
+            <a:off x="1212278" y="877751"/>
+            <a:ext cx="10515600" cy="1325563"/>
+          </a:xfrm>
+          <a:prstGeom prst="rect">
+            <a:avLst/>
+          </a:prstGeom>
+        </p:spPr>
+        <p:txBody>
+          <a:bodyPr vert="horz" lIns="91440" tIns="45720" rIns="91440" bIns="45720" rtlCol="0" anchor="ctr">
+            <a:normAutofit/>
+          </a:bodyPr>
+          <a:lstStyle>
+            <a:lvl1pPr algn="l" defTabSz="914400" rtl="0" eaLnBrk="1" latinLnBrk="1" hangingPunct="1">
+              <a:lnSpc>
+                <a:spcPct val="90000"/>
+              </a:lnSpc>
+              <a:spcBef>
+                <a:spcPct val="0"/>
+              </a:spcBef>
+              <a:buNone/>
+              <a:defRPr sz="4400" kern="1200">
+                <a:solidFill>
+                  <a:schemeClr val="tx1"/>
+                </a:solidFill>
+                <a:latin typeface="+mj-lt"/>
+                <a:ea typeface="+mj-ea"/>
+                <a:cs typeface="+mj-cs"/>
+              </a:defRPr>
+            </a:lvl1pPr>
+          </a:lstStyle>
+          <a:p>
+            <a:r>
+              <a:rPr lang="ko-KR" altLang="en-US" sz="2800">
+                <a:solidFill>
+                  <a:schemeClr val="bg1"/>
+                </a:solidFill>
+                <a:latin typeface="휴먼편지체" panose="02030504000101010101" pitchFamily="18" charset="-127"/>
+                <a:ea typeface="휴먼편지체" panose="02030504000101010101" pitchFamily="18" charset="-127"/>
+              </a:rPr>
+              <a:t>대시보드</a:t>
+            </a:r>
+            <a:endParaRPr lang="ko-KR" altLang="en-US" sz="2800" dirty="0">
+              <a:solidFill>
+                <a:schemeClr val="bg1"/>
+              </a:solidFill>
+              <a:latin typeface="휴먼편지체" panose="02030504000101010101" pitchFamily="18" charset="-127"/>
+              <a:ea typeface="휴먼편지체" panose="02030504000101010101" pitchFamily="18" charset="-127"/>
+            </a:endParaRPr>
+          </a:p>
+        </p:txBody>
+      </p:sp>
+    </p:spTree>
+    <p:extLst>
+      <p:ext uri="{BB962C8B-B14F-4D97-AF65-F5344CB8AC3E}">
+        <p14:creationId xmlns:p14="http://schemas.microsoft.com/office/powerpoint/2010/main" val="2647364455"/>
+      </p:ext>
+    </p:extLst>
+  </p:cSld>
+  <p:clrMapOvr>
+    <a:masterClrMapping/>
+  </p:clrMapOvr>
+</p:sld>
+</file>
+
+<file path=ppt/slides/slide22.xml><?xml version="1.0" encoding="utf-8"?>
+<p:sld xmlns:a="http://schemas.openxmlformats.org/drawingml/2006/main" xmlns:r="http://schemas.openxmlformats.org/officeDocument/2006/relationships" xmlns:p="http://schemas.openxmlformats.org/presentationml/2006/main">
+  <p:cSld>
+    <p:spTree>
+      <p:nvGrpSpPr>
+        <p:cNvPr id="1" name=""/>
+        <p:cNvGrpSpPr/>
+        <p:nvPr/>
+      </p:nvGrpSpPr>
+      <p:grpSpPr>
+        <a:xfrm>
+          <a:off x="0" y="0"/>
+          <a:ext cx="0" cy="0"/>
+          <a:chOff x="0" y="0"/>
+          <a:chExt cx="0" cy="0"/>
+        </a:xfrm>
+      </p:grpSpPr>
+      <p:sp>
+        <p:nvSpPr>
+          <p:cNvPr id="2" name="제목 1">
+            <a:extLst>
+              <a:ext uri="{FF2B5EF4-FFF2-40B4-BE49-F238E27FC236}">
+                <a16:creationId xmlns:a16="http://schemas.microsoft.com/office/drawing/2014/main" id="{5581770F-AFB3-4972-A730-0BC77333F67B}"/>
+              </a:ext>
+            </a:extLst>
+          </p:cNvPr>
+          <p:cNvSpPr>
+            <a:spLocks noGrp="1"/>
+          </p:cNvSpPr>
+          <p:nvPr>
+            <p:ph type="title"/>
+          </p:nvPr>
+        </p:nvSpPr>
+        <p:spPr/>
+        <p:txBody>
+          <a:bodyPr/>
+          <a:lstStyle/>
+          <a:p>
+            <a:r>
+              <a:rPr lang="ko-KR" altLang="en-US" dirty="0">
+                <a:solidFill>
+                  <a:schemeClr val="bg1"/>
+                </a:solidFill>
+                <a:latin typeface="휴먼편지체" panose="02030504000101010101" pitchFamily="18" charset="-127"/>
+                <a:ea typeface="휴먼편지체" panose="02030504000101010101" pitchFamily="18" charset="-127"/>
+              </a:rPr>
+              <a:t>프로젝트 수행경과</a:t>
+            </a:r>
+          </a:p>
+        </p:txBody>
+      </p:sp>
+      <p:sp>
+        <p:nvSpPr>
+          <p:cNvPr id="12" name="내용 개체 틀 11">
+            <a:extLst>
+              <a:ext uri="{FF2B5EF4-FFF2-40B4-BE49-F238E27FC236}">
+                <a16:creationId xmlns:a16="http://schemas.microsoft.com/office/drawing/2014/main" id="{8F41AD01-EF1E-47A3-AFE2-35D702F57590}"/>
+              </a:ext>
+            </a:extLst>
+          </p:cNvPr>
+          <p:cNvSpPr>
+            <a:spLocks noGrp="1"/>
+          </p:cNvSpPr>
+          <p:nvPr>
+            <p:ph sz="half" idx="1"/>
+          </p:nvPr>
+        </p:nvSpPr>
+        <p:spPr/>
+        <p:txBody>
+          <a:bodyPr/>
+          <a:lstStyle/>
+          <a:p>
+            <a:endParaRPr lang="ko-KR" altLang="en-US" dirty="0">
+              <a:solidFill>
+                <a:schemeClr val="bg1"/>
+              </a:solidFill>
+              <a:latin typeface="휴먼편지체" panose="02030504000101010101" pitchFamily="18" charset="-127"/>
+              <a:ea typeface="휴먼편지체" panose="02030504000101010101" pitchFamily="18" charset="-127"/>
+            </a:endParaRPr>
+          </a:p>
+        </p:txBody>
+      </p:sp>
+      <p:sp>
+        <p:nvSpPr>
+          <p:cNvPr id="13" name="내용 개체 틀 12">
+            <a:extLst>
+              <a:ext uri="{FF2B5EF4-FFF2-40B4-BE49-F238E27FC236}">
+                <a16:creationId xmlns:a16="http://schemas.microsoft.com/office/drawing/2014/main" id="{84880ECF-D2E4-4F3F-B435-82A498ECB635}"/>
+              </a:ext>
+            </a:extLst>
+          </p:cNvPr>
+          <p:cNvSpPr>
+            <a:spLocks noGrp="1"/>
+          </p:cNvSpPr>
+          <p:nvPr>
+            <p:ph sz="half" idx="2"/>
+          </p:nvPr>
+        </p:nvSpPr>
+        <p:spPr>
+          <a:xfrm>
+            <a:off x="7381874" y="1825625"/>
+            <a:ext cx="3971925" cy="4351338"/>
+          </a:xfrm>
+        </p:spPr>
+        <p:txBody>
+          <a:bodyPr/>
+          <a:lstStyle/>
+          <a:p>
+            <a:r>
+              <a:rPr lang="en-US" altLang="ko-KR" dirty="0">
+                <a:solidFill>
+                  <a:schemeClr val="bg1"/>
+                </a:solidFill>
+                <a:latin typeface="휴먼편지체" panose="02030504000101010101" pitchFamily="18" charset="-127"/>
+                <a:ea typeface="휴먼편지체" panose="02030504000101010101" pitchFamily="18" charset="-127"/>
+              </a:rPr>
+              <a:t>REST API/AJAX</a:t>
+            </a:r>
+            <a:r>
+              <a:rPr lang="ko-KR" altLang="en-US" dirty="0">
+                <a:solidFill>
+                  <a:schemeClr val="bg1"/>
+                </a:solidFill>
+                <a:latin typeface="휴먼편지체" panose="02030504000101010101" pitchFamily="18" charset="-127"/>
+                <a:ea typeface="휴먼편지체" panose="02030504000101010101" pitchFamily="18" charset="-127"/>
+              </a:rPr>
+              <a:t>를 사용</a:t>
+            </a:r>
+            <a:endParaRPr lang="en-US" altLang="ko-KR" dirty="0">
+              <a:solidFill>
+                <a:schemeClr val="bg1"/>
+              </a:solidFill>
+              <a:latin typeface="휴먼편지체" panose="02030504000101010101" pitchFamily="18" charset="-127"/>
+              <a:ea typeface="휴먼편지체" panose="02030504000101010101" pitchFamily="18" charset="-127"/>
+            </a:endParaRPr>
+          </a:p>
+          <a:p>
+            <a:r>
+              <a:rPr lang="ko-KR" altLang="en-US" dirty="0">
+                <a:solidFill>
+                  <a:schemeClr val="bg1"/>
+                </a:solidFill>
+                <a:latin typeface="휴먼편지체" panose="02030504000101010101" pitchFamily="18" charset="-127"/>
+                <a:ea typeface="휴먼편지체" panose="02030504000101010101" pitchFamily="18" charset="-127"/>
+              </a:rPr>
+              <a:t>댓글</a:t>
+            </a:r>
+            <a:r>
+              <a:rPr lang="en-US" altLang="ko-KR" dirty="0">
+                <a:solidFill>
+                  <a:schemeClr val="bg1"/>
+                </a:solidFill>
+                <a:latin typeface="휴먼편지체" panose="02030504000101010101" pitchFamily="18" charset="-127"/>
+                <a:ea typeface="휴먼편지체" panose="02030504000101010101" pitchFamily="18" charset="-127"/>
+              </a:rPr>
+              <a:t>/</a:t>
+            </a:r>
+            <a:r>
+              <a:rPr lang="ko-KR" altLang="en-US" dirty="0" err="1">
+                <a:solidFill>
+                  <a:schemeClr val="bg1"/>
+                </a:solidFill>
+                <a:latin typeface="휴먼편지체" panose="02030504000101010101" pitchFamily="18" charset="-127"/>
+                <a:ea typeface="휴먼편지체" panose="02030504000101010101" pitchFamily="18" charset="-127"/>
+              </a:rPr>
+              <a:t>대댓글</a:t>
+            </a:r>
+            <a:r>
+              <a:rPr lang="ko-KR" altLang="en-US" dirty="0">
+                <a:solidFill>
+                  <a:schemeClr val="bg1"/>
+                </a:solidFill>
+                <a:latin typeface="휴먼편지체" panose="02030504000101010101" pitchFamily="18" charset="-127"/>
+                <a:ea typeface="휴먼편지체" panose="02030504000101010101" pitchFamily="18" charset="-127"/>
+              </a:rPr>
+              <a:t> 기능 구현</a:t>
+            </a:r>
+          </a:p>
+        </p:txBody>
+      </p:sp>
+      <p:cxnSp>
+        <p:nvCxnSpPr>
+          <p:cNvPr id="4" name="직선 연결선 3">
+            <a:extLst>
+              <a:ext uri="{FF2B5EF4-FFF2-40B4-BE49-F238E27FC236}">
+                <a16:creationId xmlns:a16="http://schemas.microsoft.com/office/drawing/2014/main" id="{49E58DE2-44AE-436B-B9DE-C7AA68529BA0}"/>
+              </a:ext>
+            </a:extLst>
+          </p:cNvPr>
+          <p:cNvCxnSpPr>
+            <a:cxnSpLocks/>
+          </p:cNvCxnSpPr>
+          <p:nvPr/>
+        </p:nvCxnSpPr>
+        <p:spPr>
+          <a:xfrm flipV="1">
+            <a:off x="348740" y="522463"/>
+            <a:ext cx="11530346" cy="4496"/>
+          </a:xfrm>
+          <a:prstGeom prst="line">
+            <a:avLst/>
+          </a:prstGeom>
+          <a:ln w="34925">
+            <a:solidFill>
+              <a:schemeClr val="bg1"/>
+            </a:solidFill>
+            <a:prstDash val="sysDash"/>
+          </a:ln>
+        </p:spPr>
+        <p:style>
+          <a:lnRef idx="1">
+            <a:schemeClr val="accent1"/>
+          </a:lnRef>
+          <a:fillRef idx="0">
+            <a:schemeClr val="accent1"/>
+          </a:fillRef>
+          <a:effectRef idx="0">
+            <a:schemeClr val="accent1"/>
+          </a:effectRef>
+          <a:fontRef idx="minor">
+            <a:schemeClr val="tx1"/>
+          </a:fontRef>
+        </p:style>
+      </p:cxnSp>
+      <p:cxnSp>
+        <p:nvCxnSpPr>
+          <p:cNvPr id="5" name="직선 연결선 4">
+            <a:extLst>
+              <a:ext uri="{FF2B5EF4-FFF2-40B4-BE49-F238E27FC236}">
+                <a16:creationId xmlns:a16="http://schemas.microsoft.com/office/drawing/2014/main" id="{4737A997-580A-4C54-944A-A1C889710B85}"/>
+              </a:ext>
+            </a:extLst>
+          </p:cNvPr>
+          <p:cNvCxnSpPr>
+            <a:cxnSpLocks/>
+          </p:cNvCxnSpPr>
+          <p:nvPr/>
+        </p:nvCxnSpPr>
+        <p:spPr>
+          <a:xfrm>
+            <a:off x="348740" y="6331041"/>
+            <a:ext cx="11588140" cy="0"/>
+          </a:xfrm>
+          <a:prstGeom prst="line">
+            <a:avLst/>
+          </a:prstGeom>
+          <a:ln w="34925">
+            <a:solidFill>
+              <a:schemeClr val="bg1"/>
+            </a:solidFill>
+            <a:prstDash val="sysDash"/>
+          </a:ln>
+        </p:spPr>
+        <p:style>
+          <a:lnRef idx="1">
+            <a:schemeClr val="accent1"/>
+          </a:lnRef>
+          <a:fillRef idx="0">
+            <a:schemeClr val="accent1"/>
+          </a:fillRef>
+          <a:effectRef idx="0">
+            <a:schemeClr val="accent1"/>
+          </a:effectRef>
+          <a:fontRef idx="minor">
+            <a:schemeClr val="tx1"/>
+          </a:fontRef>
+        </p:style>
+      </p:cxnSp>
+      <p:cxnSp>
+        <p:nvCxnSpPr>
+          <p:cNvPr id="6" name="직선 연결선 5">
+            <a:extLst>
+              <a:ext uri="{FF2B5EF4-FFF2-40B4-BE49-F238E27FC236}">
+                <a16:creationId xmlns:a16="http://schemas.microsoft.com/office/drawing/2014/main" id="{F1637CAD-1C07-455E-BE17-D393181386C8}"/>
+              </a:ext>
+            </a:extLst>
+          </p:cNvPr>
+          <p:cNvCxnSpPr>
+            <a:cxnSpLocks/>
+          </p:cNvCxnSpPr>
+          <p:nvPr/>
+        </p:nvCxnSpPr>
+        <p:spPr>
+          <a:xfrm>
+            <a:off x="348740" y="522463"/>
+            <a:ext cx="0" cy="5808578"/>
+          </a:xfrm>
+          <a:prstGeom prst="line">
+            <a:avLst/>
+          </a:prstGeom>
+          <a:ln w="34925">
+            <a:solidFill>
+              <a:schemeClr val="bg1"/>
+            </a:solidFill>
+            <a:prstDash val="sysDash"/>
+            <a:round/>
+          </a:ln>
+        </p:spPr>
+        <p:style>
+          <a:lnRef idx="1">
+            <a:schemeClr val="accent1"/>
+          </a:lnRef>
+          <a:fillRef idx="0">
+            <a:schemeClr val="accent1"/>
+          </a:fillRef>
+          <a:effectRef idx="0">
+            <a:schemeClr val="accent1"/>
+          </a:effectRef>
+          <a:fontRef idx="minor">
+            <a:schemeClr val="tx1"/>
+          </a:fontRef>
+        </p:style>
+      </p:cxnSp>
+      <p:cxnSp>
+        <p:nvCxnSpPr>
+          <p:cNvPr id="7" name="직선 연결선 6">
+            <a:extLst>
+              <a:ext uri="{FF2B5EF4-FFF2-40B4-BE49-F238E27FC236}">
+                <a16:creationId xmlns:a16="http://schemas.microsoft.com/office/drawing/2014/main" id="{FC18CBC1-2872-4E47-B8AB-29877E399BA0}"/>
+              </a:ext>
+            </a:extLst>
+          </p:cNvPr>
+          <p:cNvCxnSpPr>
+            <a:cxnSpLocks/>
+          </p:cNvCxnSpPr>
+          <p:nvPr/>
+        </p:nvCxnSpPr>
+        <p:spPr>
+          <a:xfrm>
+            <a:off x="11879086" y="562253"/>
+            <a:ext cx="0" cy="5768788"/>
+          </a:xfrm>
+          <a:prstGeom prst="line">
+            <a:avLst/>
+          </a:prstGeom>
+          <a:ln w="34925">
+            <a:solidFill>
+              <a:schemeClr val="bg1"/>
+            </a:solidFill>
+            <a:prstDash val="sysDash"/>
+          </a:ln>
+        </p:spPr>
+        <p:style>
+          <a:lnRef idx="1">
+            <a:schemeClr val="accent1"/>
+          </a:lnRef>
+          <a:fillRef idx="0">
+            <a:schemeClr val="accent1"/>
+          </a:fillRef>
+          <a:effectRef idx="0">
+            <a:schemeClr val="accent1"/>
+          </a:effectRef>
+          <a:fontRef idx="minor">
+            <a:schemeClr val="tx1"/>
+          </a:fontRef>
+        </p:style>
+      </p:cxnSp>
+      <p:sp>
+        <p:nvSpPr>
+          <p:cNvPr id="8" name="TextBox 7">
+            <a:extLst>
+              <a:ext uri="{FF2B5EF4-FFF2-40B4-BE49-F238E27FC236}">
+                <a16:creationId xmlns:a16="http://schemas.microsoft.com/office/drawing/2014/main" id="{7FF4DA88-5CA5-41D7-ABA3-241F2F3468E4}"/>
+              </a:ext>
+            </a:extLst>
+          </p:cNvPr>
+          <p:cNvSpPr txBox="1"/>
+          <p:nvPr/>
+        </p:nvSpPr>
+        <p:spPr>
+          <a:xfrm>
+            <a:off x="4682836" y="6388135"/>
+            <a:ext cx="6096000" cy="369332"/>
+          </a:xfrm>
+          <a:prstGeom prst="rect">
+            <a:avLst/>
+          </a:prstGeom>
+          <a:noFill/>
+        </p:spPr>
+        <p:txBody>
+          <a:bodyPr wrap="square">
+            <a:spAutoFit/>
+          </a:bodyPr>
+          <a:lstStyle/>
+          <a:p>
+            <a:r>
+              <a:rPr lang="en-US" altLang="ko-KR" dirty="0">
+                <a:solidFill>
+                  <a:schemeClr val="bg1"/>
+                </a:solidFill>
+                <a:latin typeface="휴먼편지체" panose="02030504000101010101" pitchFamily="18" charset="-127"/>
+                <a:ea typeface="휴먼편지체" panose="02030504000101010101" pitchFamily="18" charset="-127"/>
+              </a:rPr>
+              <a:t>Clean Code-</a:t>
+            </a:r>
+            <a:r>
+              <a:rPr lang="ko-KR" altLang="en-US" dirty="0">
+                <a:solidFill>
+                  <a:schemeClr val="bg1"/>
+                </a:solidFill>
+                <a:latin typeface="휴먼편지체" panose="02030504000101010101" pitchFamily="18" charset="-127"/>
+                <a:ea typeface="휴먼편지체" panose="02030504000101010101" pitchFamily="18" charset="-127"/>
+              </a:rPr>
+              <a:t>깔끔한 코드를 만들자</a:t>
+            </a:r>
+            <a:endParaRPr lang="en-US" altLang="ko-KR" dirty="0">
+              <a:solidFill>
+                <a:schemeClr val="bg1"/>
+              </a:solidFill>
+              <a:latin typeface="휴먼편지체" panose="02030504000101010101" pitchFamily="18" charset="-127"/>
+              <a:ea typeface="휴먼편지체" panose="02030504000101010101" pitchFamily="18" charset="-127"/>
+            </a:endParaRPr>
+          </a:p>
+        </p:txBody>
+      </p:sp>
+      <p:sp>
+        <p:nvSpPr>
+          <p:cNvPr id="14" name="제목 1">
+            <a:extLst>
+              <a:ext uri="{FF2B5EF4-FFF2-40B4-BE49-F238E27FC236}">
+                <a16:creationId xmlns:a16="http://schemas.microsoft.com/office/drawing/2014/main" id="{310B7686-3CCF-4629-BC34-4D325C22A39C}"/>
+              </a:ext>
+            </a:extLst>
+          </p:cNvPr>
+          <p:cNvSpPr txBox="1">
+            <a:spLocks/>
+          </p:cNvSpPr>
+          <p:nvPr/>
+        </p:nvSpPr>
+        <p:spPr>
+          <a:xfrm>
+            <a:off x="1212278" y="877751"/>
+            <a:ext cx="10515600" cy="1325563"/>
+          </a:xfrm>
+          <a:prstGeom prst="rect">
+            <a:avLst/>
+          </a:prstGeom>
+        </p:spPr>
+        <p:txBody>
+          <a:bodyPr vert="horz" lIns="91440" tIns="45720" rIns="91440" bIns="45720" rtlCol="0" anchor="ctr">
+            <a:normAutofit/>
+          </a:bodyPr>
+          <a:lstStyle>
+            <a:lvl1pPr algn="l" defTabSz="914400" rtl="0" eaLnBrk="1" latinLnBrk="1" hangingPunct="1">
+              <a:lnSpc>
+                <a:spcPct val="90000"/>
+              </a:lnSpc>
+              <a:spcBef>
+                <a:spcPct val="0"/>
+              </a:spcBef>
+              <a:buNone/>
+              <a:defRPr sz="4400" kern="1200">
+                <a:solidFill>
+                  <a:schemeClr val="tx1"/>
+                </a:solidFill>
+                <a:latin typeface="+mj-lt"/>
+                <a:ea typeface="+mj-ea"/>
+                <a:cs typeface="+mj-cs"/>
+              </a:defRPr>
+            </a:lvl1pPr>
+          </a:lstStyle>
+          <a:p>
+            <a:r>
+              <a:rPr lang="ko-KR" altLang="en-US" sz="2800" dirty="0">
+                <a:solidFill>
+                  <a:schemeClr val="bg1"/>
+                </a:solidFill>
+                <a:latin typeface="휴먼편지체" panose="02030504000101010101" pitchFamily="18" charset="-127"/>
+                <a:ea typeface="휴먼편지체" panose="02030504000101010101" pitchFamily="18" charset="-127"/>
+              </a:rPr>
+              <a:t>댓글</a:t>
+            </a:r>
+          </a:p>
+        </p:txBody>
+      </p:sp>
+      <p:pic>
+        <p:nvPicPr>
+          <p:cNvPr id="9" name="그림 8">
+            <a:extLst>
+              <a:ext uri="{FF2B5EF4-FFF2-40B4-BE49-F238E27FC236}">
+                <a16:creationId xmlns:a16="http://schemas.microsoft.com/office/drawing/2014/main" id="{D44B6943-C7E7-43B6-AE9D-78C6E9530520}"/>
+              </a:ext>
+            </a:extLst>
+          </p:cNvPr>
+          <p:cNvPicPr>
+            <a:picLocks noChangeAspect="1"/>
+          </p:cNvPicPr>
+          <p:nvPr/>
+        </p:nvPicPr>
+        <p:blipFill>
+          <a:blip r:embed="rId2"/>
+          <a:stretch>
+            <a:fillRect/>
+          </a:stretch>
+        </p:blipFill>
+        <p:spPr>
+          <a:xfrm>
+            <a:off x="780407" y="1720102"/>
+            <a:ext cx="6543675" cy="4533900"/>
+          </a:xfrm>
+          <a:prstGeom prst="rect">
+            <a:avLst/>
+          </a:prstGeom>
+        </p:spPr>
+      </p:pic>
+    </p:spTree>
+    <p:extLst>
+      <p:ext uri="{BB962C8B-B14F-4D97-AF65-F5344CB8AC3E}">
+        <p14:creationId xmlns:p14="http://schemas.microsoft.com/office/powerpoint/2010/main" val="3265828624"/>
+      </p:ext>
+    </p:extLst>
+  </p:cSld>
+  <p:clrMapOvr>
+    <a:masterClrMapping/>
+  </p:clrMapOvr>
+</p:sld>
+</file>
+
+<file path=ppt/slides/slide23.xml><?xml version="1.0" encoding="utf-8"?>
+<p:sld xmlns:a="http://schemas.openxmlformats.org/drawingml/2006/main" xmlns:r="http://schemas.openxmlformats.org/officeDocument/2006/relationships" xmlns:p="http://schemas.openxmlformats.org/presentationml/2006/main">
+  <p:cSld>
+    <p:spTree>
+      <p:nvGrpSpPr>
+        <p:cNvPr id="1" name=""/>
+        <p:cNvGrpSpPr/>
+        <p:nvPr/>
+      </p:nvGrpSpPr>
+      <p:grpSpPr>
+        <a:xfrm>
+          <a:off x="0" y="0"/>
+          <a:ext cx="0" cy="0"/>
+          <a:chOff x="0" y="0"/>
+          <a:chExt cx="0" cy="0"/>
+        </a:xfrm>
+      </p:grpSpPr>
+      <p:sp>
+        <p:nvSpPr>
+          <p:cNvPr id="12" name="내용 개체 틀 11">
+            <a:extLst>
+              <a:ext uri="{FF2B5EF4-FFF2-40B4-BE49-F238E27FC236}">
+                <a16:creationId xmlns:a16="http://schemas.microsoft.com/office/drawing/2014/main" id="{8F41AD01-EF1E-47A3-AFE2-35D702F57590}"/>
+              </a:ext>
+            </a:extLst>
+          </p:cNvPr>
+          <p:cNvSpPr>
+            <a:spLocks noGrp="1"/>
+          </p:cNvSpPr>
+          <p:nvPr>
+            <p:ph sz="half" idx="1"/>
+          </p:nvPr>
+        </p:nvSpPr>
+        <p:spPr>
+          <a:xfrm>
+            <a:off x="1212278" y="2701925"/>
+            <a:ext cx="3470557" cy="1784350"/>
+          </a:xfrm>
+        </p:spPr>
+        <p:txBody>
+          <a:bodyPr/>
+          <a:lstStyle/>
+          <a:p>
+            <a:endParaRPr lang="ko-KR" altLang="en-US" dirty="0">
+              <a:solidFill>
+                <a:schemeClr val="bg1"/>
+              </a:solidFill>
+              <a:latin typeface="휴먼편지체" panose="02030504000101010101" pitchFamily="18" charset="-127"/>
+              <a:ea typeface="휴먼편지체" panose="02030504000101010101" pitchFamily="18" charset="-127"/>
+            </a:endParaRPr>
+          </a:p>
+        </p:txBody>
+      </p:sp>
+      <p:sp>
+        <p:nvSpPr>
+          <p:cNvPr id="2" name="제목 1">
+            <a:extLst>
+              <a:ext uri="{FF2B5EF4-FFF2-40B4-BE49-F238E27FC236}">
+                <a16:creationId xmlns:a16="http://schemas.microsoft.com/office/drawing/2014/main" id="{5581770F-AFB3-4972-A730-0BC77333F67B}"/>
+              </a:ext>
+            </a:extLst>
+          </p:cNvPr>
+          <p:cNvSpPr>
+            <a:spLocks noGrp="1"/>
+          </p:cNvSpPr>
+          <p:nvPr>
+            <p:ph type="title"/>
+          </p:nvPr>
+        </p:nvSpPr>
+        <p:spPr/>
+        <p:txBody>
+          <a:bodyPr/>
+          <a:lstStyle/>
+          <a:p>
+            <a:r>
+              <a:rPr lang="ko-KR" altLang="en-US" dirty="0">
+                <a:solidFill>
+                  <a:schemeClr val="bg1"/>
+                </a:solidFill>
+                <a:latin typeface="휴먼편지체" panose="02030504000101010101" pitchFamily="18" charset="-127"/>
+                <a:ea typeface="휴먼편지체" panose="02030504000101010101" pitchFamily="18" charset="-127"/>
+              </a:rPr>
+              <a:t>프로젝트 수행경과</a:t>
+            </a:r>
+          </a:p>
+        </p:txBody>
+      </p:sp>
+      <p:cxnSp>
+        <p:nvCxnSpPr>
+          <p:cNvPr id="4" name="직선 연결선 3">
+            <a:extLst>
+              <a:ext uri="{FF2B5EF4-FFF2-40B4-BE49-F238E27FC236}">
+                <a16:creationId xmlns:a16="http://schemas.microsoft.com/office/drawing/2014/main" id="{49E58DE2-44AE-436B-B9DE-C7AA68529BA0}"/>
+              </a:ext>
+            </a:extLst>
+          </p:cNvPr>
+          <p:cNvCxnSpPr>
+            <a:cxnSpLocks/>
+          </p:cNvCxnSpPr>
+          <p:nvPr/>
+        </p:nvCxnSpPr>
+        <p:spPr>
+          <a:xfrm flipV="1">
+            <a:off x="348740" y="522463"/>
+            <a:ext cx="11530346" cy="4496"/>
+          </a:xfrm>
+          <a:prstGeom prst="line">
+            <a:avLst/>
+          </a:prstGeom>
+          <a:ln w="34925">
+            <a:solidFill>
+              <a:schemeClr val="bg1"/>
+            </a:solidFill>
+            <a:prstDash val="sysDash"/>
+          </a:ln>
+        </p:spPr>
+        <p:style>
+          <a:lnRef idx="1">
+            <a:schemeClr val="accent1"/>
+          </a:lnRef>
+          <a:fillRef idx="0">
+            <a:schemeClr val="accent1"/>
+          </a:fillRef>
+          <a:effectRef idx="0">
+            <a:schemeClr val="accent1"/>
+          </a:effectRef>
+          <a:fontRef idx="minor">
+            <a:schemeClr val="tx1"/>
+          </a:fontRef>
+        </p:style>
+      </p:cxnSp>
+      <p:cxnSp>
+        <p:nvCxnSpPr>
+          <p:cNvPr id="5" name="직선 연결선 4">
+            <a:extLst>
+              <a:ext uri="{FF2B5EF4-FFF2-40B4-BE49-F238E27FC236}">
+                <a16:creationId xmlns:a16="http://schemas.microsoft.com/office/drawing/2014/main" id="{4737A997-580A-4C54-944A-A1C889710B85}"/>
+              </a:ext>
+            </a:extLst>
+          </p:cNvPr>
+          <p:cNvCxnSpPr>
+            <a:cxnSpLocks/>
+          </p:cNvCxnSpPr>
+          <p:nvPr/>
+        </p:nvCxnSpPr>
+        <p:spPr>
+          <a:xfrm>
+            <a:off x="348740" y="6331041"/>
+            <a:ext cx="11588140" cy="0"/>
+          </a:xfrm>
+          <a:prstGeom prst="line">
+            <a:avLst/>
+          </a:prstGeom>
+          <a:ln w="34925">
+            <a:solidFill>
+              <a:schemeClr val="bg1"/>
+            </a:solidFill>
+            <a:prstDash val="sysDash"/>
+          </a:ln>
+        </p:spPr>
+        <p:style>
+          <a:lnRef idx="1">
+            <a:schemeClr val="accent1"/>
+          </a:lnRef>
+          <a:fillRef idx="0">
+            <a:schemeClr val="accent1"/>
+          </a:fillRef>
+          <a:effectRef idx="0">
+            <a:schemeClr val="accent1"/>
+          </a:effectRef>
+          <a:fontRef idx="minor">
+            <a:schemeClr val="tx1"/>
+          </a:fontRef>
+        </p:style>
+      </p:cxnSp>
+      <p:cxnSp>
+        <p:nvCxnSpPr>
+          <p:cNvPr id="6" name="직선 연결선 5">
+            <a:extLst>
+              <a:ext uri="{FF2B5EF4-FFF2-40B4-BE49-F238E27FC236}">
+                <a16:creationId xmlns:a16="http://schemas.microsoft.com/office/drawing/2014/main" id="{F1637CAD-1C07-455E-BE17-D393181386C8}"/>
+              </a:ext>
+            </a:extLst>
+          </p:cNvPr>
+          <p:cNvCxnSpPr>
+            <a:cxnSpLocks/>
+          </p:cNvCxnSpPr>
+          <p:nvPr/>
+        </p:nvCxnSpPr>
+        <p:spPr>
+          <a:xfrm>
+            <a:off x="348740" y="522463"/>
+            <a:ext cx="0" cy="5808578"/>
+          </a:xfrm>
+          <a:prstGeom prst="line">
+            <a:avLst/>
+          </a:prstGeom>
+          <a:ln w="34925">
+            <a:solidFill>
+              <a:schemeClr val="bg1"/>
+            </a:solidFill>
+            <a:prstDash val="sysDash"/>
+            <a:round/>
+          </a:ln>
+        </p:spPr>
+        <p:style>
+          <a:lnRef idx="1">
+            <a:schemeClr val="accent1"/>
+          </a:lnRef>
+          <a:fillRef idx="0">
+            <a:schemeClr val="accent1"/>
+          </a:fillRef>
+          <a:effectRef idx="0">
+            <a:schemeClr val="accent1"/>
+          </a:effectRef>
+          <a:fontRef idx="minor">
+            <a:schemeClr val="tx1"/>
+          </a:fontRef>
+        </p:style>
+      </p:cxnSp>
+      <p:cxnSp>
+        <p:nvCxnSpPr>
+          <p:cNvPr id="7" name="직선 연결선 6">
+            <a:extLst>
+              <a:ext uri="{FF2B5EF4-FFF2-40B4-BE49-F238E27FC236}">
+                <a16:creationId xmlns:a16="http://schemas.microsoft.com/office/drawing/2014/main" id="{FC18CBC1-2872-4E47-B8AB-29877E399BA0}"/>
+              </a:ext>
+            </a:extLst>
+          </p:cNvPr>
+          <p:cNvCxnSpPr>
+            <a:cxnSpLocks/>
+          </p:cNvCxnSpPr>
+          <p:nvPr/>
+        </p:nvCxnSpPr>
+        <p:spPr>
+          <a:xfrm>
+            <a:off x="11879086" y="562253"/>
+            <a:ext cx="0" cy="5768788"/>
+          </a:xfrm>
+          <a:prstGeom prst="line">
+            <a:avLst/>
+          </a:prstGeom>
+          <a:ln w="34925">
+            <a:solidFill>
+              <a:schemeClr val="bg1"/>
+            </a:solidFill>
+            <a:prstDash val="sysDash"/>
+          </a:ln>
+        </p:spPr>
+        <p:style>
+          <a:lnRef idx="1">
+            <a:schemeClr val="accent1"/>
+          </a:lnRef>
+          <a:fillRef idx="0">
+            <a:schemeClr val="accent1"/>
+          </a:fillRef>
+          <a:effectRef idx="0">
+            <a:schemeClr val="accent1"/>
+          </a:effectRef>
+          <a:fontRef idx="minor">
+            <a:schemeClr val="tx1"/>
+          </a:fontRef>
+        </p:style>
+      </p:cxnSp>
+      <p:sp>
+        <p:nvSpPr>
+          <p:cNvPr id="8" name="TextBox 7">
+            <a:extLst>
+              <a:ext uri="{FF2B5EF4-FFF2-40B4-BE49-F238E27FC236}">
+                <a16:creationId xmlns:a16="http://schemas.microsoft.com/office/drawing/2014/main" id="{7FF4DA88-5CA5-41D7-ABA3-241F2F3468E4}"/>
+              </a:ext>
+            </a:extLst>
+          </p:cNvPr>
+          <p:cNvSpPr txBox="1"/>
+          <p:nvPr/>
+        </p:nvSpPr>
+        <p:spPr>
+          <a:xfrm>
+            <a:off x="4682836" y="6388135"/>
+            <a:ext cx="6096000" cy="369332"/>
+          </a:xfrm>
+          <a:prstGeom prst="rect">
+            <a:avLst/>
+          </a:prstGeom>
+          <a:noFill/>
+        </p:spPr>
+        <p:txBody>
+          <a:bodyPr wrap="square">
+            <a:spAutoFit/>
+          </a:bodyPr>
+          <a:lstStyle/>
+          <a:p>
+            <a:r>
+              <a:rPr lang="en-US" altLang="ko-KR" dirty="0">
+                <a:solidFill>
+                  <a:schemeClr val="bg1"/>
+                </a:solidFill>
+                <a:latin typeface="휴먼편지체" panose="02030504000101010101" pitchFamily="18" charset="-127"/>
+                <a:ea typeface="휴먼편지체" panose="02030504000101010101" pitchFamily="18" charset="-127"/>
+              </a:rPr>
+              <a:t>Clean Code-</a:t>
+            </a:r>
+            <a:r>
+              <a:rPr lang="ko-KR" altLang="en-US" dirty="0">
+                <a:solidFill>
+                  <a:schemeClr val="bg1"/>
+                </a:solidFill>
+                <a:latin typeface="휴먼편지체" panose="02030504000101010101" pitchFamily="18" charset="-127"/>
+                <a:ea typeface="휴먼편지체" panose="02030504000101010101" pitchFamily="18" charset="-127"/>
+              </a:rPr>
+              <a:t>깔끔한 코드를 만들자</a:t>
+            </a:r>
+            <a:endParaRPr lang="en-US" altLang="ko-KR" dirty="0">
+              <a:solidFill>
+                <a:schemeClr val="bg1"/>
+              </a:solidFill>
+              <a:latin typeface="휴먼편지체" panose="02030504000101010101" pitchFamily="18" charset="-127"/>
+              <a:ea typeface="휴먼편지체" panose="02030504000101010101" pitchFamily="18" charset="-127"/>
+            </a:endParaRPr>
+          </a:p>
+        </p:txBody>
+      </p:sp>
+      <p:sp>
+        <p:nvSpPr>
+          <p:cNvPr id="14" name="제목 1">
+            <a:extLst>
+              <a:ext uri="{FF2B5EF4-FFF2-40B4-BE49-F238E27FC236}">
+                <a16:creationId xmlns:a16="http://schemas.microsoft.com/office/drawing/2014/main" id="{310B7686-3CCF-4629-BC34-4D325C22A39C}"/>
+              </a:ext>
+            </a:extLst>
+          </p:cNvPr>
+          <p:cNvSpPr txBox="1">
+            <a:spLocks/>
+          </p:cNvSpPr>
+          <p:nvPr/>
+        </p:nvSpPr>
+        <p:spPr>
+          <a:xfrm>
+            <a:off x="1212278" y="877751"/>
+            <a:ext cx="10515600" cy="1325563"/>
+          </a:xfrm>
+          <a:prstGeom prst="rect">
+            <a:avLst/>
+          </a:prstGeom>
+        </p:spPr>
+        <p:txBody>
+          <a:bodyPr vert="horz" lIns="91440" tIns="45720" rIns="91440" bIns="45720" rtlCol="0" anchor="ctr">
+            <a:normAutofit/>
+          </a:bodyPr>
+          <a:lstStyle>
+            <a:lvl1pPr algn="l" defTabSz="914400" rtl="0" eaLnBrk="1" latinLnBrk="1" hangingPunct="1">
+              <a:lnSpc>
+                <a:spcPct val="90000"/>
+              </a:lnSpc>
+              <a:spcBef>
+                <a:spcPct val="0"/>
+              </a:spcBef>
+              <a:buNone/>
+              <a:defRPr sz="4400" kern="1200">
+                <a:solidFill>
+                  <a:schemeClr val="tx1"/>
+                </a:solidFill>
+                <a:latin typeface="+mj-lt"/>
+                <a:ea typeface="+mj-ea"/>
+                <a:cs typeface="+mj-cs"/>
+              </a:defRPr>
+            </a:lvl1pPr>
+          </a:lstStyle>
+          <a:p>
+            <a:r>
+              <a:rPr lang="ko-KR" altLang="en-US" sz="2800" dirty="0">
+                <a:solidFill>
+                  <a:schemeClr val="bg1"/>
+                </a:solidFill>
+                <a:latin typeface="휴먼편지체" panose="02030504000101010101" pitchFamily="18" charset="-127"/>
+                <a:ea typeface="휴먼편지체" panose="02030504000101010101" pitchFamily="18" charset="-127"/>
+              </a:rPr>
+              <a:t>사업자 마이페이지</a:t>
+            </a:r>
+          </a:p>
+        </p:txBody>
+      </p:sp>
+      <p:pic>
+        <p:nvPicPr>
+          <p:cNvPr id="9" name="그림 8">
+            <a:extLst>
+              <a:ext uri="{FF2B5EF4-FFF2-40B4-BE49-F238E27FC236}">
+                <a16:creationId xmlns:a16="http://schemas.microsoft.com/office/drawing/2014/main" id="{44AA8B5D-0F5A-9DEC-9F5B-D3BC55594EA8}"/>
+              </a:ext>
+            </a:extLst>
+          </p:cNvPr>
+          <p:cNvPicPr>
+            <a:picLocks noChangeAspect="1"/>
+          </p:cNvPicPr>
+          <p:nvPr/>
+        </p:nvPicPr>
+        <p:blipFill>
+          <a:blip r:embed="rId2"/>
+          <a:stretch>
+            <a:fillRect/>
+          </a:stretch>
+        </p:blipFill>
+        <p:spPr>
+          <a:xfrm>
+            <a:off x="838200" y="1763786"/>
+            <a:ext cx="3960016" cy="4382357"/>
+          </a:xfrm>
+          <a:prstGeom prst="rect">
+            <a:avLst/>
+          </a:prstGeom>
+        </p:spPr>
+      </p:pic>
+      <p:sp>
+        <p:nvSpPr>
+          <p:cNvPr id="18" name="사각형: 둥근 모서리 17">
+            <a:extLst>
+              <a:ext uri="{FF2B5EF4-FFF2-40B4-BE49-F238E27FC236}">
+                <a16:creationId xmlns:a16="http://schemas.microsoft.com/office/drawing/2014/main" id="{5638EF3B-38B5-DE07-0BE1-DD2B1A41DED9}"/>
+              </a:ext>
+            </a:extLst>
+          </p:cNvPr>
+          <p:cNvSpPr/>
+          <p:nvPr/>
+        </p:nvSpPr>
+        <p:spPr>
+          <a:xfrm>
+            <a:off x="2818208" y="2517027"/>
+            <a:ext cx="1670908" cy="842481"/>
+          </a:xfrm>
+          <a:prstGeom prst="roundRect">
+            <a:avLst/>
+          </a:prstGeom>
+          <a:noFill/>
+          <a:ln w="57150">
+            <a:solidFill>
+              <a:schemeClr val="accent2"/>
+            </a:solidFill>
+          </a:ln>
+        </p:spPr>
+        <p:style>
+          <a:lnRef idx="2">
+            <a:schemeClr val="accent6"/>
+          </a:lnRef>
+          <a:fillRef idx="1">
+            <a:schemeClr val="lt1"/>
+          </a:fillRef>
+          <a:effectRef idx="0">
+            <a:schemeClr val="accent6"/>
+          </a:effectRef>
+          <a:fontRef idx="minor">
+            <a:schemeClr val="dk1"/>
+          </a:fontRef>
+        </p:style>
+        <p:txBody>
+          <a:bodyPr rtlCol="0" anchor="ctr"/>
+          <a:lstStyle/>
+          <a:p>
+            <a:pPr algn="ctr"/>
+            <a:endParaRPr lang="ko-KR" altLang="en-US"/>
+          </a:p>
+        </p:txBody>
+      </p:sp>
+      <p:pic>
+        <p:nvPicPr>
+          <p:cNvPr id="10" name="그림 9">
+            <a:extLst>
+              <a:ext uri="{FF2B5EF4-FFF2-40B4-BE49-F238E27FC236}">
+                <a16:creationId xmlns:a16="http://schemas.microsoft.com/office/drawing/2014/main" id="{E89DE25A-FE5F-FB4A-9824-7CFE9AC0E947}"/>
+              </a:ext>
+            </a:extLst>
+          </p:cNvPr>
+          <p:cNvPicPr>
+            <a:picLocks noChangeAspect="1"/>
+          </p:cNvPicPr>
+          <p:nvPr/>
+        </p:nvPicPr>
+        <p:blipFill>
+          <a:blip r:embed="rId3"/>
+          <a:stretch>
+            <a:fillRect/>
+          </a:stretch>
+        </p:blipFill>
+        <p:spPr>
+          <a:xfrm>
+            <a:off x="6662843" y="1064065"/>
+            <a:ext cx="4353761" cy="4916184"/>
+          </a:xfrm>
+          <a:prstGeom prst="rect">
+            <a:avLst/>
+          </a:prstGeom>
+        </p:spPr>
+      </p:pic>
+      <p:sp>
+        <p:nvSpPr>
+          <p:cNvPr id="11" name="사각형: 둥근 모서리 10">
+            <a:extLst>
+              <a:ext uri="{FF2B5EF4-FFF2-40B4-BE49-F238E27FC236}">
+                <a16:creationId xmlns:a16="http://schemas.microsoft.com/office/drawing/2014/main" id="{6907F009-9FBD-1026-5ED8-91621E64FA3F}"/>
+              </a:ext>
+            </a:extLst>
+          </p:cNvPr>
+          <p:cNvSpPr/>
+          <p:nvPr/>
+        </p:nvSpPr>
+        <p:spPr>
+          <a:xfrm>
+            <a:off x="2948683" y="2974581"/>
+            <a:ext cx="455576" cy="251506"/>
+          </a:xfrm>
+          <a:prstGeom prst="roundRect">
+            <a:avLst/>
+          </a:prstGeom>
+          <a:noFill/>
+          <a:ln w="28575">
+            <a:solidFill>
+              <a:schemeClr val="accent2"/>
+            </a:solidFill>
+          </a:ln>
+        </p:spPr>
+        <p:style>
+          <a:lnRef idx="2">
+            <a:schemeClr val="accent6"/>
+          </a:lnRef>
+          <a:fillRef idx="1">
+            <a:schemeClr val="lt1"/>
+          </a:fillRef>
+          <a:effectRef idx="0">
+            <a:schemeClr val="accent6"/>
+          </a:effectRef>
+          <a:fontRef idx="minor">
+            <a:schemeClr val="dk1"/>
+          </a:fontRef>
+        </p:style>
+        <p:txBody>
+          <a:bodyPr rtlCol="0" anchor="ctr"/>
+          <a:lstStyle/>
+          <a:p>
+            <a:pPr algn="ctr"/>
+            <a:endParaRPr lang="ko-KR" altLang="en-US"/>
+          </a:p>
+        </p:txBody>
+      </p:sp>
+    </p:spTree>
+    <p:extLst>
+      <p:ext uri="{BB962C8B-B14F-4D97-AF65-F5344CB8AC3E}">
+        <p14:creationId xmlns:p14="http://schemas.microsoft.com/office/powerpoint/2010/main" val="2865525112"/>
+      </p:ext>
+    </p:extLst>
+  </p:cSld>
+  <p:clrMapOvr>
+    <a:masterClrMapping/>
+  </p:clrMapOvr>
+</p:sld>
+</file>
+
+<file path=ppt/slides/slide24.xml><?xml version="1.0" encoding="utf-8"?>
+<p:sld xmlns:a="http://schemas.openxmlformats.org/drawingml/2006/main" xmlns:r="http://schemas.openxmlformats.org/officeDocument/2006/relationships" xmlns:p="http://schemas.openxmlformats.org/presentationml/2006/main">
+  <p:cSld>
+    <p:spTree>
+      <p:nvGrpSpPr>
+        <p:cNvPr id="1" name=""/>
+        <p:cNvGrpSpPr/>
+        <p:nvPr/>
+      </p:nvGrpSpPr>
+      <p:grpSpPr>
+        <a:xfrm>
+          <a:off x="0" y="0"/>
+          <a:ext cx="0" cy="0"/>
+          <a:chOff x="0" y="0"/>
+          <a:chExt cx="0" cy="0"/>
+        </a:xfrm>
+      </p:grpSpPr>
+      <p:sp>
+        <p:nvSpPr>
+          <p:cNvPr id="12" name="내용 개체 틀 11">
+            <a:extLst>
+              <a:ext uri="{FF2B5EF4-FFF2-40B4-BE49-F238E27FC236}">
+                <a16:creationId xmlns:a16="http://schemas.microsoft.com/office/drawing/2014/main" id="{8F41AD01-EF1E-47A3-AFE2-35D702F57590}"/>
+              </a:ext>
+            </a:extLst>
+          </p:cNvPr>
+          <p:cNvSpPr>
+            <a:spLocks noGrp="1"/>
+          </p:cNvSpPr>
+          <p:nvPr>
+            <p:ph sz="half" idx="1"/>
+          </p:nvPr>
+        </p:nvSpPr>
+        <p:spPr>
+          <a:xfrm>
+            <a:off x="1212278" y="2701925"/>
+            <a:ext cx="3470557" cy="1784350"/>
+          </a:xfrm>
+        </p:spPr>
+        <p:txBody>
+          <a:bodyPr/>
+          <a:lstStyle/>
+          <a:p>
+            <a:endParaRPr lang="ko-KR" altLang="en-US" dirty="0">
+              <a:solidFill>
+                <a:schemeClr val="bg1"/>
+              </a:solidFill>
+              <a:latin typeface="휴먼편지체" panose="02030504000101010101" pitchFamily="18" charset="-127"/>
+              <a:ea typeface="휴먼편지체" panose="02030504000101010101" pitchFamily="18" charset="-127"/>
+            </a:endParaRPr>
+          </a:p>
+        </p:txBody>
+      </p:sp>
+      <p:sp>
+        <p:nvSpPr>
+          <p:cNvPr id="2" name="제목 1">
+            <a:extLst>
+              <a:ext uri="{FF2B5EF4-FFF2-40B4-BE49-F238E27FC236}">
+                <a16:creationId xmlns:a16="http://schemas.microsoft.com/office/drawing/2014/main" id="{5581770F-AFB3-4972-A730-0BC77333F67B}"/>
+              </a:ext>
+            </a:extLst>
+          </p:cNvPr>
+          <p:cNvSpPr>
+            <a:spLocks noGrp="1"/>
+          </p:cNvSpPr>
+          <p:nvPr>
+            <p:ph type="title"/>
+          </p:nvPr>
+        </p:nvSpPr>
+        <p:spPr/>
+        <p:txBody>
+          <a:bodyPr/>
+          <a:lstStyle/>
+          <a:p>
+            <a:r>
+              <a:rPr lang="ko-KR" altLang="en-US" dirty="0">
+                <a:solidFill>
+                  <a:schemeClr val="bg1"/>
+                </a:solidFill>
+                <a:latin typeface="휴먼편지체" panose="02030504000101010101" pitchFamily="18" charset="-127"/>
+                <a:ea typeface="휴먼편지체" panose="02030504000101010101" pitchFamily="18" charset="-127"/>
+              </a:rPr>
+              <a:t>프로젝트 수행경과</a:t>
+            </a:r>
+          </a:p>
+        </p:txBody>
+      </p:sp>
+      <p:cxnSp>
+        <p:nvCxnSpPr>
+          <p:cNvPr id="4" name="직선 연결선 3">
+            <a:extLst>
+              <a:ext uri="{FF2B5EF4-FFF2-40B4-BE49-F238E27FC236}">
+                <a16:creationId xmlns:a16="http://schemas.microsoft.com/office/drawing/2014/main" id="{49E58DE2-44AE-436B-B9DE-C7AA68529BA0}"/>
+              </a:ext>
+            </a:extLst>
+          </p:cNvPr>
+          <p:cNvCxnSpPr>
+            <a:cxnSpLocks/>
+          </p:cNvCxnSpPr>
+          <p:nvPr/>
+        </p:nvCxnSpPr>
+        <p:spPr>
+          <a:xfrm flipV="1">
+            <a:off x="348740" y="522463"/>
+            <a:ext cx="11530346" cy="4496"/>
+          </a:xfrm>
+          <a:prstGeom prst="line">
+            <a:avLst/>
+          </a:prstGeom>
+          <a:ln w="34925">
+            <a:solidFill>
+              <a:schemeClr val="bg1"/>
+            </a:solidFill>
+            <a:prstDash val="sysDash"/>
+          </a:ln>
+        </p:spPr>
+        <p:style>
+          <a:lnRef idx="1">
+            <a:schemeClr val="accent1"/>
+          </a:lnRef>
+          <a:fillRef idx="0">
+            <a:schemeClr val="accent1"/>
+          </a:fillRef>
+          <a:effectRef idx="0">
+            <a:schemeClr val="accent1"/>
+          </a:effectRef>
+          <a:fontRef idx="minor">
+            <a:schemeClr val="tx1"/>
+          </a:fontRef>
+        </p:style>
+      </p:cxnSp>
+      <p:cxnSp>
+        <p:nvCxnSpPr>
+          <p:cNvPr id="5" name="직선 연결선 4">
+            <a:extLst>
+              <a:ext uri="{FF2B5EF4-FFF2-40B4-BE49-F238E27FC236}">
+                <a16:creationId xmlns:a16="http://schemas.microsoft.com/office/drawing/2014/main" id="{4737A997-580A-4C54-944A-A1C889710B85}"/>
+              </a:ext>
+            </a:extLst>
+          </p:cNvPr>
+          <p:cNvCxnSpPr>
+            <a:cxnSpLocks/>
+          </p:cNvCxnSpPr>
+          <p:nvPr/>
+        </p:nvCxnSpPr>
+        <p:spPr>
+          <a:xfrm>
+            <a:off x="348740" y="6331041"/>
+            <a:ext cx="11588140" cy="0"/>
+          </a:xfrm>
+          <a:prstGeom prst="line">
+            <a:avLst/>
+          </a:prstGeom>
+          <a:ln w="34925">
+            <a:solidFill>
+              <a:schemeClr val="bg1"/>
+            </a:solidFill>
+            <a:prstDash val="sysDash"/>
+          </a:ln>
+        </p:spPr>
+        <p:style>
+          <a:lnRef idx="1">
+            <a:schemeClr val="accent1"/>
+          </a:lnRef>
+          <a:fillRef idx="0">
+            <a:schemeClr val="accent1"/>
+          </a:fillRef>
+          <a:effectRef idx="0">
+            <a:schemeClr val="accent1"/>
+          </a:effectRef>
+          <a:fontRef idx="minor">
+            <a:schemeClr val="tx1"/>
+          </a:fontRef>
+        </p:style>
+      </p:cxnSp>
+      <p:cxnSp>
+        <p:nvCxnSpPr>
+          <p:cNvPr id="6" name="직선 연결선 5">
+            <a:extLst>
+              <a:ext uri="{FF2B5EF4-FFF2-40B4-BE49-F238E27FC236}">
+                <a16:creationId xmlns:a16="http://schemas.microsoft.com/office/drawing/2014/main" id="{F1637CAD-1C07-455E-BE17-D393181386C8}"/>
+              </a:ext>
+            </a:extLst>
+          </p:cNvPr>
+          <p:cNvCxnSpPr>
+            <a:cxnSpLocks/>
+          </p:cNvCxnSpPr>
+          <p:nvPr/>
+        </p:nvCxnSpPr>
+        <p:spPr>
+          <a:xfrm>
+            <a:off x="348740" y="522463"/>
+            <a:ext cx="0" cy="5808578"/>
+          </a:xfrm>
+          <a:prstGeom prst="line">
+            <a:avLst/>
+          </a:prstGeom>
+          <a:ln w="34925">
+            <a:solidFill>
+              <a:schemeClr val="bg1"/>
+            </a:solidFill>
+            <a:prstDash val="sysDash"/>
+            <a:round/>
+          </a:ln>
+        </p:spPr>
+        <p:style>
+          <a:lnRef idx="1">
+            <a:schemeClr val="accent1"/>
+          </a:lnRef>
+          <a:fillRef idx="0">
+            <a:schemeClr val="accent1"/>
+          </a:fillRef>
+          <a:effectRef idx="0">
+            <a:schemeClr val="accent1"/>
+          </a:effectRef>
+          <a:fontRef idx="minor">
+            <a:schemeClr val="tx1"/>
+          </a:fontRef>
+        </p:style>
+      </p:cxnSp>
+      <p:cxnSp>
+        <p:nvCxnSpPr>
+          <p:cNvPr id="7" name="직선 연결선 6">
+            <a:extLst>
+              <a:ext uri="{FF2B5EF4-FFF2-40B4-BE49-F238E27FC236}">
+                <a16:creationId xmlns:a16="http://schemas.microsoft.com/office/drawing/2014/main" id="{FC18CBC1-2872-4E47-B8AB-29877E399BA0}"/>
+              </a:ext>
+            </a:extLst>
+          </p:cNvPr>
+          <p:cNvCxnSpPr>
+            <a:cxnSpLocks/>
+          </p:cNvCxnSpPr>
+          <p:nvPr/>
+        </p:nvCxnSpPr>
+        <p:spPr>
+          <a:xfrm>
+            <a:off x="11879086" y="562253"/>
+            <a:ext cx="0" cy="5768788"/>
+          </a:xfrm>
+          <a:prstGeom prst="line">
+            <a:avLst/>
+          </a:prstGeom>
+          <a:ln w="34925">
+            <a:solidFill>
+              <a:schemeClr val="bg1"/>
+            </a:solidFill>
+            <a:prstDash val="sysDash"/>
+          </a:ln>
+        </p:spPr>
+        <p:style>
+          <a:lnRef idx="1">
+            <a:schemeClr val="accent1"/>
+          </a:lnRef>
+          <a:fillRef idx="0">
+            <a:schemeClr val="accent1"/>
+          </a:fillRef>
+          <a:effectRef idx="0">
+            <a:schemeClr val="accent1"/>
+          </a:effectRef>
+          <a:fontRef idx="minor">
+            <a:schemeClr val="tx1"/>
+          </a:fontRef>
+        </p:style>
+      </p:cxnSp>
+      <p:sp>
+        <p:nvSpPr>
+          <p:cNvPr id="8" name="TextBox 7">
+            <a:extLst>
+              <a:ext uri="{FF2B5EF4-FFF2-40B4-BE49-F238E27FC236}">
+                <a16:creationId xmlns:a16="http://schemas.microsoft.com/office/drawing/2014/main" id="{7FF4DA88-5CA5-41D7-ABA3-241F2F3468E4}"/>
+              </a:ext>
+            </a:extLst>
+          </p:cNvPr>
+          <p:cNvSpPr txBox="1"/>
+          <p:nvPr/>
+        </p:nvSpPr>
+        <p:spPr>
+          <a:xfrm>
+            <a:off x="4682836" y="6388135"/>
+            <a:ext cx="6096000" cy="369332"/>
+          </a:xfrm>
+          <a:prstGeom prst="rect">
+            <a:avLst/>
+          </a:prstGeom>
+          <a:noFill/>
+        </p:spPr>
+        <p:txBody>
+          <a:bodyPr wrap="square">
+            <a:spAutoFit/>
+          </a:bodyPr>
+          <a:lstStyle/>
+          <a:p>
+            <a:r>
+              <a:rPr lang="en-US" altLang="ko-KR" dirty="0">
+                <a:solidFill>
+                  <a:schemeClr val="bg1"/>
+                </a:solidFill>
+                <a:latin typeface="휴먼편지체" panose="02030504000101010101" pitchFamily="18" charset="-127"/>
+                <a:ea typeface="휴먼편지체" panose="02030504000101010101" pitchFamily="18" charset="-127"/>
+              </a:rPr>
+              <a:t>Clean Code-</a:t>
+            </a:r>
+            <a:r>
+              <a:rPr lang="ko-KR" altLang="en-US" dirty="0">
+                <a:solidFill>
+                  <a:schemeClr val="bg1"/>
+                </a:solidFill>
+                <a:latin typeface="휴먼편지체" panose="02030504000101010101" pitchFamily="18" charset="-127"/>
+                <a:ea typeface="휴먼편지체" panose="02030504000101010101" pitchFamily="18" charset="-127"/>
+              </a:rPr>
+              <a:t>깔끔한 코드를 만들자</a:t>
+            </a:r>
+            <a:endParaRPr lang="en-US" altLang="ko-KR" dirty="0">
+              <a:solidFill>
+                <a:schemeClr val="bg1"/>
+              </a:solidFill>
+              <a:latin typeface="휴먼편지체" panose="02030504000101010101" pitchFamily="18" charset="-127"/>
+              <a:ea typeface="휴먼편지체" panose="02030504000101010101" pitchFamily="18" charset="-127"/>
+            </a:endParaRPr>
+          </a:p>
+        </p:txBody>
+      </p:sp>
+      <p:sp>
+        <p:nvSpPr>
+          <p:cNvPr id="14" name="제목 1">
+            <a:extLst>
+              <a:ext uri="{FF2B5EF4-FFF2-40B4-BE49-F238E27FC236}">
+                <a16:creationId xmlns:a16="http://schemas.microsoft.com/office/drawing/2014/main" id="{310B7686-3CCF-4629-BC34-4D325C22A39C}"/>
+              </a:ext>
+            </a:extLst>
+          </p:cNvPr>
+          <p:cNvSpPr txBox="1">
+            <a:spLocks/>
+          </p:cNvSpPr>
+          <p:nvPr/>
+        </p:nvSpPr>
+        <p:spPr>
+          <a:xfrm>
+            <a:off x="1212278" y="877751"/>
+            <a:ext cx="10515600" cy="1325563"/>
+          </a:xfrm>
+          <a:prstGeom prst="rect">
+            <a:avLst/>
+          </a:prstGeom>
+        </p:spPr>
+        <p:txBody>
+          <a:bodyPr vert="horz" lIns="91440" tIns="45720" rIns="91440" bIns="45720" rtlCol="0" anchor="ctr">
+            <a:normAutofit/>
+          </a:bodyPr>
+          <a:lstStyle>
+            <a:lvl1pPr algn="l" defTabSz="914400" rtl="0" eaLnBrk="1" latinLnBrk="1" hangingPunct="1">
+              <a:lnSpc>
+                <a:spcPct val="90000"/>
+              </a:lnSpc>
+              <a:spcBef>
+                <a:spcPct val="0"/>
+              </a:spcBef>
+              <a:buNone/>
+              <a:defRPr sz="4400" kern="1200">
+                <a:solidFill>
+                  <a:schemeClr val="tx1"/>
+                </a:solidFill>
+                <a:latin typeface="+mj-lt"/>
+                <a:ea typeface="+mj-ea"/>
+                <a:cs typeface="+mj-cs"/>
+              </a:defRPr>
+            </a:lvl1pPr>
+          </a:lstStyle>
+          <a:p>
+            <a:r>
+              <a:rPr lang="ko-KR" altLang="en-US" sz="2800" dirty="0">
+                <a:solidFill>
+                  <a:schemeClr val="bg1"/>
+                </a:solidFill>
+                <a:latin typeface="휴먼편지체" panose="02030504000101010101" pitchFamily="18" charset="-127"/>
+                <a:ea typeface="휴먼편지체" panose="02030504000101010101" pitchFamily="18" charset="-127"/>
+              </a:rPr>
+              <a:t>사업자 마이페이지</a:t>
+            </a:r>
+          </a:p>
+        </p:txBody>
+      </p:sp>
+      <p:pic>
+        <p:nvPicPr>
+          <p:cNvPr id="9" name="그림 8">
+            <a:extLst>
+              <a:ext uri="{FF2B5EF4-FFF2-40B4-BE49-F238E27FC236}">
+                <a16:creationId xmlns:a16="http://schemas.microsoft.com/office/drawing/2014/main" id="{44AA8B5D-0F5A-9DEC-9F5B-D3BC55594EA8}"/>
+              </a:ext>
+            </a:extLst>
+          </p:cNvPr>
+          <p:cNvPicPr>
+            <a:picLocks noChangeAspect="1"/>
+          </p:cNvPicPr>
+          <p:nvPr/>
+        </p:nvPicPr>
+        <p:blipFill>
+          <a:blip r:embed="rId2"/>
+          <a:stretch>
+            <a:fillRect/>
+          </a:stretch>
+        </p:blipFill>
+        <p:spPr>
+          <a:xfrm>
+            <a:off x="838200" y="1763786"/>
+            <a:ext cx="3960016" cy="4382357"/>
+          </a:xfrm>
+          <a:prstGeom prst="rect">
+            <a:avLst/>
+          </a:prstGeom>
+        </p:spPr>
+      </p:pic>
+      <p:sp>
+        <p:nvSpPr>
+          <p:cNvPr id="18" name="사각형: 둥근 모서리 17">
+            <a:extLst>
+              <a:ext uri="{FF2B5EF4-FFF2-40B4-BE49-F238E27FC236}">
+                <a16:creationId xmlns:a16="http://schemas.microsoft.com/office/drawing/2014/main" id="{5638EF3B-38B5-DE07-0BE1-DD2B1A41DED9}"/>
+              </a:ext>
+            </a:extLst>
+          </p:cNvPr>
+          <p:cNvSpPr/>
+          <p:nvPr/>
+        </p:nvSpPr>
+        <p:spPr>
+          <a:xfrm>
+            <a:off x="2818208" y="2517027"/>
+            <a:ext cx="1670908" cy="842481"/>
+          </a:xfrm>
+          <a:prstGeom prst="roundRect">
+            <a:avLst/>
+          </a:prstGeom>
+          <a:noFill/>
+          <a:ln w="57150">
+            <a:solidFill>
+              <a:schemeClr val="accent2"/>
+            </a:solidFill>
+          </a:ln>
+        </p:spPr>
+        <p:style>
+          <a:lnRef idx="2">
+            <a:schemeClr val="accent6"/>
+          </a:lnRef>
+          <a:fillRef idx="1">
+            <a:schemeClr val="lt1"/>
+          </a:fillRef>
+          <a:effectRef idx="0">
+            <a:schemeClr val="accent6"/>
+          </a:effectRef>
+          <a:fontRef idx="minor">
+            <a:schemeClr val="dk1"/>
+          </a:fontRef>
+        </p:style>
+        <p:txBody>
+          <a:bodyPr rtlCol="0" anchor="ctr"/>
+          <a:lstStyle/>
+          <a:p>
+            <a:pPr algn="ctr"/>
+            <a:endParaRPr lang="ko-KR" altLang="en-US"/>
+          </a:p>
+        </p:txBody>
+      </p:sp>
+      <p:pic>
+        <p:nvPicPr>
+          <p:cNvPr id="11" name="그림 10">
+            <a:extLst>
+              <a:ext uri="{FF2B5EF4-FFF2-40B4-BE49-F238E27FC236}">
+                <a16:creationId xmlns:a16="http://schemas.microsoft.com/office/drawing/2014/main" id="{2CEEDB3D-1D31-0CE2-997A-3D55619080A0}"/>
+              </a:ext>
+            </a:extLst>
+          </p:cNvPr>
+          <p:cNvPicPr>
+            <a:picLocks noChangeAspect="1"/>
+          </p:cNvPicPr>
+          <p:nvPr/>
+        </p:nvPicPr>
+        <p:blipFill>
+          <a:blip r:embed="rId3"/>
+          <a:stretch>
+            <a:fillRect/>
+          </a:stretch>
+        </p:blipFill>
+        <p:spPr>
+          <a:xfrm>
+            <a:off x="6662843" y="1060509"/>
+            <a:ext cx="4354195" cy="4919740"/>
+          </a:xfrm>
+          <a:prstGeom prst="rect">
+            <a:avLst/>
+          </a:prstGeom>
+        </p:spPr>
+      </p:pic>
+      <p:sp>
+        <p:nvSpPr>
+          <p:cNvPr id="16" name="사각형: 둥근 모서리 15">
+            <a:extLst>
+              <a:ext uri="{FF2B5EF4-FFF2-40B4-BE49-F238E27FC236}">
+                <a16:creationId xmlns:a16="http://schemas.microsoft.com/office/drawing/2014/main" id="{222A8BC2-1CC1-F1E7-8E6A-FF39C5A3317C}"/>
+              </a:ext>
+            </a:extLst>
+          </p:cNvPr>
+          <p:cNvSpPr/>
+          <p:nvPr/>
+        </p:nvSpPr>
+        <p:spPr>
+          <a:xfrm>
+            <a:off x="3390472" y="2974581"/>
+            <a:ext cx="455576" cy="251506"/>
+          </a:xfrm>
+          <a:prstGeom prst="roundRect">
+            <a:avLst/>
+          </a:prstGeom>
+          <a:noFill/>
+          <a:ln w="28575">
+            <a:solidFill>
+              <a:schemeClr val="accent2"/>
+            </a:solidFill>
+          </a:ln>
+        </p:spPr>
+        <p:style>
+          <a:lnRef idx="2">
+            <a:schemeClr val="accent6"/>
+          </a:lnRef>
+          <a:fillRef idx="1">
+            <a:schemeClr val="lt1"/>
+          </a:fillRef>
+          <a:effectRef idx="0">
+            <a:schemeClr val="accent6"/>
+          </a:effectRef>
+          <a:fontRef idx="minor">
+            <a:schemeClr val="dk1"/>
+          </a:fontRef>
+        </p:style>
+        <p:txBody>
+          <a:bodyPr rtlCol="0" anchor="ctr"/>
+          <a:lstStyle/>
+          <a:p>
+            <a:pPr algn="ctr"/>
+            <a:endParaRPr lang="ko-KR" altLang="en-US"/>
+          </a:p>
+        </p:txBody>
+      </p:sp>
+    </p:spTree>
+    <p:extLst>
+      <p:ext uri="{BB962C8B-B14F-4D97-AF65-F5344CB8AC3E}">
+        <p14:creationId xmlns:p14="http://schemas.microsoft.com/office/powerpoint/2010/main" val="1455130663"/>
+      </p:ext>
+    </p:extLst>
+  </p:cSld>
+  <p:clrMapOvr>
+    <a:masterClrMapping/>
+  </p:clrMapOvr>
+</p:sld>
+</file>
+
+<file path=ppt/slides/slide25.xml><?xml version="1.0" encoding="utf-8"?>
+<p:sld xmlns:a="http://schemas.openxmlformats.org/drawingml/2006/main" xmlns:r="http://schemas.openxmlformats.org/officeDocument/2006/relationships" xmlns:p="http://schemas.openxmlformats.org/presentationml/2006/main">
+  <p:cSld>
+    <p:spTree>
+      <p:nvGrpSpPr>
+        <p:cNvPr id="1" name=""/>
+        <p:cNvGrpSpPr/>
+        <p:nvPr/>
+      </p:nvGrpSpPr>
+      <p:grpSpPr>
+        <a:xfrm>
+          <a:off x="0" y="0"/>
+          <a:ext cx="0" cy="0"/>
+          <a:chOff x="0" y="0"/>
+          <a:chExt cx="0" cy="0"/>
+        </a:xfrm>
+      </p:grpSpPr>
+      <p:pic>
+        <p:nvPicPr>
+          <p:cNvPr id="17" name="그림 16">
+            <a:extLst>
+              <a:ext uri="{FF2B5EF4-FFF2-40B4-BE49-F238E27FC236}">
+                <a16:creationId xmlns:a16="http://schemas.microsoft.com/office/drawing/2014/main" id="{0BF9CF10-93A8-3107-9ED5-813656D59128}"/>
+              </a:ext>
+            </a:extLst>
+          </p:cNvPr>
+          <p:cNvPicPr>
+            <a:picLocks noChangeAspect="1"/>
+          </p:cNvPicPr>
+          <p:nvPr/>
+        </p:nvPicPr>
+        <p:blipFill>
+          <a:blip r:embed="rId2"/>
+          <a:stretch>
+            <a:fillRect/>
+          </a:stretch>
+        </p:blipFill>
+        <p:spPr>
+          <a:xfrm>
+            <a:off x="963721" y="1881701"/>
+            <a:ext cx="3726832" cy="4210892"/>
+          </a:xfrm>
+          <a:prstGeom prst="rect">
+            <a:avLst/>
+          </a:prstGeom>
+        </p:spPr>
+      </p:pic>
+      <p:sp>
+        <p:nvSpPr>
+          <p:cNvPr id="2" name="제목 1">
+            <a:extLst>
+              <a:ext uri="{FF2B5EF4-FFF2-40B4-BE49-F238E27FC236}">
+                <a16:creationId xmlns:a16="http://schemas.microsoft.com/office/drawing/2014/main" id="{5581770F-AFB3-4972-A730-0BC77333F67B}"/>
+              </a:ext>
+            </a:extLst>
+          </p:cNvPr>
+          <p:cNvSpPr>
+            <a:spLocks noGrp="1"/>
+          </p:cNvSpPr>
+          <p:nvPr>
+            <p:ph type="title"/>
+          </p:nvPr>
+        </p:nvSpPr>
+        <p:spPr/>
+        <p:txBody>
+          <a:bodyPr/>
+          <a:lstStyle/>
+          <a:p>
+            <a:r>
+              <a:rPr lang="ko-KR" altLang="en-US" dirty="0">
+                <a:solidFill>
+                  <a:schemeClr val="bg1"/>
+                </a:solidFill>
+                <a:latin typeface="휴먼편지체" panose="02030504000101010101" pitchFamily="18" charset="-127"/>
+                <a:ea typeface="휴먼편지체" panose="02030504000101010101" pitchFamily="18" charset="-127"/>
+              </a:rPr>
+              <a:t>프로젝트 수행경과</a:t>
+            </a:r>
+          </a:p>
+        </p:txBody>
+      </p:sp>
+      <p:cxnSp>
+        <p:nvCxnSpPr>
+          <p:cNvPr id="4" name="직선 연결선 3">
+            <a:extLst>
+              <a:ext uri="{FF2B5EF4-FFF2-40B4-BE49-F238E27FC236}">
+                <a16:creationId xmlns:a16="http://schemas.microsoft.com/office/drawing/2014/main" id="{49E58DE2-44AE-436B-B9DE-C7AA68529BA0}"/>
+              </a:ext>
+            </a:extLst>
+          </p:cNvPr>
+          <p:cNvCxnSpPr>
+            <a:cxnSpLocks/>
+          </p:cNvCxnSpPr>
+          <p:nvPr/>
+        </p:nvCxnSpPr>
+        <p:spPr>
+          <a:xfrm flipV="1">
+            <a:off x="348740" y="522463"/>
+            <a:ext cx="11530346" cy="4496"/>
+          </a:xfrm>
+          <a:prstGeom prst="line">
+            <a:avLst/>
+          </a:prstGeom>
+          <a:ln w="34925">
+            <a:solidFill>
+              <a:schemeClr val="bg1"/>
+            </a:solidFill>
+            <a:prstDash val="sysDash"/>
+          </a:ln>
+        </p:spPr>
+        <p:style>
+          <a:lnRef idx="1">
+            <a:schemeClr val="accent1"/>
+          </a:lnRef>
+          <a:fillRef idx="0">
+            <a:schemeClr val="accent1"/>
+          </a:fillRef>
+          <a:effectRef idx="0">
+            <a:schemeClr val="accent1"/>
+          </a:effectRef>
+          <a:fontRef idx="minor">
+            <a:schemeClr val="tx1"/>
+          </a:fontRef>
+        </p:style>
+      </p:cxnSp>
+      <p:cxnSp>
+        <p:nvCxnSpPr>
+          <p:cNvPr id="5" name="직선 연결선 4">
+            <a:extLst>
+              <a:ext uri="{FF2B5EF4-FFF2-40B4-BE49-F238E27FC236}">
+                <a16:creationId xmlns:a16="http://schemas.microsoft.com/office/drawing/2014/main" id="{4737A997-580A-4C54-944A-A1C889710B85}"/>
+              </a:ext>
+            </a:extLst>
+          </p:cNvPr>
+          <p:cNvCxnSpPr>
+            <a:cxnSpLocks/>
+          </p:cNvCxnSpPr>
+          <p:nvPr/>
+        </p:nvCxnSpPr>
+        <p:spPr>
+          <a:xfrm>
+            <a:off x="348740" y="6331041"/>
+            <a:ext cx="11588140" cy="0"/>
+          </a:xfrm>
+          <a:prstGeom prst="line">
+            <a:avLst/>
+          </a:prstGeom>
+          <a:ln w="34925">
+            <a:solidFill>
+              <a:schemeClr val="bg1"/>
+            </a:solidFill>
+            <a:prstDash val="sysDash"/>
+          </a:ln>
+        </p:spPr>
+        <p:style>
+          <a:lnRef idx="1">
+            <a:schemeClr val="accent1"/>
+          </a:lnRef>
+          <a:fillRef idx="0">
+            <a:schemeClr val="accent1"/>
+          </a:fillRef>
+          <a:effectRef idx="0">
+            <a:schemeClr val="accent1"/>
+          </a:effectRef>
+          <a:fontRef idx="minor">
+            <a:schemeClr val="tx1"/>
+          </a:fontRef>
+        </p:style>
+      </p:cxnSp>
+      <p:cxnSp>
+        <p:nvCxnSpPr>
+          <p:cNvPr id="6" name="직선 연결선 5">
+            <a:extLst>
+              <a:ext uri="{FF2B5EF4-FFF2-40B4-BE49-F238E27FC236}">
+                <a16:creationId xmlns:a16="http://schemas.microsoft.com/office/drawing/2014/main" id="{F1637CAD-1C07-455E-BE17-D393181386C8}"/>
+              </a:ext>
+            </a:extLst>
+          </p:cNvPr>
+          <p:cNvCxnSpPr>
+            <a:cxnSpLocks/>
+          </p:cNvCxnSpPr>
+          <p:nvPr/>
+        </p:nvCxnSpPr>
+        <p:spPr>
+          <a:xfrm>
+            <a:off x="348740" y="522463"/>
+            <a:ext cx="0" cy="5808578"/>
+          </a:xfrm>
+          <a:prstGeom prst="line">
+            <a:avLst/>
+          </a:prstGeom>
+          <a:ln w="34925">
+            <a:solidFill>
+              <a:schemeClr val="bg1"/>
+            </a:solidFill>
+            <a:prstDash val="sysDash"/>
+            <a:round/>
+          </a:ln>
+        </p:spPr>
+        <p:style>
+          <a:lnRef idx="1">
+            <a:schemeClr val="accent1"/>
+          </a:lnRef>
+          <a:fillRef idx="0">
+            <a:schemeClr val="accent1"/>
+          </a:fillRef>
+          <a:effectRef idx="0">
+            <a:schemeClr val="accent1"/>
+          </a:effectRef>
+          <a:fontRef idx="minor">
+            <a:schemeClr val="tx1"/>
+          </a:fontRef>
+        </p:style>
+      </p:cxnSp>
+      <p:cxnSp>
+        <p:nvCxnSpPr>
+          <p:cNvPr id="7" name="직선 연결선 6">
+            <a:extLst>
+              <a:ext uri="{FF2B5EF4-FFF2-40B4-BE49-F238E27FC236}">
+                <a16:creationId xmlns:a16="http://schemas.microsoft.com/office/drawing/2014/main" id="{FC18CBC1-2872-4E47-B8AB-29877E399BA0}"/>
+              </a:ext>
+            </a:extLst>
+          </p:cNvPr>
+          <p:cNvCxnSpPr>
+            <a:cxnSpLocks/>
+          </p:cNvCxnSpPr>
+          <p:nvPr/>
+        </p:nvCxnSpPr>
+        <p:spPr>
+          <a:xfrm>
+            <a:off x="11879086" y="562253"/>
+            <a:ext cx="0" cy="5768788"/>
+          </a:xfrm>
+          <a:prstGeom prst="line">
+            <a:avLst/>
+          </a:prstGeom>
+          <a:ln w="34925">
+            <a:solidFill>
+              <a:schemeClr val="bg1"/>
+            </a:solidFill>
+            <a:prstDash val="sysDash"/>
+          </a:ln>
+        </p:spPr>
+        <p:style>
+          <a:lnRef idx="1">
+            <a:schemeClr val="accent1"/>
+          </a:lnRef>
+          <a:fillRef idx="0">
+            <a:schemeClr val="accent1"/>
+          </a:fillRef>
+          <a:effectRef idx="0">
+            <a:schemeClr val="accent1"/>
+          </a:effectRef>
+          <a:fontRef idx="minor">
+            <a:schemeClr val="tx1"/>
+          </a:fontRef>
+        </p:style>
+      </p:cxnSp>
+      <p:sp>
+        <p:nvSpPr>
+          <p:cNvPr id="8" name="TextBox 7">
+            <a:extLst>
+              <a:ext uri="{FF2B5EF4-FFF2-40B4-BE49-F238E27FC236}">
+                <a16:creationId xmlns:a16="http://schemas.microsoft.com/office/drawing/2014/main" id="{7FF4DA88-5CA5-41D7-ABA3-241F2F3468E4}"/>
+              </a:ext>
+            </a:extLst>
+          </p:cNvPr>
+          <p:cNvSpPr txBox="1"/>
+          <p:nvPr/>
+        </p:nvSpPr>
+        <p:spPr>
+          <a:xfrm>
+            <a:off x="4682836" y="6388135"/>
+            <a:ext cx="6096000" cy="369332"/>
+          </a:xfrm>
+          <a:prstGeom prst="rect">
+            <a:avLst/>
+          </a:prstGeom>
+          <a:noFill/>
+        </p:spPr>
+        <p:txBody>
+          <a:bodyPr wrap="square">
+            <a:spAutoFit/>
+          </a:bodyPr>
+          <a:lstStyle/>
+          <a:p>
+            <a:r>
+              <a:rPr lang="en-US" altLang="ko-KR" dirty="0">
+                <a:solidFill>
+                  <a:schemeClr val="bg1"/>
+                </a:solidFill>
+                <a:latin typeface="휴먼편지체" panose="02030504000101010101" pitchFamily="18" charset="-127"/>
+                <a:ea typeface="휴먼편지체" panose="02030504000101010101" pitchFamily="18" charset="-127"/>
+              </a:rPr>
+              <a:t>Clean Code-</a:t>
+            </a:r>
+            <a:r>
+              <a:rPr lang="ko-KR" altLang="en-US" dirty="0">
+                <a:solidFill>
+                  <a:schemeClr val="bg1"/>
+                </a:solidFill>
+                <a:latin typeface="휴먼편지체" panose="02030504000101010101" pitchFamily="18" charset="-127"/>
+                <a:ea typeface="휴먼편지체" panose="02030504000101010101" pitchFamily="18" charset="-127"/>
+              </a:rPr>
+              <a:t>깔끔한 코드를 만들자</a:t>
+            </a:r>
+            <a:endParaRPr lang="en-US" altLang="ko-KR" dirty="0">
+              <a:solidFill>
+                <a:schemeClr val="bg1"/>
+              </a:solidFill>
+              <a:latin typeface="휴먼편지체" panose="02030504000101010101" pitchFamily="18" charset="-127"/>
+              <a:ea typeface="휴먼편지체" panose="02030504000101010101" pitchFamily="18" charset="-127"/>
+            </a:endParaRPr>
+          </a:p>
+        </p:txBody>
+      </p:sp>
+      <p:sp>
+        <p:nvSpPr>
+          <p:cNvPr id="14" name="제목 1">
+            <a:extLst>
+              <a:ext uri="{FF2B5EF4-FFF2-40B4-BE49-F238E27FC236}">
+                <a16:creationId xmlns:a16="http://schemas.microsoft.com/office/drawing/2014/main" id="{310B7686-3CCF-4629-BC34-4D325C22A39C}"/>
+              </a:ext>
+            </a:extLst>
+          </p:cNvPr>
+          <p:cNvSpPr txBox="1">
+            <a:spLocks/>
+          </p:cNvSpPr>
+          <p:nvPr/>
+        </p:nvSpPr>
+        <p:spPr>
+          <a:xfrm>
+            <a:off x="1212278" y="877751"/>
+            <a:ext cx="10515600" cy="1325563"/>
+          </a:xfrm>
+          <a:prstGeom prst="rect">
+            <a:avLst/>
+          </a:prstGeom>
+        </p:spPr>
+        <p:txBody>
+          <a:bodyPr vert="horz" lIns="91440" tIns="45720" rIns="91440" bIns="45720" rtlCol="0" anchor="ctr">
+            <a:normAutofit/>
+          </a:bodyPr>
+          <a:lstStyle>
+            <a:lvl1pPr algn="l" defTabSz="914400" rtl="0" eaLnBrk="1" latinLnBrk="1" hangingPunct="1">
+              <a:lnSpc>
+                <a:spcPct val="90000"/>
+              </a:lnSpc>
+              <a:spcBef>
+                <a:spcPct val="0"/>
+              </a:spcBef>
+              <a:buNone/>
+              <a:defRPr sz="4400" kern="1200">
+                <a:solidFill>
+                  <a:schemeClr val="tx1"/>
+                </a:solidFill>
+                <a:latin typeface="+mj-lt"/>
+                <a:ea typeface="+mj-ea"/>
+                <a:cs typeface="+mj-cs"/>
+              </a:defRPr>
+            </a:lvl1pPr>
+          </a:lstStyle>
+          <a:p>
+            <a:r>
+              <a:rPr lang="ko-KR" altLang="en-US" sz="2800" dirty="0">
+                <a:solidFill>
+                  <a:schemeClr val="bg1"/>
+                </a:solidFill>
+                <a:latin typeface="휴먼편지체" panose="02030504000101010101" pitchFamily="18" charset="-127"/>
+                <a:ea typeface="휴먼편지체" panose="02030504000101010101" pitchFamily="18" charset="-127"/>
+              </a:rPr>
+              <a:t>내 서비스 등록 관리하기</a:t>
+            </a:r>
+          </a:p>
+        </p:txBody>
+      </p:sp>
+      <p:pic>
+        <p:nvPicPr>
+          <p:cNvPr id="16" name="그림 15">
+            <a:extLst>
+              <a:ext uri="{FF2B5EF4-FFF2-40B4-BE49-F238E27FC236}">
+                <a16:creationId xmlns:a16="http://schemas.microsoft.com/office/drawing/2014/main" id="{801CDD5E-1AD7-D5D7-44A9-537E00D404EB}"/>
+              </a:ext>
+            </a:extLst>
+          </p:cNvPr>
+          <p:cNvPicPr>
+            <a:picLocks noChangeAspect="1"/>
+          </p:cNvPicPr>
+          <p:nvPr/>
+        </p:nvPicPr>
+        <p:blipFill>
+          <a:blip r:embed="rId3"/>
+          <a:stretch>
+            <a:fillRect/>
+          </a:stretch>
+        </p:blipFill>
+        <p:spPr>
+          <a:xfrm>
+            <a:off x="6662843" y="1065970"/>
+            <a:ext cx="4523797" cy="5080173"/>
+          </a:xfrm>
+          <a:prstGeom prst="rect">
+            <a:avLst/>
+          </a:prstGeom>
+        </p:spPr>
+      </p:pic>
+      <p:sp>
+        <p:nvSpPr>
+          <p:cNvPr id="18" name="사각형: 둥근 모서리 17">
+            <a:extLst>
+              <a:ext uri="{FF2B5EF4-FFF2-40B4-BE49-F238E27FC236}">
+                <a16:creationId xmlns:a16="http://schemas.microsoft.com/office/drawing/2014/main" id="{5638EF3B-38B5-DE07-0BE1-DD2B1A41DED9}"/>
+              </a:ext>
+            </a:extLst>
+          </p:cNvPr>
+          <p:cNvSpPr/>
+          <p:nvPr/>
+        </p:nvSpPr>
+        <p:spPr>
+          <a:xfrm>
+            <a:off x="3734942" y="2784297"/>
+            <a:ext cx="585628" cy="2887038"/>
+          </a:xfrm>
+          <a:prstGeom prst="roundRect">
+            <a:avLst/>
+          </a:prstGeom>
+          <a:noFill/>
+          <a:ln w="57150">
+            <a:solidFill>
+              <a:schemeClr val="accent2"/>
+            </a:solidFill>
+          </a:ln>
+        </p:spPr>
+        <p:style>
+          <a:lnRef idx="2">
+            <a:schemeClr val="accent6"/>
+          </a:lnRef>
+          <a:fillRef idx="1">
+            <a:schemeClr val="lt1"/>
+          </a:fillRef>
+          <a:effectRef idx="0">
+            <a:schemeClr val="accent6"/>
+          </a:effectRef>
+          <a:fontRef idx="minor">
+            <a:schemeClr val="dk1"/>
+          </a:fontRef>
+        </p:style>
+        <p:txBody>
+          <a:bodyPr rtlCol="0" anchor="ctr"/>
+          <a:lstStyle/>
+          <a:p>
+            <a:pPr algn="ctr"/>
+            <a:endParaRPr lang="ko-KR" altLang="en-US"/>
+          </a:p>
+        </p:txBody>
+      </p:sp>
+    </p:spTree>
+    <p:extLst>
+      <p:ext uri="{BB962C8B-B14F-4D97-AF65-F5344CB8AC3E}">
+        <p14:creationId xmlns:p14="http://schemas.microsoft.com/office/powerpoint/2010/main" val="202886402"/>
+      </p:ext>
+    </p:extLst>
+  </p:cSld>
+  <p:clrMapOvr>
+    <a:masterClrMapping/>
+  </p:clrMapOvr>
+</p:sld>
+</file>
+
+<file path=ppt/slides/slide26.xml><?xml version="1.0" encoding="utf-8"?>
 <p:sld xmlns:a="http://schemas.openxmlformats.org/drawingml/2006/main" xmlns:r="http://schemas.openxmlformats.org/officeDocument/2006/relationships" xmlns:p="http://schemas.openxmlformats.org/presentationml/2006/main">
   <p:cSld>
     <p:spTree>
@@ -18927,68 +21915,6 @@
           </a:p>
         </p:txBody>
       </p:sp>
-      <p:sp>
-        <p:nvSpPr>
-          <p:cNvPr id="12" name="내용 개체 틀 11">
-            <a:extLst>
-              <a:ext uri="{FF2B5EF4-FFF2-40B4-BE49-F238E27FC236}">
-                <a16:creationId xmlns:a16="http://schemas.microsoft.com/office/drawing/2014/main" id="{8F41AD01-EF1E-47A3-AFE2-35D702F57590}"/>
-              </a:ext>
-            </a:extLst>
-          </p:cNvPr>
-          <p:cNvSpPr>
-            <a:spLocks noGrp="1"/>
-          </p:cNvSpPr>
-          <p:nvPr>
-            <p:ph sz="half" idx="1"/>
-          </p:nvPr>
-        </p:nvSpPr>
-        <p:spPr/>
-        <p:txBody>
-          <a:bodyPr/>
-          <a:lstStyle/>
-          <a:p>
-            <a:endParaRPr lang="ko-KR" altLang="en-US" dirty="0">
-              <a:solidFill>
-                <a:schemeClr val="bg1"/>
-              </a:solidFill>
-              <a:latin typeface="휴먼편지체" panose="02030504000101010101" pitchFamily="18" charset="-127"/>
-              <a:ea typeface="휴먼편지체" panose="02030504000101010101" pitchFamily="18" charset="-127"/>
-            </a:endParaRPr>
-          </a:p>
-        </p:txBody>
-      </p:sp>
-      <p:sp>
-        <p:nvSpPr>
-          <p:cNvPr id="13" name="내용 개체 틀 12">
-            <a:extLst>
-              <a:ext uri="{FF2B5EF4-FFF2-40B4-BE49-F238E27FC236}">
-                <a16:creationId xmlns:a16="http://schemas.microsoft.com/office/drawing/2014/main" id="{84880ECF-D2E4-4F3F-B435-82A498ECB635}"/>
-              </a:ext>
-            </a:extLst>
-          </p:cNvPr>
-          <p:cNvSpPr>
-            <a:spLocks noGrp="1"/>
-          </p:cNvSpPr>
-          <p:nvPr>
-            <p:ph sz="half" idx="2"/>
-          </p:nvPr>
-        </p:nvSpPr>
-        <p:spPr/>
-        <p:txBody>
-          <a:bodyPr/>
-          <a:lstStyle/>
-          <a:p>
-            <a:endParaRPr lang="ko-KR" altLang="en-US" dirty="0">
-              <a:solidFill>
-                <a:schemeClr val="bg1"/>
-              </a:solidFill>
-              <a:latin typeface="휴먼편지체" panose="02030504000101010101" pitchFamily="18" charset="-127"/>
-              <a:ea typeface="휴먼편지체" panose="02030504000101010101" pitchFamily="18" charset="-127"/>
-            </a:endParaRPr>
-          </a:p>
-        </p:txBody>
-      </p:sp>
       <p:cxnSp>
         <p:nvCxnSpPr>
           <p:cNvPr id="4" name="직선 연결선 3">
@@ -19279,7 +22205,7 @@
                 <a:latin typeface="휴먼편지체" panose="02030504000101010101" pitchFamily="18" charset="-127"/>
                 <a:ea typeface="휴먼편지체" panose="02030504000101010101" pitchFamily="18" charset="-127"/>
               </a:rPr>
-              <a:t>회원가입</a:t>
+              <a:t>예약 주문관리</a:t>
             </a:r>
             <a:endParaRPr lang="ko-KR" altLang="en-US" sz="2800" dirty="0">
               <a:solidFill>
@@ -19294,7 +22220,7 @@
     </p:spTree>
     <p:extLst>
       <p:ext uri="{BB962C8B-B14F-4D97-AF65-F5344CB8AC3E}">
-        <p14:creationId xmlns:p14="http://schemas.microsoft.com/office/powerpoint/2010/main" val="4164203079"/>
+        <p14:creationId xmlns:p14="http://schemas.microsoft.com/office/powerpoint/2010/main" val="739972607"/>
       </p:ext>
     </p:extLst>
   </p:cSld>
@@ -19707,7 +22633,7 @@
                 <a:latin typeface="휴먼편지체" panose="02030504000101010101" pitchFamily="18" charset="-127"/>
                 <a:ea typeface="휴먼편지체" panose="02030504000101010101" pitchFamily="18" charset="-127"/>
               </a:rPr>
-              <a:t>예약시스템</a:t>
+              <a:t>회원가입</a:t>
             </a:r>
             <a:endParaRPr lang="ko-KR" altLang="en-US" sz="2800" dirty="0">
               <a:solidFill>
@@ -19722,7 +22648,7 @@
     </p:spTree>
     <p:extLst>
       <p:ext uri="{BB962C8B-B14F-4D97-AF65-F5344CB8AC3E}">
-        <p14:creationId xmlns:p14="http://schemas.microsoft.com/office/powerpoint/2010/main" val="2385090923"/>
+        <p14:creationId xmlns:p14="http://schemas.microsoft.com/office/powerpoint/2010/main" val="4164203079"/>
       </p:ext>
     </p:extLst>
   </p:cSld>
